--- a/doc/week2.pptx
+++ b/doc/week2.pptx
@@ -6,9 +6,12 @@
   </p:sldMasterIdLst>
   <p:sldIdLst>
     <p:sldId id="256" r:id="rId2"/>
-    <p:sldId id="257" r:id="rId3"/>
-    <p:sldId id="258" r:id="rId4"/>
-    <p:sldId id="259" r:id="rId5"/>
+    <p:sldId id="262" r:id="rId3"/>
+    <p:sldId id="257" r:id="rId4"/>
+    <p:sldId id="263" r:id="rId5"/>
+    <p:sldId id="258" r:id="rId6"/>
+    <p:sldId id="259" r:id="rId7"/>
+    <p:sldId id="260" r:id="rId8"/>
   </p:sldIdLst>
   <p:sldSz cx="12192000" cy="6858000"/>
   <p:notesSz cx="6858000" cy="9144000"/>
@@ -107,6 +110,26 @@
       </a:defRPr>
     </a:lvl9pPr>
   </p:defaultTextStyle>
+  <p:extLst>
+    <p:ext uri="{521415D9-36F7-43E2-AB2F-B90AF26B5E84}">
+      <p14:sectionLst xmlns:p14="http://schemas.microsoft.com/office/powerpoint/2010/main">
+        <p14:section name="Default Section" id="{08BC40D7-AEC3-48D0-9B26-9CC7127C4381}">
+          <p14:sldIdLst>
+            <p14:sldId id="256"/>
+            <p14:sldId id="262"/>
+            <p14:sldId id="257"/>
+            <p14:sldId id="263"/>
+            <p14:sldId id="258"/>
+            <p14:sldId id="259"/>
+            <p14:sldId id="260"/>
+          </p14:sldIdLst>
+        </p14:section>
+      </p14:sectionLst>
+    </p:ext>
+    <p:ext uri="{EFAFB233-063F-42B5-8137-9DF3F51BA10A}">
+      <p15:sldGuideLst xmlns:p15="http://schemas.microsoft.com/office/powerpoint/2012/main"/>
+    </p:ext>
+  </p:extLst>
 </p:presentation>
 </file>
 
@@ -269,7 +292,7 @@
           <a:p>
             <a:fld id="{73DA2E1B-A527-4F12-81B2-CB0BBAB58143}" type="datetimeFigureOut">
               <a:rPr lang="en-US" smtClean="0"/>
-              <a:t>3/12/2019</a:t>
+              <a:t>3/13/2019</a:t>
             </a:fld>
             <a:endParaRPr lang="en-US"/>
           </a:p>
@@ -467,7 +490,7 @@
           <a:p>
             <a:fld id="{73DA2E1B-A527-4F12-81B2-CB0BBAB58143}" type="datetimeFigureOut">
               <a:rPr lang="en-US" smtClean="0"/>
-              <a:t>3/12/2019</a:t>
+              <a:t>3/13/2019</a:t>
             </a:fld>
             <a:endParaRPr lang="en-US"/>
           </a:p>
@@ -675,7 +698,7 @@
           <a:p>
             <a:fld id="{73DA2E1B-A527-4F12-81B2-CB0BBAB58143}" type="datetimeFigureOut">
               <a:rPr lang="en-US" smtClean="0"/>
-              <a:t>3/12/2019</a:t>
+              <a:t>3/13/2019</a:t>
             </a:fld>
             <a:endParaRPr lang="en-US"/>
           </a:p>
@@ -873,7 +896,7 @@
           <a:p>
             <a:fld id="{73DA2E1B-A527-4F12-81B2-CB0BBAB58143}" type="datetimeFigureOut">
               <a:rPr lang="en-US" smtClean="0"/>
-              <a:t>3/12/2019</a:t>
+              <a:t>3/13/2019</a:t>
             </a:fld>
             <a:endParaRPr lang="en-US"/>
           </a:p>
@@ -1148,7 +1171,7 @@
           <a:p>
             <a:fld id="{73DA2E1B-A527-4F12-81B2-CB0BBAB58143}" type="datetimeFigureOut">
               <a:rPr lang="en-US" smtClean="0"/>
-              <a:t>3/12/2019</a:t>
+              <a:t>3/13/2019</a:t>
             </a:fld>
             <a:endParaRPr lang="en-US"/>
           </a:p>
@@ -1413,7 +1436,7 @@
           <a:p>
             <a:fld id="{73DA2E1B-A527-4F12-81B2-CB0BBAB58143}" type="datetimeFigureOut">
               <a:rPr lang="en-US" smtClean="0"/>
-              <a:t>3/12/2019</a:t>
+              <a:t>3/13/2019</a:t>
             </a:fld>
             <a:endParaRPr lang="en-US"/>
           </a:p>
@@ -1825,7 +1848,7 @@
           <a:p>
             <a:fld id="{73DA2E1B-A527-4F12-81B2-CB0BBAB58143}" type="datetimeFigureOut">
               <a:rPr lang="en-US" smtClean="0"/>
-              <a:t>3/12/2019</a:t>
+              <a:t>3/13/2019</a:t>
             </a:fld>
             <a:endParaRPr lang="en-US"/>
           </a:p>
@@ -1966,7 +1989,7 @@
           <a:p>
             <a:fld id="{73DA2E1B-A527-4F12-81B2-CB0BBAB58143}" type="datetimeFigureOut">
               <a:rPr lang="en-US" smtClean="0"/>
-              <a:t>3/12/2019</a:t>
+              <a:t>3/13/2019</a:t>
             </a:fld>
             <a:endParaRPr lang="en-US"/>
           </a:p>
@@ -2079,7 +2102,7 @@
           <a:p>
             <a:fld id="{73DA2E1B-A527-4F12-81B2-CB0BBAB58143}" type="datetimeFigureOut">
               <a:rPr lang="en-US" smtClean="0"/>
-              <a:t>3/12/2019</a:t>
+              <a:t>3/13/2019</a:t>
             </a:fld>
             <a:endParaRPr lang="en-US"/>
           </a:p>
@@ -2390,7 +2413,7 @@
           <a:p>
             <a:fld id="{73DA2E1B-A527-4F12-81B2-CB0BBAB58143}" type="datetimeFigureOut">
               <a:rPr lang="en-US" smtClean="0"/>
-              <a:t>3/12/2019</a:t>
+              <a:t>3/13/2019</a:t>
             </a:fld>
             <a:endParaRPr lang="en-US"/>
           </a:p>
@@ -2678,7 +2701,7 @@
           <a:p>
             <a:fld id="{73DA2E1B-A527-4F12-81B2-CB0BBAB58143}" type="datetimeFigureOut">
               <a:rPr lang="en-US" smtClean="0"/>
-              <a:t>3/12/2019</a:t>
+              <a:t>3/13/2019</a:t>
             </a:fld>
             <a:endParaRPr lang="en-US"/>
           </a:p>
@@ -2919,7 +2942,7 @@
           <a:p>
             <a:fld id="{73DA2E1B-A527-4F12-81B2-CB0BBAB58143}" type="datetimeFigureOut">
               <a:rPr lang="en-US" smtClean="0"/>
-              <a:t>3/12/2019</a:t>
+              <a:t>3/13/2019</a:t>
             </a:fld>
             <a:endParaRPr lang="en-US"/>
           </a:p>
@@ -3402,8 +3425,12 @@
           </a:p>
           <a:p>
             <a:r>
+              <a:rPr lang="en-US" sz="2800" dirty="0"/>
+              <a:t>Week2</a:t>
+            </a:r>
+            <a:r>
               <a:rPr lang="en-US" dirty="0"/>
-              <a:t>Week2 </a:t>
+              <a:t> </a:t>
             </a:r>
           </a:p>
         </p:txBody>
@@ -3461,7 +3488,7 @@
           <a:p>
             <a:r>
               <a:rPr lang="en-US" dirty="0"/>
-              <a:t>Three Categories of Rules in Documentation</a:t>
+              <a:t>Categories of Rules in Documentation</a:t>
             </a:r>
           </a:p>
         </p:txBody>
@@ -3482,9 +3509,16 @@
             <p:ph idx="1"/>
           </p:nvPr>
         </p:nvSpPr>
-        <p:spPr/>
-        <p:txBody>
-          <a:bodyPr/>
+        <p:spPr>
+          <a:xfrm>
+            <a:off x="838200" y="1524000"/>
+            <a:ext cx="10515600" cy="4652963"/>
+          </a:xfrm>
+        </p:spPr>
+        <p:txBody>
+          <a:bodyPr>
+            <a:normAutofit fontScale="92500" lnSpcReduction="10000"/>
+          </a:bodyPr>
           <a:lstStyle/>
           <a:p>
             <a:endParaRPr lang="en-US" dirty="0"/>
@@ -3496,6 +3530,9 @@
             </a:r>
           </a:p>
           <a:p>
+            <a:pPr marL="0" indent="0">
+              <a:buNone/>
+            </a:pPr>
             <a:endParaRPr lang="en-US" dirty="0"/>
           </a:p>
           <a:p>
@@ -3510,7 +3547,33 @@
           <a:p>
             <a:r>
               <a:rPr lang="en-US" dirty="0"/>
-              <a:t>Compulsory Rules</a:t>
+              <a:t>Rough </a:t>
+            </a:r>
+            <a:r>
+              <a:rPr lang="en-US" altLang="zh-CN" dirty="0"/>
+              <a:t>Rule</a:t>
+            </a:r>
+          </a:p>
+          <a:p>
+            <a:endParaRPr lang="en-US" dirty="0"/>
+          </a:p>
+          <a:p>
+            <a:r>
+              <a:rPr lang="en-US" dirty="0"/>
+              <a:t>Systematical Rule </a:t>
+            </a:r>
+          </a:p>
+          <a:p>
+            <a:endParaRPr lang="en-US" dirty="0"/>
+          </a:p>
+          <a:p>
+            <a:r>
+              <a:rPr lang="en-US" altLang="zh-CN" dirty="0"/>
+              <a:t>Quantitative</a:t>
+            </a:r>
+            <a:r>
+              <a:rPr lang="en-US" dirty="0"/>
+              <a:t> Rule</a:t>
             </a:r>
           </a:p>
         </p:txBody>
@@ -3518,7 +3581,7 @@
     </p:spTree>
     <p:extLst>
       <p:ext uri="{BB962C8B-B14F-4D97-AF65-F5344CB8AC3E}">
-        <p14:creationId xmlns:p14="http://schemas.microsoft.com/office/powerpoint/2010/main" val="3083815018"/>
+        <p14:creationId xmlns:p14="http://schemas.microsoft.com/office/powerpoint/2010/main" val="1524394433"/>
       </p:ext>
     </p:extLst>
   </p:cSld>
@@ -3550,7 +3613,7 @@
           <p:cNvPr id="2" name="Title 1">
             <a:extLst>
               <a:ext uri="{FF2B5EF4-FFF2-40B4-BE49-F238E27FC236}">
-                <a16:creationId xmlns:a16="http://schemas.microsoft.com/office/drawing/2014/main" id="{5B3CD27E-CC4B-49AC-B67C-7866217A812B}"/>
+                <a16:creationId xmlns:a16="http://schemas.microsoft.com/office/drawing/2014/main" id="{ABBBFCD5-CD19-44F6-B06C-8EC04CBFB09D}"/>
               </a:ext>
             </a:extLst>
           </p:cNvPr>
@@ -3568,7 +3631,7 @@
           <a:p>
             <a:r>
               <a:rPr lang="en-US" dirty="0"/>
-              <a:t>Dynamic Behavior Rules</a:t>
+              <a:t>Categories of Rules in Documentation</a:t>
             </a:r>
           </a:p>
         </p:txBody>
@@ -3578,7 +3641,7 @@
           <p:cNvPr id="3" name="Content Placeholder 2">
             <a:extLst>
               <a:ext uri="{FF2B5EF4-FFF2-40B4-BE49-F238E27FC236}">
-                <a16:creationId xmlns:a16="http://schemas.microsoft.com/office/drawing/2014/main" id="{CEB5147D-8DEC-4DFA-8D58-67C585A18AF4}"/>
+                <a16:creationId xmlns:a16="http://schemas.microsoft.com/office/drawing/2014/main" id="{84A45980-902F-40E2-A4A2-428F4EE1D929}"/>
               </a:ext>
             </a:extLst>
           </p:cNvPr>
@@ -3589,19 +3652,94 @@
             <p:ph idx="1"/>
           </p:nvPr>
         </p:nvSpPr>
-        <p:spPr/>
-        <p:txBody>
-          <a:bodyPr/>
-          <a:lstStyle/>
-          <a:p>
+        <p:spPr>
+          <a:xfrm>
+            <a:off x="838200" y="1524000"/>
+            <a:ext cx="10515600" cy="4652963"/>
+          </a:xfrm>
+        </p:spPr>
+        <p:txBody>
+          <a:bodyPr>
+            <a:normAutofit/>
+          </a:bodyPr>
+          <a:lstStyle/>
+          <a:p>
+            <a:r>
+              <a:rPr lang="en-US" dirty="0"/>
+              <a:t>Infeasible to Encode </a:t>
+            </a:r>
+          </a:p>
+          <a:p>
+            <a:pPr lvl="1"/>
+            <a:r>
+              <a:rPr lang="en-US" dirty="0"/>
+              <a:t>Dynamic Behavior </a:t>
+            </a:r>
+          </a:p>
+          <a:p>
+            <a:pPr lvl="1"/>
+            <a:r>
+              <a:rPr lang="en-US" dirty="0"/>
+              <a:t>Suggestion</a:t>
+            </a:r>
+          </a:p>
+          <a:p>
+            <a:pPr lvl="1"/>
+            <a:r>
+              <a:rPr lang="en-US" dirty="0"/>
+              <a:t>Rough </a:t>
+            </a:r>
+            <a:r>
+              <a:rPr lang="en-US" altLang="zh-CN" dirty="0"/>
+              <a:t>Rule</a:t>
+            </a:r>
+          </a:p>
+          <a:p>
+            <a:pPr lvl="1"/>
+            <a:endParaRPr lang="en-US" altLang="zh-CN" dirty="0"/>
+          </a:p>
+          <a:p>
+            <a:r>
+              <a:rPr lang="en-US" dirty="0"/>
+              <a:t>Hard to Implement </a:t>
+            </a:r>
+          </a:p>
+          <a:p>
+            <a:pPr lvl="1"/>
+            <a:r>
+              <a:rPr lang="en-US" altLang="zh-CN" dirty="0"/>
+              <a:t>Systematical Rule </a:t>
+            </a:r>
+          </a:p>
+          <a:p>
+            <a:pPr marL="457200" lvl="1" indent="0">
+              <a:buNone/>
+            </a:pPr>
             <a:endParaRPr lang="en-US" dirty="0"/>
+          </a:p>
+          <a:p>
+            <a:r>
+              <a:rPr lang="en-US" dirty="0"/>
+              <a:t>Implementable </a:t>
+            </a:r>
+          </a:p>
+          <a:p>
+            <a:pPr lvl="1"/>
+            <a:r>
+              <a:rPr lang="en-US" altLang="zh-CN" dirty="0"/>
+              <a:t>Quantitative</a:t>
+            </a:r>
+            <a:r>
+              <a:rPr lang="en-US" dirty="0"/>
+              <a:t> Rule </a:t>
+            </a:r>
           </a:p>
         </p:txBody>
       </p:sp>
     </p:spTree>
     <p:extLst>
       <p:ext uri="{BB962C8B-B14F-4D97-AF65-F5344CB8AC3E}">
-        <p14:creationId xmlns:p14="http://schemas.microsoft.com/office/powerpoint/2010/main" val="3383915200"/>
+        <p14:creationId xmlns:p14="http://schemas.microsoft.com/office/powerpoint/2010/main" val="3083815018"/>
       </p:ext>
     </p:extLst>
   </p:cSld>
@@ -3633,6 +3771,249 @@
           <p:cNvPr id="2" name="Title 1">
             <a:extLst>
               <a:ext uri="{FF2B5EF4-FFF2-40B4-BE49-F238E27FC236}">
+                <a16:creationId xmlns:a16="http://schemas.microsoft.com/office/drawing/2014/main" id="{7523B3E2-AB78-4B1F-AF8A-51FC9AC729AF}"/>
+              </a:ext>
+            </a:extLst>
+          </p:cNvPr>
+          <p:cNvSpPr>
+            <a:spLocks noGrp="1"/>
+          </p:cNvSpPr>
+          <p:nvPr>
+            <p:ph type="title"/>
+          </p:nvPr>
+        </p:nvSpPr>
+        <p:spPr/>
+        <p:txBody>
+          <a:bodyPr/>
+          <a:lstStyle/>
+          <a:p>
+            <a:r>
+              <a:rPr lang="en-US" dirty="0"/>
+              <a:t>Infeasible to Encode </a:t>
+            </a:r>
+          </a:p>
+        </p:txBody>
+      </p:sp>
+      <p:sp>
+        <p:nvSpPr>
+          <p:cNvPr id="3" name="Content Placeholder 2">
+            <a:extLst>
+              <a:ext uri="{FF2B5EF4-FFF2-40B4-BE49-F238E27FC236}">
+                <a16:creationId xmlns:a16="http://schemas.microsoft.com/office/drawing/2014/main" id="{D3E171E3-C67F-48BB-80CD-0F1A803CF7C1}"/>
+              </a:ext>
+            </a:extLst>
+          </p:cNvPr>
+          <p:cNvSpPr>
+            <a:spLocks noGrp="1"/>
+          </p:cNvSpPr>
+          <p:nvPr>
+            <p:ph idx="1"/>
+          </p:nvPr>
+        </p:nvSpPr>
+        <p:spPr/>
+        <p:txBody>
+          <a:bodyPr/>
+          <a:lstStyle/>
+          <a:p>
+            <a:pPr marL="0" indent="0">
+              <a:buNone/>
+            </a:pPr>
+            <a:r>
+              <a:rPr lang="en-US" dirty="0"/>
+              <a:t>The rules in this category is either impossible to detect by the methods used in this stage</a:t>
+            </a:r>
+          </a:p>
+          <a:p>
+            <a:pPr marL="0" indent="0">
+              <a:buNone/>
+            </a:pPr>
+            <a:r>
+              <a:rPr lang="en-US" dirty="0"/>
+              <a:t>	- Dynamic Rule</a:t>
+            </a:r>
+          </a:p>
+          <a:p>
+            <a:pPr marL="0" indent="0">
+              <a:buNone/>
+            </a:pPr>
+            <a:r>
+              <a:rPr lang="en-US" dirty="0"/>
+              <a:t>or just some illustrative description</a:t>
+            </a:r>
+          </a:p>
+          <a:p>
+            <a:pPr marL="0" indent="0">
+              <a:buNone/>
+            </a:pPr>
+            <a:r>
+              <a:rPr lang="en-US" dirty="0"/>
+              <a:t>	- Suggestion</a:t>
+            </a:r>
+          </a:p>
+          <a:p>
+            <a:pPr marL="0" indent="0">
+              <a:buNone/>
+            </a:pPr>
+            <a:r>
+              <a:rPr lang="en-US" dirty="0"/>
+              <a:t>or too fuzzy to encode</a:t>
+            </a:r>
+          </a:p>
+          <a:p>
+            <a:pPr marL="0" indent="0">
+              <a:buNone/>
+            </a:pPr>
+            <a:r>
+              <a:rPr lang="en-US" dirty="0"/>
+              <a:t>	- Rough Rule </a:t>
+            </a:r>
+          </a:p>
+        </p:txBody>
+      </p:sp>
+    </p:spTree>
+    <p:extLst>
+      <p:ext uri="{BB962C8B-B14F-4D97-AF65-F5344CB8AC3E}">
+        <p14:creationId xmlns:p14="http://schemas.microsoft.com/office/powerpoint/2010/main" val="2744571413"/>
+      </p:ext>
+    </p:extLst>
+  </p:cSld>
+  <p:clrMapOvr>
+    <a:masterClrMapping/>
+  </p:clrMapOvr>
+</p:sld>
+</file>
+
+<file path=ppt/slides/slide5.xml><?xml version="1.0" encoding="utf-8"?>
+<p:sld xmlns:a="http://schemas.openxmlformats.org/drawingml/2006/main" xmlns:r="http://schemas.openxmlformats.org/officeDocument/2006/relationships" xmlns:p="http://schemas.openxmlformats.org/presentationml/2006/main">
+  <p:cSld>
+    <p:spTree>
+      <p:nvGrpSpPr>
+        <p:cNvPr id="1" name=""/>
+        <p:cNvGrpSpPr/>
+        <p:nvPr/>
+      </p:nvGrpSpPr>
+      <p:grpSpPr>
+        <a:xfrm>
+          <a:off x="0" y="0"/>
+          <a:ext cx="0" cy="0"/>
+          <a:chOff x="0" y="0"/>
+          <a:chExt cx="0" cy="0"/>
+        </a:xfrm>
+      </p:grpSpPr>
+      <p:sp>
+        <p:nvSpPr>
+          <p:cNvPr id="2" name="Title 1">
+            <a:extLst>
+              <a:ext uri="{FF2B5EF4-FFF2-40B4-BE49-F238E27FC236}">
+                <a16:creationId xmlns:a16="http://schemas.microsoft.com/office/drawing/2014/main" id="{5B3CD27E-CC4B-49AC-B67C-7866217A812B}"/>
+              </a:ext>
+            </a:extLst>
+          </p:cNvPr>
+          <p:cNvSpPr>
+            <a:spLocks noGrp="1"/>
+          </p:cNvSpPr>
+          <p:nvPr>
+            <p:ph type="title"/>
+          </p:nvPr>
+        </p:nvSpPr>
+        <p:spPr/>
+        <p:txBody>
+          <a:bodyPr/>
+          <a:lstStyle/>
+          <a:p>
+            <a:r>
+              <a:rPr lang="en-US" dirty="0"/>
+              <a:t>Dynamic Behavior Rules</a:t>
+            </a:r>
+          </a:p>
+        </p:txBody>
+      </p:sp>
+      <p:sp>
+        <p:nvSpPr>
+          <p:cNvPr id="3" name="Content Placeholder 2">
+            <a:extLst>
+              <a:ext uri="{FF2B5EF4-FFF2-40B4-BE49-F238E27FC236}">
+                <a16:creationId xmlns:a16="http://schemas.microsoft.com/office/drawing/2014/main" id="{CEB5147D-8DEC-4DFA-8D58-67C585A18AF4}"/>
+              </a:ext>
+            </a:extLst>
+          </p:cNvPr>
+          <p:cNvSpPr>
+            <a:spLocks noGrp="1"/>
+          </p:cNvSpPr>
+          <p:nvPr>
+            <p:ph idx="1"/>
+          </p:nvPr>
+        </p:nvSpPr>
+        <p:spPr>
+          <a:xfrm>
+            <a:off x="838200" y="1507067"/>
+            <a:ext cx="10515600" cy="4669896"/>
+          </a:xfrm>
+        </p:spPr>
+        <p:txBody>
+          <a:bodyPr/>
+          <a:lstStyle/>
+          <a:p>
+            <a:pPr marL="0" indent="0">
+              <a:buNone/>
+            </a:pPr>
+            <a:r>
+              <a:rPr lang="en-US" dirty="0"/>
+              <a:t>Those rules are instructive and helpful for design, but hard or even impossible to be programmed into code at current stage.</a:t>
+            </a:r>
+          </a:p>
+          <a:p>
+            <a:pPr marL="0" indent="0">
+              <a:buNone/>
+            </a:pPr>
+            <a:endParaRPr lang="en-US" dirty="0"/>
+          </a:p>
+          <a:p>
+            <a:pPr marL="0" indent="0">
+              <a:buNone/>
+            </a:pPr>
+            <a:r>
+              <a:rPr lang="en-US" dirty="0"/>
+              <a:t>“</a:t>
+            </a:r>
+          </a:p>
+        </p:txBody>
+      </p:sp>
+    </p:spTree>
+    <p:extLst>
+      <p:ext uri="{BB962C8B-B14F-4D97-AF65-F5344CB8AC3E}">
+        <p14:creationId xmlns:p14="http://schemas.microsoft.com/office/powerpoint/2010/main" val="3383915200"/>
+      </p:ext>
+    </p:extLst>
+  </p:cSld>
+  <p:clrMapOvr>
+    <a:masterClrMapping/>
+  </p:clrMapOvr>
+</p:sld>
+</file>
+
+<file path=ppt/slides/slide6.xml><?xml version="1.0" encoding="utf-8"?>
+<p:sld xmlns:a="http://schemas.openxmlformats.org/drawingml/2006/main" xmlns:r="http://schemas.openxmlformats.org/officeDocument/2006/relationships" xmlns:p="http://schemas.openxmlformats.org/presentationml/2006/main">
+  <p:cSld>
+    <p:spTree>
+      <p:nvGrpSpPr>
+        <p:cNvPr id="1" name=""/>
+        <p:cNvGrpSpPr/>
+        <p:nvPr/>
+      </p:nvGrpSpPr>
+      <p:grpSpPr>
+        <a:xfrm>
+          <a:off x="0" y="0"/>
+          <a:ext cx="0" cy="0"/>
+          <a:chOff x="0" y="0"/>
+          <a:chExt cx="0" cy="0"/>
+        </a:xfrm>
+      </p:grpSpPr>
+      <p:sp>
+        <p:nvSpPr>
+          <p:cNvPr id="2" name="Title 1">
+            <a:extLst>
+              <a:ext uri="{FF2B5EF4-FFF2-40B4-BE49-F238E27FC236}">
                 <a16:creationId xmlns:a16="http://schemas.microsoft.com/office/drawing/2014/main" id="{A48531B3-B9EF-4E47-B0BD-F18828BEC3BB}"/>
               </a:ext>
             </a:extLst>
@@ -3672,7 +4053,12 @@
             <p:ph idx="1"/>
           </p:nvPr>
         </p:nvSpPr>
-        <p:spPr/>
+        <p:spPr>
+          <a:xfrm>
+            <a:off x="838200" y="1551781"/>
+            <a:ext cx="10515600" cy="4625182"/>
+          </a:xfrm>
+        </p:spPr>
         <p:txBody>
           <a:bodyPr/>
           <a:lstStyle/>
@@ -3682,7 +4068,7 @@
             </a:pPr>
             <a:r>
               <a:rPr lang="en-US" dirty="0"/>
-              <a:t>Your design “could” …</a:t>
+              <a:t>Those rules are illustrative guide but no more operative details.</a:t>
             </a:r>
           </a:p>
           <a:p>
@@ -3690,6 +4076,15 @@
               <a:buNone/>
             </a:pPr>
             <a:endParaRPr lang="en-US" dirty="0"/>
+          </a:p>
+          <a:p>
+            <a:pPr marL="0" indent="0">
+              <a:buNone/>
+            </a:pPr>
+            <a:r>
+              <a:rPr lang="en-US" i="1" dirty="0"/>
+              <a:t>“Your design ‘could’ …”</a:t>
+            </a:r>
           </a:p>
         </p:txBody>
       </p:sp>
@@ -3715,7 +4110,7 @@
         </p:blipFill>
         <p:spPr>
           <a:xfrm>
-            <a:off x="2881312" y="2696369"/>
+            <a:off x="2881312" y="3170502"/>
             <a:ext cx="6429375" cy="2609850"/>
           </a:xfrm>
           <a:prstGeom prst="rect">
@@ -3727,6 +4122,115 @@
     <p:extLst>
       <p:ext uri="{BB962C8B-B14F-4D97-AF65-F5344CB8AC3E}">
         <p14:creationId xmlns:p14="http://schemas.microsoft.com/office/powerpoint/2010/main" val="1423341005"/>
+      </p:ext>
+    </p:extLst>
+  </p:cSld>
+  <p:clrMapOvr>
+    <a:masterClrMapping/>
+  </p:clrMapOvr>
+</p:sld>
+</file>
+
+<file path=ppt/slides/slide7.xml><?xml version="1.0" encoding="utf-8"?>
+<p:sld xmlns:a="http://schemas.openxmlformats.org/drawingml/2006/main" xmlns:r="http://schemas.openxmlformats.org/officeDocument/2006/relationships" xmlns:p="http://schemas.openxmlformats.org/presentationml/2006/main">
+  <p:cSld>
+    <p:spTree>
+      <p:nvGrpSpPr>
+        <p:cNvPr id="1" name=""/>
+        <p:cNvGrpSpPr/>
+        <p:nvPr/>
+      </p:nvGrpSpPr>
+      <p:grpSpPr>
+        <a:xfrm>
+          <a:off x="0" y="0"/>
+          <a:ext cx="0" cy="0"/>
+          <a:chOff x="0" y="0"/>
+          <a:chExt cx="0" cy="0"/>
+        </a:xfrm>
+      </p:grpSpPr>
+      <p:sp>
+        <p:nvSpPr>
+          <p:cNvPr id="2" name="Title 1">
+            <a:extLst>
+              <a:ext uri="{FF2B5EF4-FFF2-40B4-BE49-F238E27FC236}">
+                <a16:creationId xmlns:a16="http://schemas.microsoft.com/office/drawing/2014/main" id="{CDB8842C-AB54-4B10-B60B-B1F8E78ABC51}"/>
+              </a:ext>
+            </a:extLst>
+          </p:cNvPr>
+          <p:cNvSpPr>
+            <a:spLocks noGrp="1"/>
+          </p:cNvSpPr>
+          <p:nvPr>
+            <p:ph type="title"/>
+          </p:nvPr>
+        </p:nvSpPr>
+        <p:spPr/>
+        <p:txBody>
+          <a:bodyPr/>
+          <a:lstStyle/>
+          <a:p>
+            <a:r>
+              <a:rPr lang="en-US" dirty="0"/>
+              <a:t>Rough Rule</a:t>
+            </a:r>
+          </a:p>
+        </p:txBody>
+      </p:sp>
+      <p:sp>
+        <p:nvSpPr>
+          <p:cNvPr id="3" name="Content Placeholder 2">
+            <a:extLst>
+              <a:ext uri="{FF2B5EF4-FFF2-40B4-BE49-F238E27FC236}">
+                <a16:creationId xmlns:a16="http://schemas.microsoft.com/office/drawing/2014/main" id="{925D3D52-AB97-4A3C-98C6-3BBC6ED594EF}"/>
+              </a:ext>
+            </a:extLst>
+          </p:cNvPr>
+          <p:cNvSpPr>
+            <a:spLocks noGrp="1"/>
+          </p:cNvSpPr>
+          <p:nvPr>
+            <p:ph idx="1"/>
+          </p:nvPr>
+        </p:nvSpPr>
+        <p:spPr>
+          <a:xfrm>
+            <a:off x="838200" y="1507067"/>
+            <a:ext cx="10515600" cy="4669896"/>
+          </a:xfrm>
+        </p:spPr>
+        <p:txBody>
+          <a:bodyPr/>
+          <a:lstStyle/>
+          <a:p>
+            <a:pPr marL="0" indent="0">
+              <a:buNone/>
+            </a:pPr>
+            <a:r>
+              <a:rPr lang="en-US" dirty="0"/>
+              <a:t>Those rules indicate what should or should not do, the standard, however, is ambiguous and empirical.</a:t>
+            </a:r>
+          </a:p>
+          <a:p>
+            <a:pPr marL="0" indent="0">
+              <a:buNone/>
+            </a:pPr>
+            <a:endParaRPr lang="en-US" u="sng" dirty="0"/>
+          </a:p>
+          <a:p>
+            <a:pPr marL="0" indent="0">
+              <a:buNone/>
+            </a:pPr>
+            <a:r>
+              <a:rPr lang="en-US" i="1" dirty="0"/>
+              <a:t>“The button should not be ‘too large’, the text in title should be ‘light enough’ …”</a:t>
+            </a:r>
+          </a:p>
+        </p:txBody>
+      </p:sp>
+    </p:spTree>
+    <p:extLst>
+      <p:ext uri="{BB962C8B-B14F-4D97-AF65-F5344CB8AC3E}">
+        <p14:creationId xmlns:p14="http://schemas.microsoft.com/office/powerpoint/2010/main" val="323951264"/>
       </p:ext>
     </p:extLst>
   </p:cSld>

--- a/doc/week2.pptx
+++ b/doc/week2.pptx
@@ -2,16 +2,27 @@
 <file path=ppt/presentation.xml><?xml version="1.0" encoding="utf-8"?>
 <p:presentation xmlns:a="http://schemas.openxmlformats.org/drawingml/2006/main" xmlns:r="http://schemas.openxmlformats.org/officeDocument/2006/relationships" xmlns:p="http://schemas.openxmlformats.org/presentationml/2006/main" saveSubsetFonts="1">
   <p:sldMasterIdLst>
-    <p:sldMasterId id="2147483648" r:id="rId1"/>
+    <p:sldMasterId id="2147483714" r:id="rId1"/>
   </p:sldMasterIdLst>
+  <p:notesMasterIdLst>
+    <p:notesMasterId r:id="rId17"/>
+  </p:notesMasterIdLst>
   <p:sldIdLst>
     <p:sldId id="256" r:id="rId2"/>
-    <p:sldId id="262" r:id="rId3"/>
-    <p:sldId id="257" r:id="rId4"/>
-    <p:sldId id="263" r:id="rId5"/>
-    <p:sldId id="258" r:id="rId6"/>
-    <p:sldId id="259" r:id="rId7"/>
-    <p:sldId id="260" r:id="rId8"/>
+    <p:sldId id="268" r:id="rId3"/>
+    <p:sldId id="262" r:id="rId4"/>
+    <p:sldId id="257" r:id="rId5"/>
+    <p:sldId id="263" r:id="rId6"/>
+    <p:sldId id="258" r:id="rId7"/>
+    <p:sldId id="271" r:id="rId8"/>
+    <p:sldId id="270" r:id="rId9"/>
+    <p:sldId id="259" r:id="rId10"/>
+    <p:sldId id="266" r:id="rId11"/>
+    <p:sldId id="260" r:id="rId12"/>
+    <p:sldId id="264" r:id="rId13"/>
+    <p:sldId id="265" r:id="rId14"/>
+    <p:sldId id="267" r:id="rId15"/>
+    <p:sldId id="269" r:id="rId16"/>
   </p:sldIdLst>
   <p:sldSz cx="12192000" cy="6858000"/>
   <p:notesSz cx="6858000" cy="9144000"/>
@@ -116,12 +127,20 @@
         <p14:section name="Default Section" id="{08BC40D7-AEC3-48D0-9B26-9CC7127C4381}">
           <p14:sldIdLst>
             <p14:sldId id="256"/>
+            <p14:sldId id="268"/>
             <p14:sldId id="262"/>
             <p14:sldId id="257"/>
             <p14:sldId id="263"/>
             <p14:sldId id="258"/>
+            <p14:sldId id="271"/>
+            <p14:sldId id="270"/>
             <p14:sldId id="259"/>
+            <p14:sldId id="266"/>
             <p14:sldId id="260"/>
+            <p14:sldId id="264"/>
+            <p14:sldId id="265"/>
+            <p14:sldId id="267"/>
+            <p14:sldId id="269"/>
           </p14:sldIdLst>
         </p14:section>
       </p14:sectionLst>
@@ -145,6 +164,439 @@
 </p:cmAuthorLst>
 </file>
 
+<file path=ppt/notesMasters/notesMaster1.xml><?xml version="1.0" encoding="utf-8"?>
+<p:notesMaster xmlns:a="http://schemas.openxmlformats.org/drawingml/2006/main" xmlns:r="http://schemas.openxmlformats.org/officeDocument/2006/relationships" xmlns:p="http://schemas.openxmlformats.org/presentationml/2006/main">
+  <p:cSld>
+    <p:bg>
+      <p:bgRef idx="1001">
+        <a:schemeClr val="bg1"/>
+      </p:bgRef>
+    </p:bg>
+    <p:spTree>
+      <p:nvGrpSpPr>
+        <p:cNvPr id="1" name=""/>
+        <p:cNvGrpSpPr/>
+        <p:nvPr/>
+      </p:nvGrpSpPr>
+      <p:grpSpPr>
+        <a:xfrm>
+          <a:off x="0" y="0"/>
+          <a:ext cx="0" cy="0"/>
+          <a:chOff x="0" y="0"/>
+          <a:chExt cx="0" cy="0"/>
+        </a:xfrm>
+      </p:grpSpPr>
+      <p:sp>
+        <p:nvSpPr>
+          <p:cNvPr id="2" name="Header Placeholder 1"/>
+          <p:cNvSpPr>
+            <a:spLocks noGrp="1"/>
+          </p:cNvSpPr>
+          <p:nvPr>
+            <p:ph type="hdr" sz="quarter"/>
+          </p:nvPr>
+        </p:nvSpPr>
+        <p:spPr>
+          <a:xfrm>
+            <a:off x="0" y="0"/>
+            <a:ext cx="2971800" cy="458788"/>
+          </a:xfrm>
+          <a:prstGeom prst="rect">
+            <a:avLst/>
+          </a:prstGeom>
+        </p:spPr>
+        <p:txBody>
+          <a:bodyPr vert="horz" lIns="91440" tIns="45720" rIns="91440" bIns="45720" rtlCol="0"/>
+          <a:lstStyle>
+            <a:lvl1pPr algn="l">
+              <a:defRPr sz="1200"/>
+            </a:lvl1pPr>
+          </a:lstStyle>
+          <a:p>
+            <a:endParaRPr lang="en-US"/>
+          </a:p>
+        </p:txBody>
+      </p:sp>
+      <p:sp>
+        <p:nvSpPr>
+          <p:cNvPr id="3" name="Date Placeholder 2"/>
+          <p:cNvSpPr>
+            <a:spLocks noGrp="1"/>
+          </p:cNvSpPr>
+          <p:nvPr>
+            <p:ph type="dt" idx="1"/>
+          </p:nvPr>
+        </p:nvSpPr>
+        <p:spPr>
+          <a:xfrm>
+            <a:off x="3884613" y="0"/>
+            <a:ext cx="2971800" cy="458788"/>
+          </a:xfrm>
+          <a:prstGeom prst="rect">
+            <a:avLst/>
+          </a:prstGeom>
+        </p:spPr>
+        <p:txBody>
+          <a:bodyPr vert="horz" lIns="91440" tIns="45720" rIns="91440" bIns="45720" rtlCol="0"/>
+          <a:lstStyle>
+            <a:lvl1pPr algn="r">
+              <a:defRPr sz="1200"/>
+            </a:lvl1pPr>
+          </a:lstStyle>
+          <a:p>
+            <a:fld id="{4264974B-8385-4CE3-A32F-07226F20CC47}" type="datetimeFigureOut">
+              <a:rPr lang="en-US" smtClean="0"/>
+              <a:t>3/13/2019</a:t>
+            </a:fld>
+            <a:endParaRPr lang="en-US"/>
+          </a:p>
+        </p:txBody>
+      </p:sp>
+      <p:sp>
+        <p:nvSpPr>
+          <p:cNvPr id="4" name="Slide Image Placeholder 3"/>
+          <p:cNvSpPr>
+            <a:spLocks noGrp="1" noRot="1" noChangeAspect="1"/>
+          </p:cNvSpPr>
+          <p:nvPr>
+            <p:ph type="sldImg" idx="2"/>
+          </p:nvPr>
+        </p:nvSpPr>
+        <p:spPr>
+          <a:xfrm>
+            <a:off x="685800" y="1143000"/>
+            <a:ext cx="5486400" cy="3086100"/>
+          </a:xfrm>
+          <a:prstGeom prst="rect">
+            <a:avLst/>
+          </a:prstGeom>
+          <a:noFill/>
+          <a:ln w="12700">
+            <a:solidFill>
+              <a:prstClr val="black"/>
+            </a:solidFill>
+          </a:ln>
+        </p:spPr>
+        <p:txBody>
+          <a:bodyPr vert="horz" lIns="91440" tIns="45720" rIns="91440" bIns="45720" rtlCol="0" anchor="ctr"/>
+          <a:lstStyle/>
+          <a:p>
+            <a:endParaRPr lang="en-US"/>
+          </a:p>
+        </p:txBody>
+      </p:sp>
+      <p:sp>
+        <p:nvSpPr>
+          <p:cNvPr id="5" name="Notes Placeholder 4"/>
+          <p:cNvSpPr>
+            <a:spLocks noGrp="1"/>
+          </p:cNvSpPr>
+          <p:nvPr>
+            <p:ph type="body" sz="quarter" idx="3"/>
+          </p:nvPr>
+        </p:nvSpPr>
+        <p:spPr>
+          <a:xfrm>
+            <a:off x="685800" y="4400550"/>
+            <a:ext cx="5486400" cy="3600450"/>
+          </a:xfrm>
+          <a:prstGeom prst="rect">
+            <a:avLst/>
+          </a:prstGeom>
+        </p:spPr>
+        <p:txBody>
+          <a:bodyPr vert="horz" lIns="91440" tIns="45720" rIns="91440" bIns="45720" rtlCol="0"/>
+          <a:lstStyle/>
+          <a:p>
+            <a:pPr lvl="0"/>
+            <a:r>
+              <a:rPr lang="en-US"/>
+              <a:t>Edit Master text styles</a:t>
+            </a:r>
+          </a:p>
+          <a:p>
+            <a:pPr lvl="1"/>
+            <a:r>
+              <a:rPr lang="en-US"/>
+              <a:t>Second level</a:t>
+            </a:r>
+          </a:p>
+          <a:p>
+            <a:pPr lvl="2"/>
+            <a:r>
+              <a:rPr lang="en-US"/>
+              <a:t>Third level</a:t>
+            </a:r>
+          </a:p>
+          <a:p>
+            <a:pPr lvl="3"/>
+            <a:r>
+              <a:rPr lang="en-US"/>
+              <a:t>Fourth level</a:t>
+            </a:r>
+          </a:p>
+          <a:p>
+            <a:pPr lvl="4"/>
+            <a:r>
+              <a:rPr lang="en-US"/>
+              <a:t>Fifth level</a:t>
+            </a:r>
+          </a:p>
+        </p:txBody>
+      </p:sp>
+      <p:sp>
+        <p:nvSpPr>
+          <p:cNvPr id="6" name="Footer Placeholder 5"/>
+          <p:cNvSpPr>
+            <a:spLocks noGrp="1"/>
+          </p:cNvSpPr>
+          <p:nvPr>
+            <p:ph type="ftr" sz="quarter" idx="4"/>
+          </p:nvPr>
+        </p:nvSpPr>
+        <p:spPr>
+          <a:xfrm>
+            <a:off x="0" y="8685213"/>
+            <a:ext cx="2971800" cy="458787"/>
+          </a:xfrm>
+          <a:prstGeom prst="rect">
+            <a:avLst/>
+          </a:prstGeom>
+        </p:spPr>
+        <p:txBody>
+          <a:bodyPr vert="horz" lIns="91440" tIns="45720" rIns="91440" bIns="45720" rtlCol="0" anchor="b"/>
+          <a:lstStyle>
+            <a:lvl1pPr algn="l">
+              <a:defRPr sz="1200"/>
+            </a:lvl1pPr>
+          </a:lstStyle>
+          <a:p>
+            <a:endParaRPr lang="en-US"/>
+          </a:p>
+        </p:txBody>
+      </p:sp>
+      <p:sp>
+        <p:nvSpPr>
+          <p:cNvPr id="7" name="Slide Number Placeholder 6"/>
+          <p:cNvSpPr>
+            <a:spLocks noGrp="1"/>
+          </p:cNvSpPr>
+          <p:nvPr>
+            <p:ph type="sldNum" sz="quarter" idx="5"/>
+          </p:nvPr>
+        </p:nvSpPr>
+        <p:spPr>
+          <a:xfrm>
+            <a:off x="3884613" y="8685213"/>
+            <a:ext cx="2971800" cy="458787"/>
+          </a:xfrm>
+          <a:prstGeom prst="rect">
+            <a:avLst/>
+          </a:prstGeom>
+        </p:spPr>
+        <p:txBody>
+          <a:bodyPr vert="horz" lIns="91440" tIns="45720" rIns="91440" bIns="45720" rtlCol="0" anchor="b"/>
+          <a:lstStyle>
+            <a:lvl1pPr algn="r">
+              <a:defRPr sz="1200"/>
+            </a:lvl1pPr>
+          </a:lstStyle>
+          <a:p>
+            <a:fld id="{38975A60-766D-4C94-88D3-1A3F05AB0FE4}" type="slidenum">
+              <a:rPr lang="en-US" smtClean="0"/>
+              <a:t>‹#›</a:t>
+            </a:fld>
+            <a:endParaRPr lang="en-US"/>
+          </a:p>
+        </p:txBody>
+      </p:sp>
+    </p:spTree>
+    <p:extLst>
+      <p:ext uri="{BB962C8B-B14F-4D97-AF65-F5344CB8AC3E}">
+        <p14:creationId xmlns:p14="http://schemas.microsoft.com/office/powerpoint/2010/main" val="3244506346"/>
+      </p:ext>
+    </p:extLst>
+  </p:cSld>
+  <p:clrMap bg1="lt1" tx1="dk1" bg2="lt2" tx2="dk2" accent1="accent1" accent2="accent2" accent3="accent3" accent4="accent4" accent5="accent5" accent6="accent6" hlink="hlink" folHlink="folHlink"/>
+  <p:notesStyle>
+    <a:lvl1pPr marL="0" algn="l" defTabSz="914400" rtl="0" eaLnBrk="1" latinLnBrk="0" hangingPunct="1">
+      <a:defRPr sz="1200" kern="1200">
+        <a:solidFill>
+          <a:schemeClr val="tx1"/>
+        </a:solidFill>
+        <a:latin typeface="+mn-lt"/>
+        <a:ea typeface="+mn-ea"/>
+        <a:cs typeface="+mn-cs"/>
+      </a:defRPr>
+    </a:lvl1pPr>
+    <a:lvl2pPr marL="457200" algn="l" defTabSz="914400" rtl="0" eaLnBrk="1" latinLnBrk="0" hangingPunct="1">
+      <a:defRPr sz="1200" kern="1200">
+        <a:solidFill>
+          <a:schemeClr val="tx1"/>
+        </a:solidFill>
+        <a:latin typeface="+mn-lt"/>
+        <a:ea typeface="+mn-ea"/>
+        <a:cs typeface="+mn-cs"/>
+      </a:defRPr>
+    </a:lvl2pPr>
+    <a:lvl3pPr marL="914400" algn="l" defTabSz="914400" rtl="0" eaLnBrk="1" latinLnBrk="0" hangingPunct="1">
+      <a:defRPr sz="1200" kern="1200">
+        <a:solidFill>
+          <a:schemeClr val="tx1"/>
+        </a:solidFill>
+        <a:latin typeface="+mn-lt"/>
+        <a:ea typeface="+mn-ea"/>
+        <a:cs typeface="+mn-cs"/>
+      </a:defRPr>
+    </a:lvl3pPr>
+    <a:lvl4pPr marL="1371600" algn="l" defTabSz="914400" rtl="0" eaLnBrk="1" latinLnBrk="0" hangingPunct="1">
+      <a:defRPr sz="1200" kern="1200">
+        <a:solidFill>
+          <a:schemeClr val="tx1"/>
+        </a:solidFill>
+        <a:latin typeface="+mn-lt"/>
+        <a:ea typeface="+mn-ea"/>
+        <a:cs typeface="+mn-cs"/>
+      </a:defRPr>
+    </a:lvl4pPr>
+    <a:lvl5pPr marL="1828800" algn="l" defTabSz="914400" rtl="0" eaLnBrk="1" latinLnBrk="0" hangingPunct="1">
+      <a:defRPr sz="1200" kern="1200">
+        <a:solidFill>
+          <a:schemeClr val="tx1"/>
+        </a:solidFill>
+        <a:latin typeface="+mn-lt"/>
+        <a:ea typeface="+mn-ea"/>
+        <a:cs typeface="+mn-cs"/>
+      </a:defRPr>
+    </a:lvl5pPr>
+    <a:lvl6pPr marL="2286000" algn="l" defTabSz="914400" rtl="0" eaLnBrk="1" latinLnBrk="0" hangingPunct="1">
+      <a:defRPr sz="1200" kern="1200">
+        <a:solidFill>
+          <a:schemeClr val="tx1"/>
+        </a:solidFill>
+        <a:latin typeface="+mn-lt"/>
+        <a:ea typeface="+mn-ea"/>
+        <a:cs typeface="+mn-cs"/>
+      </a:defRPr>
+    </a:lvl6pPr>
+    <a:lvl7pPr marL="2743200" algn="l" defTabSz="914400" rtl="0" eaLnBrk="1" latinLnBrk="0" hangingPunct="1">
+      <a:defRPr sz="1200" kern="1200">
+        <a:solidFill>
+          <a:schemeClr val="tx1"/>
+        </a:solidFill>
+        <a:latin typeface="+mn-lt"/>
+        <a:ea typeface="+mn-ea"/>
+        <a:cs typeface="+mn-cs"/>
+      </a:defRPr>
+    </a:lvl7pPr>
+    <a:lvl8pPr marL="3200400" algn="l" defTabSz="914400" rtl="0" eaLnBrk="1" latinLnBrk="0" hangingPunct="1">
+      <a:defRPr sz="1200" kern="1200">
+        <a:solidFill>
+          <a:schemeClr val="tx1"/>
+        </a:solidFill>
+        <a:latin typeface="+mn-lt"/>
+        <a:ea typeface="+mn-ea"/>
+        <a:cs typeface="+mn-cs"/>
+      </a:defRPr>
+    </a:lvl8pPr>
+    <a:lvl9pPr marL="3657600" algn="l" defTabSz="914400" rtl="0" eaLnBrk="1" latinLnBrk="0" hangingPunct="1">
+      <a:defRPr sz="1200" kern="1200">
+        <a:solidFill>
+          <a:schemeClr val="tx1"/>
+        </a:solidFill>
+        <a:latin typeface="+mn-lt"/>
+        <a:ea typeface="+mn-ea"/>
+        <a:cs typeface="+mn-cs"/>
+      </a:defRPr>
+    </a:lvl9pPr>
+  </p:notesStyle>
+</p:notesMaster>
+</file>
+
+<file path=ppt/notesSlides/notesSlide1.xml><?xml version="1.0" encoding="utf-8"?>
+<p:notes xmlns:a="http://schemas.openxmlformats.org/drawingml/2006/main" xmlns:r="http://schemas.openxmlformats.org/officeDocument/2006/relationships" xmlns:p="http://schemas.openxmlformats.org/presentationml/2006/main">
+  <p:cSld>
+    <p:spTree>
+      <p:nvGrpSpPr>
+        <p:cNvPr id="1" name=""/>
+        <p:cNvGrpSpPr/>
+        <p:nvPr/>
+      </p:nvGrpSpPr>
+      <p:grpSpPr>
+        <a:xfrm>
+          <a:off x="0" y="0"/>
+          <a:ext cx="0" cy="0"/>
+          <a:chOff x="0" y="0"/>
+          <a:chExt cx="0" cy="0"/>
+        </a:xfrm>
+      </p:grpSpPr>
+      <p:sp>
+        <p:nvSpPr>
+          <p:cNvPr id="2" name="Slide Image Placeholder 1"/>
+          <p:cNvSpPr>
+            <a:spLocks noGrp="1" noRot="1" noChangeAspect="1"/>
+          </p:cNvSpPr>
+          <p:nvPr>
+            <p:ph type="sldImg"/>
+          </p:nvPr>
+        </p:nvSpPr>
+        <p:spPr/>
+      </p:sp>
+      <p:sp>
+        <p:nvSpPr>
+          <p:cNvPr id="3" name="Notes Placeholder 2"/>
+          <p:cNvSpPr>
+            <a:spLocks noGrp="1"/>
+          </p:cNvSpPr>
+          <p:nvPr>
+            <p:ph type="body" idx="1"/>
+          </p:nvPr>
+        </p:nvSpPr>
+        <p:spPr/>
+        <p:txBody>
+          <a:bodyPr/>
+          <a:lstStyle/>
+          <a:p>
+            <a:endParaRPr lang="en-US" dirty="0"/>
+          </a:p>
+        </p:txBody>
+      </p:sp>
+      <p:sp>
+        <p:nvSpPr>
+          <p:cNvPr id="4" name="Slide Number Placeholder 3"/>
+          <p:cNvSpPr>
+            <a:spLocks noGrp="1"/>
+          </p:cNvSpPr>
+          <p:nvPr>
+            <p:ph type="sldNum" sz="quarter" idx="5"/>
+          </p:nvPr>
+        </p:nvSpPr>
+        <p:spPr/>
+        <p:txBody>
+          <a:bodyPr/>
+          <a:lstStyle/>
+          <a:p>
+            <a:fld id="{38975A60-766D-4C94-88D3-1A3F05AB0FE4}" type="slidenum">
+              <a:rPr lang="en-US" smtClean="0"/>
+              <a:t>13</a:t>
+            </a:fld>
+            <a:endParaRPr lang="en-US"/>
+          </a:p>
+        </p:txBody>
+      </p:sp>
+    </p:spTree>
+    <p:extLst>
+      <p:ext uri="{BB962C8B-B14F-4D97-AF65-F5344CB8AC3E}">
+        <p14:creationId xmlns:p14="http://schemas.microsoft.com/office/powerpoint/2010/main" val="939001707"/>
+      </p:ext>
+    </p:extLst>
+  </p:cSld>
+  <p:clrMapOvr>
+    <a:masterClrMapping/>
+  </p:clrMapOvr>
+</p:notes>
+</file>
+
 <file path=ppt/slideLayouts/slideLayout1.xml><?xml version="1.0" encoding="utf-8"?>
 <p:sldLayout xmlns:a="http://schemas.openxmlformats.org/drawingml/2006/main" xmlns:r="http://schemas.openxmlformats.org/officeDocument/2006/relationships" xmlns:p="http://schemas.openxmlformats.org/presentationml/2006/main" type="title" preserve="1">
   <p:cSld name="Title Slide">
@@ -167,7 +619,7 @@
           <p:cNvPr id="2" name="Title 1">
             <a:extLst>
               <a:ext uri="{FF2B5EF4-FFF2-40B4-BE49-F238E27FC236}">
-                <a16:creationId xmlns:a16="http://schemas.microsoft.com/office/drawing/2014/main" id="{0FADED6D-2B53-4E4D-8810-01301B8CA36A}"/>
+                <a16:creationId xmlns:a16="http://schemas.microsoft.com/office/drawing/2014/main" id="{0DE702D3-3B2D-4B7A-92BD-0F8C4300E1D3}"/>
               </a:ext>
             </a:extLst>
           </p:cNvPr>
@@ -204,7 +656,7 @@
           <p:cNvPr id="3" name="Subtitle 2">
             <a:extLst>
               <a:ext uri="{FF2B5EF4-FFF2-40B4-BE49-F238E27FC236}">
-                <a16:creationId xmlns:a16="http://schemas.microsoft.com/office/drawing/2014/main" id="{D4C63088-77D3-454F-8097-6F34E5DEE637}"/>
+                <a16:creationId xmlns:a16="http://schemas.microsoft.com/office/drawing/2014/main" id="{40A5F8AC-4B28-4708-9943-7D51F66CC7F0}"/>
               </a:ext>
             </a:extLst>
           </p:cNvPr>
@@ -274,7 +726,7 @@
           <p:cNvPr id="4" name="Date Placeholder 3">
             <a:extLst>
               <a:ext uri="{FF2B5EF4-FFF2-40B4-BE49-F238E27FC236}">
-                <a16:creationId xmlns:a16="http://schemas.microsoft.com/office/drawing/2014/main" id="{F940248C-A00F-462B-BB35-A038DDD8B916}"/>
+                <a16:creationId xmlns:a16="http://schemas.microsoft.com/office/drawing/2014/main" id="{C0FE4780-C74D-4CA9-8552-17CD4BF41300}"/>
               </a:ext>
             </a:extLst>
           </p:cNvPr>
@@ -303,7 +755,7 @@
           <p:cNvPr id="5" name="Footer Placeholder 4">
             <a:extLst>
               <a:ext uri="{FF2B5EF4-FFF2-40B4-BE49-F238E27FC236}">
-                <a16:creationId xmlns:a16="http://schemas.microsoft.com/office/drawing/2014/main" id="{B585B5EB-43D3-45C2-9689-914C612F39AC}"/>
+                <a16:creationId xmlns:a16="http://schemas.microsoft.com/office/drawing/2014/main" id="{77C3448A-AEAE-4945-946A-2D4BD3CADE93}"/>
               </a:ext>
             </a:extLst>
           </p:cNvPr>
@@ -328,7 +780,7 @@
           <p:cNvPr id="6" name="Slide Number Placeholder 5">
             <a:extLst>
               <a:ext uri="{FF2B5EF4-FFF2-40B4-BE49-F238E27FC236}">
-                <a16:creationId xmlns:a16="http://schemas.microsoft.com/office/drawing/2014/main" id="{431FAA9C-DED5-4C47-80C1-AA46315CDED3}"/>
+                <a16:creationId xmlns:a16="http://schemas.microsoft.com/office/drawing/2014/main" id="{1A0AFEBA-6D3A-4E35-8D54-B6C875E3A1A6}"/>
               </a:ext>
             </a:extLst>
           </p:cNvPr>
@@ -355,7 +807,7 @@
     </p:spTree>
     <p:extLst>
       <p:ext uri="{BB962C8B-B14F-4D97-AF65-F5344CB8AC3E}">
-        <p14:creationId xmlns:p14="http://schemas.microsoft.com/office/powerpoint/2010/main" val="2008490279"/>
+        <p14:creationId xmlns:p14="http://schemas.microsoft.com/office/powerpoint/2010/main" val="553114273"/>
       </p:ext>
     </p:extLst>
   </p:cSld>
@@ -387,7 +839,7 @@
           <p:cNvPr id="2" name="Title 1">
             <a:extLst>
               <a:ext uri="{FF2B5EF4-FFF2-40B4-BE49-F238E27FC236}">
-                <a16:creationId xmlns:a16="http://schemas.microsoft.com/office/drawing/2014/main" id="{0CBB9A89-BA00-4F8B-9619-AFDE2256B7DB}"/>
+                <a16:creationId xmlns:a16="http://schemas.microsoft.com/office/drawing/2014/main" id="{1E073642-B161-4ACB-9801-AF1E0A0BFCB4}"/>
               </a:ext>
             </a:extLst>
           </p:cNvPr>
@@ -415,7 +867,7 @@
           <p:cNvPr id="3" name="Vertical Text Placeholder 2">
             <a:extLst>
               <a:ext uri="{FF2B5EF4-FFF2-40B4-BE49-F238E27FC236}">
-                <a16:creationId xmlns:a16="http://schemas.microsoft.com/office/drawing/2014/main" id="{FF05F7E6-AF71-425F-8E5B-C31FB3672832}"/>
+                <a16:creationId xmlns:a16="http://schemas.microsoft.com/office/drawing/2014/main" id="{B80BA1A1-1B64-4591-8920-C460FB4BF000}"/>
               </a:ext>
             </a:extLst>
           </p:cNvPr>
@@ -472,7 +924,7 @@
           <p:cNvPr id="4" name="Date Placeholder 3">
             <a:extLst>
               <a:ext uri="{FF2B5EF4-FFF2-40B4-BE49-F238E27FC236}">
-                <a16:creationId xmlns:a16="http://schemas.microsoft.com/office/drawing/2014/main" id="{AE236ED8-C11B-4522-B837-6FD87E639C40}"/>
+                <a16:creationId xmlns:a16="http://schemas.microsoft.com/office/drawing/2014/main" id="{3AF49C90-D995-4CB2-A183-39D9DEC7D0AD}"/>
               </a:ext>
             </a:extLst>
           </p:cNvPr>
@@ -501,7 +953,7 @@
           <p:cNvPr id="5" name="Footer Placeholder 4">
             <a:extLst>
               <a:ext uri="{FF2B5EF4-FFF2-40B4-BE49-F238E27FC236}">
-                <a16:creationId xmlns:a16="http://schemas.microsoft.com/office/drawing/2014/main" id="{8F9D1E94-84E1-46B9-B364-F199B94117BA}"/>
+                <a16:creationId xmlns:a16="http://schemas.microsoft.com/office/drawing/2014/main" id="{016B8503-7CD1-4A42-AAB5-C5140740D029}"/>
               </a:ext>
             </a:extLst>
           </p:cNvPr>
@@ -526,7 +978,7 @@
           <p:cNvPr id="6" name="Slide Number Placeholder 5">
             <a:extLst>
               <a:ext uri="{FF2B5EF4-FFF2-40B4-BE49-F238E27FC236}">
-                <a16:creationId xmlns:a16="http://schemas.microsoft.com/office/drawing/2014/main" id="{DD88F473-2BC0-448A-A526-EFD44A6DDA6A}"/>
+                <a16:creationId xmlns:a16="http://schemas.microsoft.com/office/drawing/2014/main" id="{421E7E62-23E0-4608-9FB4-53354C9C26C5}"/>
               </a:ext>
             </a:extLst>
           </p:cNvPr>
@@ -553,7 +1005,7 @@
     </p:spTree>
     <p:extLst>
       <p:ext uri="{BB962C8B-B14F-4D97-AF65-F5344CB8AC3E}">
-        <p14:creationId xmlns:p14="http://schemas.microsoft.com/office/powerpoint/2010/main" val="3877434101"/>
+        <p14:creationId xmlns:p14="http://schemas.microsoft.com/office/powerpoint/2010/main" val="2041344431"/>
       </p:ext>
     </p:extLst>
   </p:cSld>
@@ -585,7 +1037,7 @@
           <p:cNvPr id="2" name="Vertical Title 1">
             <a:extLst>
               <a:ext uri="{FF2B5EF4-FFF2-40B4-BE49-F238E27FC236}">
-                <a16:creationId xmlns:a16="http://schemas.microsoft.com/office/drawing/2014/main" id="{4C401DD6-C400-4391-9B47-14D1A3B8A430}"/>
+                <a16:creationId xmlns:a16="http://schemas.microsoft.com/office/drawing/2014/main" id="{AC1FBF10-0659-40B2-946E-3780DEDCC21B}"/>
               </a:ext>
             </a:extLst>
           </p:cNvPr>
@@ -618,7 +1070,7 @@
           <p:cNvPr id="3" name="Vertical Text Placeholder 2">
             <a:extLst>
               <a:ext uri="{FF2B5EF4-FFF2-40B4-BE49-F238E27FC236}">
-                <a16:creationId xmlns:a16="http://schemas.microsoft.com/office/drawing/2014/main" id="{478CB696-5C5B-44E6-BB29-357C55CBB20C}"/>
+                <a16:creationId xmlns:a16="http://schemas.microsoft.com/office/drawing/2014/main" id="{6B08C513-563F-48B1-99F4-02E61828A015}"/>
               </a:ext>
             </a:extLst>
           </p:cNvPr>
@@ -680,7 +1132,7 @@
           <p:cNvPr id="4" name="Date Placeholder 3">
             <a:extLst>
               <a:ext uri="{FF2B5EF4-FFF2-40B4-BE49-F238E27FC236}">
-                <a16:creationId xmlns:a16="http://schemas.microsoft.com/office/drawing/2014/main" id="{80CA60F3-6558-45FC-A264-FD43911F4107}"/>
+                <a16:creationId xmlns:a16="http://schemas.microsoft.com/office/drawing/2014/main" id="{A0CEB1CB-B34C-4128-BE24-5AEF1F709CE0}"/>
               </a:ext>
             </a:extLst>
           </p:cNvPr>
@@ -709,7 +1161,7 @@
           <p:cNvPr id="5" name="Footer Placeholder 4">
             <a:extLst>
               <a:ext uri="{FF2B5EF4-FFF2-40B4-BE49-F238E27FC236}">
-                <a16:creationId xmlns:a16="http://schemas.microsoft.com/office/drawing/2014/main" id="{CF9A2818-64A3-482F-A1DC-6839F3FEA8BA}"/>
+                <a16:creationId xmlns:a16="http://schemas.microsoft.com/office/drawing/2014/main" id="{8B56105E-1C2C-4314-8FFA-2FBEB664C1F3}"/>
               </a:ext>
             </a:extLst>
           </p:cNvPr>
@@ -734,7 +1186,7 @@
           <p:cNvPr id="6" name="Slide Number Placeholder 5">
             <a:extLst>
               <a:ext uri="{FF2B5EF4-FFF2-40B4-BE49-F238E27FC236}">
-                <a16:creationId xmlns:a16="http://schemas.microsoft.com/office/drawing/2014/main" id="{67F8E2A2-C7B7-4ECC-B92B-508216E45438}"/>
+                <a16:creationId xmlns:a16="http://schemas.microsoft.com/office/drawing/2014/main" id="{C85B357B-AEB6-44CC-8679-DB7BBAA06483}"/>
               </a:ext>
             </a:extLst>
           </p:cNvPr>
@@ -761,7 +1213,7 @@
     </p:spTree>
     <p:extLst>
       <p:ext uri="{BB962C8B-B14F-4D97-AF65-F5344CB8AC3E}">
-        <p14:creationId xmlns:p14="http://schemas.microsoft.com/office/powerpoint/2010/main" val="3519204942"/>
+        <p14:creationId xmlns:p14="http://schemas.microsoft.com/office/powerpoint/2010/main" val="3644996361"/>
       </p:ext>
     </p:extLst>
   </p:cSld>
@@ -793,7 +1245,7 @@
           <p:cNvPr id="2" name="Title 1">
             <a:extLst>
               <a:ext uri="{FF2B5EF4-FFF2-40B4-BE49-F238E27FC236}">
-                <a16:creationId xmlns:a16="http://schemas.microsoft.com/office/drawing/2014/main" id="{5A250737-1D6D-4416-A089-F4E231C58A6D}"/>
+                <a16:creationId xmlns:a16="http://schemas.microsoft.com/office/drawing/2014/main" id="{C52EE2A6-F54B-4204-AF0B-8E98C61AC6B1}"/>
               </a:ext>
             </a:extLst>
           </p:cNvPr>
@@ -821,7 +1273,7 @@
           <p:cNvPr id="3" name="Content Placeholder 2">
             <a:extLst>
               <a:ext uri="{FF2B5EF4-FFF2-40B4-BE49-F238E27FC236}">
-                <a16:creationId xmlns:a16="http://schemas.microsoft.com/office/drawing/2014/main" id="{BA2BA025-2931-4D85-BB05-D78AB449279F}"/>
+                <a16:creationId xmlns:a16="http://schemas.microsoft.com/office/drawing/2014/main" id="{38217CB5-9F9A-4796-95C2-82745360C2A7}"/>
               </a:ext>
             </a:extLst>
           </p:cNvPr>
@@ -878,7 +1330,7 @@
           <p:cNvPr id="4" name="Date Placeholder 3">
             <a:extLst>
               <a:ext uri="{FF2B5EF4-FFF2-40B4-BE49-F238E27FC236}">
-                <a16:creationId xmlns:a16="http://schemas.microsoft.com/office/drawing/2014/main" id="{51D22C68-AE7A-4715-B648-DB86BCA5D3F7}"/>
+                <a16:creationId xmlns:a16="http://schemas.microsoft.com/office/drawing/2014/main" id="{BCD332D8-3F20-4B8B-8C1E-350DA4E6FB59}"/>
               </a:ext>
             </a:extLst>
           </p:cNvPr>
@@ -907,7 +1359,7 @@
           <p:cNvPr id="5" name="Footer Placeholder 4">
             <a:extLst>
               <a:ext uri="{FF2B5EF4-FFF2-40B4-BE49-F238E27FC236}">
-                <a16:creationId xmlns:a16="http://schemas.microsoft.com/office/drawing/2014/main" id="{E0D8AAA9-5EAB-4375-B595-40BD236CE94F}"/>
+                <a16:creationId xmlns:a16="http://schemas.microsoft.com/office/drawing/2014/main" id="{A006930A-BEC0-4CBB-8E7C-2ED87C453C88}"/>
               </a:ext>
             </a:extLst>
           </p:cNvPr>
@@ -932,7 +1384,7 @@
           <p:cNvPr id="6" name="Slide Number Placeholder 5">
             <a:extLst>
               <a:ext uri="{FF2B5EF4-FFF2-40B4-BE49-F238E27FC236}">
-                <a16:creationId xmlns:a16="http://schemas.microsoft.com/office/drawing/2014/main" id="{1005EB83-E8AC-4166-BD1A-0F9AF73E7382}"/>
+                <a16:creationId xmlns:a16="http://schemas.microsoft.com/office/drawing/2014/main" id="{54EC9D49-D326-4338-9D83-52E52660B517}"/>
               </a:ext>
             </a:extLst>
           </p:cNvPr>
@@ -959,7 +1411,7 @@
     </p:spTree>
     <p:extLst>
       <p:ext uri="{BB962C8B-B14F-4D97-AF65-F5344CB8AC3E}">
-        <p14:creationId xmlns:p14="http://schemas.microsoft.com/office/powerpoint/2010/main" val="3007261809"/>
+        <p14:creationId xmlns:p14="http://schemas.microsoft.com/office/powerpoint/2010/main" val="3382282520"/>
       </p:ext>
     </p:extLst>
   </p:cSld>
@@ -991,7 +1443,7 @@
           <p:cNvPr id="2" name="Title 1">
             <a:extLst>
               <a:ext uri="{FF2B5EF4-FFF2-40B4-BE49-F238E27FC236}">
-                <a16:creationId xmlns:a16="http://schemas.microsoft.com/office/drawing/2014/main" id="{536AD2CB-76D6-4CBF-98ED-4BF00D12ECB7}"/>
+                <a16:creationId xmlns:a16="http://schemas.microsoft.com/office/drawing/2014/main" id="{2972861D-9E9A-4E2B-BECC-21FBFDD23D1D}"/>
               </a:ext>
             </a:extLst>
           </p:cNvPr>
@@ -1028,7 +1480,7 @@
           <p:cNvPr id="3" name="Text Placeholder 2">
             <a:extLst>
               <a:ext uri="{FF2B5EF4-FFF2-40B4-BE49-F238E27FC236}">
-                <a16:creationId xmlns:a16="http://schemas.microsoft.com/office/drawing/2014/main" id="{38510845-74FB-472B-92FF-58641E9F2522}"/>
+                <a16:creationId xmlns:a16="http://schemas.microsoft.com/office/drawing/2014/main" id="{90886E2B-2C6D-42A5-A02C-001228CB0FF2}"/>
               </a:ext>
             </a:extLst>
           </p:cNvPr>
@@ -1153,7 +1605,7 @@
           <p:cNvPr id="4" name="Date Placeholder 3">
             <a:extLst>
               <a:ext uri="{FF2B5EF4-FFF2-40B4-BE49-F238E27FC236}">
-                <a16:creationId xmlns:a16="http://schemas.microsoft.com/office/drawing/2014/main" id="{C14812C5-A45A-428F-877B-5496C53F11EE}"/>
+                <a16:creationId xmlns:a16="http://schemas.microsoft.com/office/drawing/2014/main" id="{1ADFC461-3045-4C3C-9D50-D23EAAC2B24C}"/>
               </a:ext>
             </a:extLst>
           </p:cNvPr>
@@ -1182,7 +1634,7 @@
           <p:cNvPr id="5" name="Footer Placeholder 4">
             <a:extLst>
               <a:ext uri="{FF2B5EF4-FFF2-40B4-BE49-F238E27FC236}">
-                <a16:creationId xmlns:a16="http://schemas.microsoft.com/office/drawing/2014/main" id="{7F7FB11D-4E48-413E-8C2D-437982BA17B9}"/>
+                <a16:creationId xmlns:a16="http://schemas.microsoft.com/office/drawing/2014/main" id="{6E2A7CE3-4D1C-4176-BD97-4AB05D90D161}"/>
               </a:ext>
             </a:extLst>
           </p:cNvPr>
@@ -1207,7 +1659,7 @@
           <p:cNvPr id="6" name="Slide Number Placeholder 5">
             <a:extLst>
               <a:ext uri="{FF2B5EF4-FFF2-40B4-BE49-F238E27FC236}">
-                <a16:creationId xmlns:a16="http://schemas.microsoft.com/office/drawing/2014/main" id="{5A8808B8-6655-46BA-8EAD-1F82A5DCE374}"/>
+                <a16:creationId xmlns:a16="http://schemas.microsoft.com/office/drawing/2014/main" id="{4AACDFBA-0225-4DA2-95F8-95186CEA955D}"/>
               </a:ext>
             </a:extLst>
           </p:cNvPr>
@@ -1234,7 +1686,7 @@
     </p:spTree>
     <p:extLst>
       <p:ext uri="{BB962C8B-B14F-4D97-AF65-F5344CB8AC3E}">
-        <p14:creationId xmlns:p14="http://schemas.microsoft.com/office/powerpoint/2010/main" val="2232648345"/>
+        <p14:creationId xmlns:p14="http://schemas.microsoft.com/office/powerpoint/2010/main" val="3578884192"/>
       </p:ext>
     </p:extLst>
   </p:cSld>
@@ -1266,7 +1718,7 @@
           <p:cNvPr id="2" name="Title 1">
             <a:extLst>
               <a:ext uri="{FF2B5EF4-FFF2-40B4-BE49-F238E27FC236}">
-                <a16:creationId xmlns:a16="http://schemas.microsoft.com/office/drawing/2014/main" id="{947363E8-51D2-402E-8350-5E9859D395F3}"/>
+                <a16:creationId xmlns:a16="http://schemas.microsoft.com/office/drawing/2014/main" id="{D3B8F064-A041-44E7-88D4-2687C4913DF0}"/>
               </a:ext>
             </a:extLst>
           </p:cNvPr>
@@ -1294,7 +1746,7 @@
           <p:cNvPr id="3" name="Content Placeholder 2">
             <a:extLst>
               <a:ext uri="{FF2B5EF4-FFF2-40B4-BE49-F238E27FC236}">
-                <a16:creationId xmlns:a16="http://schemas.microsoft.com/office/drawing/2014/main" id="{88FC8306-1602-4DED-B0E9-4996358B8C70}"/>
+                <a16:creationId xmlns:a16="http://schemas.microsoft.com/office/drawing/2014/main" id="{3D93FDA2-C03A-4272-8AA6-112EF070AEBE}"/>
               </a:ext>
             </a:extLst>
           </p:cNvPr>
@@ -1356,7 +1808,7 @@
           <p:cNvPr id="4" name="Content Placeholder 3">
             <a:extLst>
               <a:ext uri="{FF2B5EF4-FFF2-40B4-BE49-F238E27FC236}">
-                <a16:creationId xmlns:a16="http://schemas.microsoft.com/office/drawing/2014/main" id="{5F64DEA5-0E47-49E5-B25F-015F8949195B}"/>
+                <a16:creationId xmlns:a16="http://schemas.microsoft.com/office/drawing/2014/main" id="{2ECA19E3-4EA9-483C-B4E7-1DB24501A2D0}"/>
               </a:ext>
             </a:extLst>
           </p:cNvPr>
@@ -1418,7 +1870,7 @@
           <p:cNvPr id="5" name="Date Placeholder 4">
             <a:extLst>
               <a:ext uri="{FF2B5EF4-FFF2-40B4-BE49-F238E27FC236}">
-                <a16:creationId xmlns:a16="http://schemas.microsoft.com/office/drawing/2014/main" id="{CE03ACDB-C020-49D0-8659-6823649F2A43}"/>
+                <a16:creationId xmlns:a16="http://schemas.microsoft.com/office/drawing/2014/main" id="{506EB7DF-CF3B-428E-8E6F-0BFD455D6C35}"/>
               </a:ext>
             </a:extLst>
           </p:cNvPr>
@@ -1447,7 +1899,7 @@
           <p:cNvPr id="6" name="Footer Placeholder 5">
             <a:extLst>
               <a:ext uri="{FF2B5EF4-FFF2-40B4-BE49-F238E27FC236}">
-                <a16:creationId xmlns:a16="http://schemas.microsoft.com/office/drawing/2014/main" id="{12DC4FA0-00AE-4574-80E9-D28CFB2453F7}"/>
+                <a16:creationId xmlns:a16="http://schemas.microsoft.com/office/drawing/2014/main" id="{64A94388-2C65-497C-8C8D-32F369BE1E07}"/>
               </a:ext>
             </a:extLst>
           </p:cNvPr>
@@ -1472,7 +1924,7 @@
           <p:cNvPr id="7" name="Slide Number Placeholder 6">
             <a:extLst>
               <a:ext uri="{FF2B5EF4-FFF2-40B4-BE49-F238E27FC236}">
-                <a16:creationId xmlns:a16="http://schemas.microsoft.com/office/drawing/2014/main" id="{990BFD68-1DB5-4BF7-88CE-AAD974DB42DB}"/>
+                <a16:creationId xmlns:a16="http://schemas.microsoft.com/office/drawing/2014/main" id="{4F32E7AC-1524-4E07-B9F4-EB0A0AD9EBAF}"/>
               </a:ext>
             </a:extLst>
           </p:cNvPr>
@@ -1499,7 +1951,7 @@
     </p:spTree>
     <p:extLst>
       <p:ext uri="{BB962C8B-B14F-4D97-AF65-F5344CB8AC3E}">
-        <p14:creationId xmlns:p14="http://schemas.microsoft.com/office/powerpoint/2010/main" val="1529436116"/>
+        <p14:creationId xmlns:p14="http://schemas.microsoft.com/office/powerpoint/2010/main" val="2131255428"/>
       </p:ext>
     </p:extLst>
   </p:cSld>
@@ -1531,7 +1983,7 @@
           <p:cNvPr id="2" name="Title 1">
             <a:extLst>
               <a:ext uri="{FF2B5EF4-FFF2-40B4-BE49-F238E27FC236}">
-                <a16:creationId xmlns:a16="http://schemas.microsoft.com/office/drawing/2014/main" id="{D797941E-D999-4846-807B-A5AC6C9F9C2E}"/>
+                <a16:creationId xmlns:a16="http://schemas.microsoft.com/office/drawing/2014/main" id="{5A54FDD1-E91D-4714-AD0F-69F4549FFDE0}"/>
               </a:ext>
             </a:extLst>
           </p:cNvPr>
@@ -1564,7 +2016,7 @@
           <p:cNvPr id="3" name="Text Placeholder 2">
             <a:extLst>
               <a:ext uri="{FF2B5EF4-FFF2-40B4-BE49-F238E27FC236}">
-                <a16:creationId xmlns:a16="http://schemas.microsoft.com/office/drawing/2014/main" id="{2C7F390D-E6DB-41F8-9EF8-A6682CC4513E}"/>
+                <a16:creationId xmlns:a16="http://schemas.microsoft.com/office/drawing/2014/main" id="{0E89DB30-308E-4441-B578-A2602773EF89}"/>
               </a:ext>
             </a:extLst>
           </p:cNvPr>
@@ -1635,7 +2087,7 @@
           <p:cNvPr id="4" name="Content Placeholder 3">
             <a:extLst>
               <a:ext uri="{FF2B5EF4-FFF2-40B4-BE49-F238E27FC236}">
-                <a16:creationId xmlns:a16="http://schemas.microsoft.com/office/drawing/2014/main" id="{09CAB444-655C-4C58-B531-35BAB73D1DB2}"/>
+                <a16:creationId xmlns:a16="http://schemas.microsoft.com/office/drawing/2014/main" id="{98D51820-6691-4824-B3E1-773361B8AA76}"/>
               </a:ext>
             </a:extLst>
           </p:cNvPr>
@@ -1697,7 +2149,7 @@
           <p:cNvPr id="5" name="Text Placeholder 4">
             <a:extLst>
               <a:ext uri="{FF2B5EF4-FFF2-40B4-BE49-F238E27FC236}">
-                <a16:creationId xmlns:a16="http://schemas.microsoft.com/office/drawing/2014/main" id="{F75E44BF-E7C2-474A-9295-BF1BF3754D8F}"/>
+                <a16:creationId xmlns:a16="http://schemas.microsoft.com/office/drawing/2014/main" id="{4580FCF5-B07F-4A49-99FA-141464F26B95}"/>
               </a:ext>
             </a:extLst>
           </p:cNvPr>
@@ -1768,7 +2220,7 @@
           <p:cNvPr id="6" name="Content Placeholder 5">
             <a:extLst>
               <a:ext uri="{FF2B5EF4-FFF2-40B4-BE49-F238E27FC236}">
-                <a16:creationId xmlns:a16="http://schemas.microsoft.com/office/drawing/2014/main" id="{6CCC2A44-76E1-4328-B84B-329570FE0346}"/>
+                <a16:creationId xmlns:a16="http://schemas.microsoft.com/office/drawing/2014/main" id="{6F3AF5DB-8F82-4AB3-8698-3B87156396CD}"/>
               </a:ext>
             </a:extLst>
           </p:cNvPr>
@@ -1830,7 +2282,7 @@
           <p:cNvPr id="7" name="Date Placeholder 6">
             <a:extLst>
               <a:ext uri="{FF2B5EF4-FFF2-40B4-BE49-F238E27FC236}">
-                <a16:creationId xmlns:a16="http://schemas.microsoft.com/office/drawing/2014/main" id="{74C93981-ACF7-4992-802C-F9F0C2D1DA76}"/>
+                <a16:creationId xmlns:a16="http://schemas.microsoft.com/office/drawing/2014/main" id="{32E4514E-BFD3-4E75-9698-A2475FBE8A4B}"/>
               </a:ext>
             </a:extLst>
           </p:cNvPr>
@@ -1859,7 +2311,7 @@
           <p:cNvPr id="8" name="Footer Placeholder 7">
             <a:extLst>
               <a:ext uri="{FF2B5EF4-FFF2-40B4-BE49-F238E27FC236}">
-                <a16:creationId xmlns:a16="http://schemas.microsoft.com/office/drawing/2014/main" id="{EF07BE15-A4E5-4433-A13C-4966259B17DA}"/>
+                <a16:creationId xmlns:a16="http://schemas.microsoft.com/office/drawing/2014/main" id="{AA9F2D92-E188-4EB4-8D23-40848F6F0E69}"/>
               </a:ext>
             </a:extLst>
           </p:cNvPr>
@@ -1884,7 +2336,7 @@
           <p:cNvPr id="9" name="Slide Number Placeholder 8">
             <a:extLst>
               <a:ext uri="{FF2B5EF4-FFF2-40B4-BE49-F238E27FC236}">
-                <a16:creationId xmlns:a16="http://schemas.microsoft.com/office/drawing/2014/main" id="{D1A33096-40EE-43C1-80F9-D2F916FF178B}"/>
+                <a16:creationId xmlns:a16="http://schemas.microsoft.com/office/drawing/2014/main" id="{C954ACAA-E455-484B-9FF4-79CF3FD2A4CC}"/>
               </a:ext>
             </a:extLst>
           </p:cNvPr>
@@ -1911,7 +2363,7 @@
     </p:spTree>
     <p:extLst>
       <p:ext uri="{BB962C8B-B14F-4D97-AF65-F5344CB8AC3E}">
-        <p14:creationId xmlns:p14="http://schemas.microsoft.com/office/powerpoint/2010/main" val="1160213940"/>
+        <p14:creationId xmlns:p14="http://schemas.microsoft.com/office/powerpoint/2010/main" val="3814133149"/>
       </p:ext>
     </p:extLst>
   </p:cSld>
@@ -1943,7 +2395,7 @@
           <p:cNvPr id="2" name="Title 1">
             <a:extLst>
               <a:ext uri="{FF2B5EF4-FFF2-40B4-BE49-F238E27FC236}">
-                <a16:creationId xmlns:a16="http://schemas.microsoft.com/office/drawing/2014/main" id="{F27454BB-0CAA-46A4-9B4A-FCC2B6B48EBB}"/>
+                <a16:creationId xmlns:a16="http://schemas.microsoft.com/office/drawing/2014/main" id="{6F2153D4-7A43-42E9-AAAA-E2F8B7FC3F70}"/>
               </a:ext>
             </a:extLst>
           </p:cNvPr>
@@ -1971,7 +2423,7 @@
           <p:cNvPr id="3" name="Date Placeholder 2">
             <a:extLst>
               <a:ext uri="{FF2B5EF4-FFF2-40B4-BE49-F238E27FC236}">
-                <a16:creationId xmlns:a16="http://schemas.microsoft.com/office/drawing/2014/main" id="{72C7D881-5B6C-4A79-961E-96ECCB8C8BDE}"/>
+                <a16:creationId xmlns:a16="http://schemas.microsoft.com/office/drawing/2014/main" id="{EA8EA341-2BE3-4F4B-8DE5-CBA61B905749}"/>
               </a:ext>
             </a:extLst>
           </p:cNvPr>
@@ -2000,7 +2452,7 @@
           <p:cNvPr id="4" name="Footer Placeholder 3">
             <a:extLst>
               <a:ext uri="{FF2B5EF4-FFF2-40B4-BE49-F238E27FC236}">
-                <a16:creationId xmlns:a16="http://schemas.microsoft.com/office/drawing/2014/main" id="{E5CBE704-549D-4F28-9C7E-9B5B91C063DE}"/>
+                <a16:creationId xmlns:a16="http://schemas.microsoft.com/office/drawing/2014/main" id="{884DABD8-D9B3-43B7-8C63-7CB63BAFAD21}"/>
               </a:ext>
             </a:extLst>
           </p:cNvPr>
@@ -2025,7 +2477,7 @@
           <p:cNvPr id="5" name="Slide Number Placeholder 4">
             <a:extLst>
               <a:ext uri="{FF2B5EF4-FFF2-40B4-BE49-F238E27FC236}">
-                <a16:creationId xmlns:a16="http://schemas.microsoft.com/office/drawing/2014/main" id="{DF279021-F319-4A35-96CF-15C4A202CF4C}"/>
+                <a16:creationId xmlns:a16="http://schemas.microsoft.com/office/drawing/2014/main" id="{C7C86A6C-2FCD-4BBC-8B09-2606E5F87A95}"/>
               </a:ext>
             </a:extLst>
           </p:cNvPr>
@@ -2052,7 +2504,7 @@
     </p:spTree>
     <p:extLst>
       <p:ext uri="{BB962C8B-B14F-4D97-AF65-F5344CB8AC3E}">
-        <p14:creationId xmlns:p14="http://schemas.microsoft.com/office/powerpoint/2010/main" val="10149022"/>
+        <p14:creationId xmlns:p14="http://schemas.microsoft.com/office/powerpoint/2010/main" val="1919025461"/>
       </p:ext>
     </p:extLst>
   </p:cSld>
@@ -2084,7 +2536,7 @@
           <p:cNvPr id="2" name="Date Placeholder 1">
             <a:extLst>
               <a:ext uri="{FF2B5EF4-FFF2-40B4-BE49-F238E27FC236}">
-                <a16:creationId xmlns:a16="http://schemas.microsoft.com/office/drawing/2014/main" id="{AB4BFD7E-8AA4-4FE0-9CF9-3B20549612C8}"/>
+                <a16:creationId xmlns:a16="http://schemas.microsoft.com/office/drawing/2014/main" id="{544880A4-0E28-42AC-92B2-C7F828818D37}"/>
               </a:ext>
             </a:extLst>
           </p:cNvPr>
@@ -2113,7 +2565,7 @@
           <p:cNvPr id="3" name="Footer Placeholder 2">
             <a:extLst>
               <a:ext uri="{FF2B5EF4-FFF2-40B4-BE49-F238E27FC236}">
-                <a16:creationId xmlns:a16="http://schemas.microsoft.com/office/drawing/2014/main" id="{320E21F4-6B4B-4AC8-B92F-1DE4A8DBE3F9}"/>
+                <a16:creationId xmlns:a16="http://schemas.microsoft.com/office/drawing/2014/main" id="{9DE5405B-A163-4611-926A-ABCB35376ADD}"/>
               </a:ext>
             </a:extLst>
           </p:cNvPr>
@@ -2138,7 +2590,7 @@
           <p:cNvPr id="4" name="Slide Number Placeholder 3">
             <a:extLst>
               <a:ext uri="{FF2B5EF4-FFF2-40B4-BE49-F238E27FC236}">
-                <a16:creationId xmlns:a16="http://schemas.microsoft.com/office/drawing/2014/main" id="{1806C8C3-CC1B-42E9-A988-2D1D8D586AF3}"/>
+                <a16:creationId xmlns:a16="http://schemas.microsoft.com/office/drawing/2014/main" id="{01F3351B-73B7-4695-B604-2FD226832E53}"/>
               </a:ext>
             </a:extLst>
           </p:cNvPr>
@@ -2165,7 +2617,7 @@
     </p:spTree>
     <p:extLst>
       <p:ext uri="{BB962C8B-B14F-4D97-AF65-F5344CB8AC3E}">
-        <p14:creationId xmlns:p14="http://schemas.microsoft.com/office/powerpoint/2010/main" val="459059524"/>
+        <p14:creationId xmlns:p14="http://schemas.microsoft.com/office/powerpoint/2010/main" val="115788571"/>
       </p:ext>
     </p:extLst>
   </p:cSld>
@@ -2197,7 +2649,7 @@
           <p:cNvPr id="2" name="Title 1">
             <a:extLst>
               <a:ext uri="{FF2B5EF4-FFF2-40B4-BE49-F238E27FC236}">
-                <a16:creationId xmlns:a16="http://schemas.microsoft.com/office/drawing/2014/main" id="{C114698C-8738-4AED-B972-68A972BD3F1C}"/>
+                <a16:creationId xmlns:a16="http://schemas.microsoft.com/office/drawing/2014/main" id="{6CD6CB86-BCEF-44AF-B725-ECD6DC429EEA}"/>
               </a:ext>
             </a:extLst>
           </p:cNvPr>
@@ -2234,7 +2686,7 @@
           <p:cNvPr id="3" name="Content Placeholder 2">
             <a:extLst>
               <a:ext uri="{FF2B5EF4-FFF2-40B4-BE49-F238E27FC236}">
-                <a16:creationId xmlns:a16="http://schemas.microsoft.com/office/drawing/2014/main" id="{71A7FF5B-588F-4E77-A37D-3F4838B94B0D}"/>
+                <a16:creationId xmlns:a16="http://schemas.microsoft.com/office/drawing/2014/main" id="{5432468E-D378-4E62-B367-0DD3F84ACE5C}"/>
               </a:ext>
             </a:extLst>
           </p:cNvPr>
@@ -2324,7 +2776,7 @@
           <p:cNvPr id="4" name="Text Placeholder 3">
             <a:extLst>
               <a:ext uri="{FF2B5EF4-FFF2-40B4-BE49-F238E27FC236}">
-                <a16:creationId xmlns:a16="http://schemas.microsoft.com/office/drawing/2014/main" id="{D3216E54-A131-4723-AA61-B3F982A303B4}"/>
+                <a16:creationId xmlns:a16="http://schemas.microsoft.com/office/drawing/2014/main" id="{03717268-0298-40DC-B814-4373711A7403}"/>
               </a:ext>
             </a:extLst>
           </p:cNvPr>
@@ -2395,7 +2847,7 @@
           <p:cNvPr id="5" name="Date Placeholder 4">
             <a:extLst>
               <a:ext uri="{FF2B5EF4-FFF2-40B4-BE49-F238E27FC236}">
-                <a16:creationId xmlns:a16="http://schemas.microsoft.com/office/drawing/2014/main" id="{7579D79D-7512-47A7-9598-6A12DED72C71}"/>
+                <a16:creationId xmlns:a16="http://schemas.microsoft.com/office/drawing/2014/main" id="{6A5FBDEB-857F-4AC1-9339-B16D4BA9E1CC}"/>
               </a:ext>
             </a:extLst>
           </p:cNvPr>
@@ -2424,7 +2876,7 @@
           <p:cNvPr id="6" name="Footer Placeholder 5">
             <a:extLst>
               <a:ext uri="{FF2B5EF4-FFF2-40B4-BE49-F238E27FC236}">
-                <a16:creationId xmlns:a16="http://schemas.microsoft.com/office/drawing/2014/main" id="{A4275004-E804-4733-A320-96BA01432898}"/>
+                <a16:creationId xmlns:a16="http://schemas.microsoft.com/office/drawing/2014/main" id="{E91ED056-C4A8-4BC8-AF15-9DE17E968F2D}"/>
               </a:ext>
             </a:extLst>
           </p:cNvPr>
@@ -2449,7 +2901,7 @@
           <p:cNvPr id="7" name="Slide Number Placeholder 6">
             <a:extLst>
               <a:ext uri="{FF2B5EF4-FFF2-40B4-BE49-F238E27FC236}">
-                <a16:creationId xmlns:a16="http://schemas.microsoft.com/office/drawing/2014/main" id="{FDFF9EA4-C787-4DB0-BC51-3D90BCF13E1B}"/>
+                <a16:creationId xmlns:a16="http://schemas.microsoft.com/office/drawing/2014/main" id="{9EC1CA6E-18F0-495A-934F-5016140B7209}"/>
               </a:ext>
             </a:extLst>
           </p:cNvPr>
@@ -2476,7 +2928,7 @@
     </p:spTree>
     <p:extLst>
       <p:ext uri="{BB962C8B-B14F-4D97-AF65-F5344CB8AC3E}">
-        <p14:creationId xmlns:p14="http://schemas.microsoft.com/office/powerpoint/2010/main" val="2464552847"/>
+        <p14:creationId xmlns:p14="http://schemas.microsoft.com/office/powerpoint/2010/main" val="357935470"/>
       </p:ext>
     </p:extLst>
   </p:cSld>
@@ -2508,7 +2960,7 @@
           <p:cNvPr id="2" name="Title 1">
             <a:extLst>
               <a:ext uri="{FF2B5EF4-FFF2-40B4-BE49-F238E27FC236}">
-                <a16:creationId xmlns:a16="http://schemas.microsoft.com/office/drawing/2014/main" id="{30CE625D-3377-4154-8203-B0135511B72D}"/>
+                <a16:creationId xmlns:a16="http://schemas.microsoft.com/office/drawing/2014/main" id="{B8E7D01B-8684-4D2C-AE7B-8D037FB27847}"/>
               </a:ext>
             </a:extLst>
           </p:cNvPr>
@@ -2545,7 +2997,7 @@
           <p:cNvPr id="3" name="Picture Placeholder 2">
             <a:extLst>
               <a:ext uri="{FF2B5EF4-FFF2-40B4-BE49-F238E27FC236}">
-                <a16:creationId xmlns:a16="http://schemas.microsoft.com/office/drawing/2014/main" id="{38380696-B838-43C4-A849-19EC084A208C}"/>
+                <a16:creationId xmlns:a16="http://schemas.microsoft.com/office/drawing/2014/main" id="{97DD9295-9389-4D83-A234-2EEAE2E3DD5D}"/>
               </a:ext>
             </a:extLst>
           </p:cNvPr>
@@ -2612,7 +3064,7 @@
           <p:cNvPr id="4" name="Text Placeholder 3">
             <a:extLst>
               <a:ext uri="{FF2B5EF4-FFF2-40B4-BE49-F238E27FC236}">
-                <a16:creationId xmlns:a16="http://schemas.microsoft.com/office/drawing/2014/main" id="{85212A81-84B3-4759-8C97-DE0D15FDFC6C}"/>
+                <a16:creationId xmlns:a16="http://schemas.microsoft.com/office/drawing/2014/main" id="{66343616-A309-475F-8EF3-FAD9AA978BAD}"/>
               </a:ext>
             </a:extLst>
           </p:cNvPr>
@@ -2683,7 +3135,7 @@
           <p:cNvPr id="5" name="Date Placeholder 4">
             <a:extLst>
               <a:ext uri="{FF2B5EF4-FFF2-40B4-BE49-F238E27FC236}">
-                <a16:creationId xmlns:a16="http://schemas.microsoft.com/office/drawing/2014/main" id="{1BA2EF57-CBA6-495D-A0B7-41345D11ECDD}"/>
+                <a16:creationId xmlns:a16="http://schemas.microsoft.com/office/drawing/2014/main" id="{7993476A-5F33-44B3-B530-CFC695CB35BF}"/>
               </a:ext>
             </a:extLst>
           </p:cNvPr>
@@ -2712,7 +3164,7 @@
           <p:cNvPr id="6" name="Footer Placeholder 5">
             <a:extLst>
               <a:ext uri="{FF2B5EF4-FFF2-40B4-BE49-F238E27FC236}">
-                <a16:creationId xmlns:a16="http://schemas.microsoft.com/office/drawing/2014/main" id="{9E197B0F-A4BD-47CD-B6EC-234E9E608959}"/>
+                <a16:creationId xmlns:a16="http://schemas.microsoft.com/office/drawing/2014/main" id="{D6E37906-D4C9-49F2-B8B7-15163313F72C}"/>
               </a:ext>
             </a:extLst>
           </p:cNvPr>
@@ -2737,7 +3189,7 @@
           <p:cNvPr id="7" name="Slide Number Placeholder 6">
             <a:extLst>
               <a:ext uri="{FF2B5EF4-FFF2-40B4-BE49-F238E27FC236}">
-                <a16:creationId xmlns:a16="http://schemas.microsoft.com/office/drawing/2014/main" id="{B4E661CE-DC43-4B9A-8D40-CA00D5C7A52D}"/>
+                <a16:creationId xmlns:a16="http://schemas.microsoft.com/office/drawing/2014/main" id="{D6402906-329B-4320-8978-A035380C349B}"/>
               </a:ext>
             </a:extLst>
           </p:cNvPr>
@@ -2764,7 +3216,7 @@
     </p:spTree>
     <p:extLst>
       <p:ext uri="{BB962C8B-B14F-4D97-AF65-F5344CB8AC3E}">
-        <p14:creationId xmlns:p14="http://schemas.microsoft.com/office/powerpoint/2010/main" val="1505096135"/>
+        <p14:creationId xmlns:p14="http://schemas.microsoft.com/office/powerpoint/2010/main" val="634933335"/>
       </p:ext>
     </p:extLst>
   </p:cSld>
@@ -2801,7 +3253,7 @@
           <p:cNvPr id="2" name="Title Placeholder 1">
             <a:extLst>
               <a:ext uri="{FF2B5EF4-FFF2-40B4-BE49-F238E27FC236}">
-                <a16:creationId xmlns:a16="http://schemas.microsoft.com/office/drawing/2014/main" id="{63DB078B-96E5-4764-9952-74F266D3DE9C}"/>
+                <a16:creationId xmlns:a16="http://schemas.microsoft.com/office/drawing/2014/main" id="{5F427E24-6825-4094-91FA-C803FC0B503F}"/>
               </a:ext>
             </a:extLst>
           </p:cNvPr>
@@ -2839,7 +3291,7 @@
           <p:cNvPr id="3" name="Text Placeholder 2">
             <a:extLst>
               <a:ext uri="{FF2B5EF4-FFF2-40B4-BE49-F238E27FC236}">
-                <a16:creationId xmlns:a16="http://schemas.microsoft.com/office/drawing/2014/main" id="{D5594354-19BD-4440-9C04-FB22992E8D42}"/>
+                <a16:creationId xmlns:a16="http://schemas.microsoft.com/office/drawing/2014/main" id="{F3D3A011-C152-48CA-80AC-295405004C8C}"/>
               </a:ext>
             </a:extLst>
           </p:cNvPr>
@@ -2906,7 +3358,7 @@
           <p:cNvPr id="4" name="Date Placeholder 3">
             <a:extLst>
               <a:ext uri="{FF2B5EF4-FFF2-40B4-BE49-F238E27FC236}">
-                <a16:creationId xmlns:a16="http://schemas.microsoft.com/office/drawing/2014/main" id="{EDDDEB2F-B66D-4633-BFEE-6A0EFD7AF545}"/>
+                <a16:creationId xmlns:a16="http://schemas.microsoft.com/office/drawing/2014/main" id="{1B3EA61B-2447-4543-BD60-FF58AF034D5D}"/>
               </a:ext>
             </a:extLst>
           </p:cNvPr>
@@ -2953,7 +3405,7 @@
           <p:cNvPr id="5" name="Footer Placeholder 4">
             <a:extLst>
               <a:ext uri="{FF2B5EF4-FFF2-40B4-BE49-F238E27FC236}">
-                <a16:creationId xmlns:a16="http://schemas.microsoft.com/office/drawing/2014/main" id="{61C1CCE5-CFE2-4285-B5CC-60538FFE39B1}"/>
+                <a16:creationId xmlns:a16="http://schemas.microsoft.com/office/drawing/2014/main" id="{97D06A1B-5EB1-4BE4-99DE-93E78E356EE0}"/>
               </a:ext>
             </a:extLst>
           </p:cNvPr>
@@ -2996,7 +3448,7 @@
           <p:cNvPr id="6" name="Slide Number Placeholder 5">
             <a:extLst>
               <a:ext uri="{FF2B5EF4-FFF2-40B4-BE49-F238E27FC236}">
-                <a16:creationId xmlns:a16="http://schemas.microsoft.com/office/drawing/2014/main" id="{705E7519-979A-4EF6-B6C4-E2796A2F5DE1}"/>
+                <a16:creationId xmlns:a16="http://schemas.microsoft.com/office/drawing/2014/main" id="{3404980E-31C1-4EA4-9518-4829EE3F2F78}"/>
               </a:ext>
             </a:extLst>
           </p:cNvPr>
@@ -3041,23 +3493,23 @@
     </p:spTree>
     <p:extLst>
       <p:ext uri="{BB962C8B-B14F-4D97-AF65-F5344CB8AC3E}">
-        <p14:creationId xmlns:p14="http://schemas.microsoft.com/office/powerpoint/2010/main" val="1056118835"/>
+        <p14:creationId xmlns:p14="http://schemas.microsoft.com/office/powerpoint/2010/main" val="3976143243"/>
       </p:ext>
     </p:extLst>
   </p:cSld>
   <p:clrMap bg1="lt1" tx1="dk1" bg2="lt2" tx2="dk2" accent1="accent1" accent2="accent2" accent3="accent3" accent4="accent4" accent5="accent5" accent6="accent6" hlink="hlink" folHlink="folHlink"/>
   <p:sldLayoutIdLst>
-    <p:sldLayoutId id="2147483649" r:id="rId1"/>
-    <p:sldLayoutId id="2147483650" r:id="rId2"/>
-    <p:sldLayoutId id="2147483651" r:id="rId3"/>
-    <p:sldLayoutId id="2147483652" r:id="rId4"/>
-    <p:sldLayoutId id="2147483653" r:id="rId5"/>
-    <p:sldLayoutId id="2147483654" r:id="rId6"/>
-    <p:sldLayoutId id="2147483655" r:id="rId7"/>
-    <p:sldLayoutId id="2147483656" r:id="rId8"/>
-    <p:sldLayoutId id="2147483657" r:id="rId9"/>
-    <p:sldLayoutId id="2147483658" r:id="rId10"/>
-    <p:sldLayoutId id="2147483659" r:id="rId11"/>
+    <p:sldLayoutId id="2147483715" r:id="rId1"/>
+    <p:sldLayoutId id="2147483716" r:id="rId2"/>
+    <p:sldLayoutId id="2147483717" r:id="rId3"/>
+    <p:sldLayoutId id="2147483718" r:id="rId4"/>
+    <p:sldLayoutId id="2147483719" r:id="rId5"/>
+    <p:sldLayoutId id="2147483720" r:id="rId6"/>
+    <p:sldLayoutId id="2147483721" r:id="rId7"/>
+    <p:sldLayoutId id="2147483722" r:id="rId8"/>
+    <p:sldLayoutId id="2147483723" r:id="rId9"/>
+    <p:sldLayoutId id="2147483724" r:id="rId10"/>
+    <p:sldLayoutId id="2147483725" r:id="rId11"/>
   </p:sldLayoutIdLst>
   <p:txStyles>
     <p:titleStyle>
@@ -3415,7 +3867,9 @@
         </p:nvSpPr>
         <p:spPr/>
         <p:txBody>
-          <a:bodyPr/>
+          <a:bodyPr>
+            <a:normAutofit/>
+          </a:bodyPr>
           <a:lstStyle/>
           <a:p>
             <a:endParaRPr lang="en-US" dirty="0"/>
@@ -3439,6 +3893,939 @@
     <p:extLst>
       <p:ext uri="{BB962C8B-B14F-4D97-AF65-F5344CB8AC3E}">
         <p14:creationId xmlns:p14="http://schemas.microsoft.com/office/powerpoint/2010/main" val="2237516559"/>
+      </p:ext>
+    </p:extLst>
+  </p:cSld>
+  <p:clrMapOvr>
+    <a:masterClrMapping/>
+  </p:clrMapOvr>
+</p:sld>
+</file>
+
+<file path=ppt/slides/slide10.xml><?xml version="1.0" encoding="utf-8"?>
+<p:sld xmlns:a="http://schemas.openxmlformats.org/drawingml/2006/main" xmlns:r="http://schemas.openxmlformats.org/officeDocument/2006/relationships" xmlns:p="http://schemas.openxmlformats.org/presentationml/2006/main">
+  <p:cSld>
+    <p:spTree>
+      <p:nvGrpSpPr>
+        <p:cNvPr id="1" name=""/>
+        <p:cNvGrpSpPr/>
+        <p:nvPr/>
+      </p:nvGrpSpPr>
+      <p:grpSpPr>
+        <a:xfrm>
+          <a:off x="0" y="0"/>
+          <a:ext cx="0" cy="0"/>
+          <a:chOff x="0" y="0"/>
+          <a:chExt cx="0" cy="0"/>
+        </a:xfrm>
+      </p:grpSpPr>
+      <p:sp>
+        <p:nvSpPr>
+          <p:cNvPr id="2" name="Title 1">
+            <a:extLst>
+              <a:ext uri="{FF2B5EF4-FFF2-40B4-BE49-F238E27FC236}">
+                <a16:creationId xmlns:a16="http://schemas.microsoft.com/office/drawing/2014/main" id="{A48531B3-B9EF-4E47-B0BD-F18828BEC3BB}"/>
+              </a:ext>
+            </a:extLst>
+          </p:cNvPr>
+          <p:cNvSpPr>
+            <a:spLocks noGrp="1"/>
+          </p:cNvSpPr>
+          <p:nvPr>
+            <p:ph type="title"/>
+          </p:nvPr>
+        </p:nvSpPr>
+        <p:spPr/>
+        <p:txBody>
+          <a:bodyPr>
+            <a:normAutofit/>
+          </a:bodyPr>
+          <a:lstStyle/>
+          <a:p>
+            <a:r>
+              <a:rPr lang="en-US" sz="4000" dirty="0"/>
+              <a:t>Description and Suggestion Rules</a:t>
+            </a:r>
+          </a:p>
+        </p:txBody>
+      </p:sp>
+      <p:sp>
+        <p:nvSpPr>
+          <p:cNvPr id="6" name="Content Placeholder 5">
+            <a:extLst>
+              <a:ext uri="{FF2B5EF4-FFF2-40B4-BE49-F238E27FC236}">
+                <a16:creationId xmlns:a16="http://schemas.microsoft.com/office/drawing/2014/main" id="{8270C120-7CAB-4EA4-9B1D-4CCF865FEBF8}"/>
+              </a:ext>
+            </a:extLst>
+          </p:cNvPr>
+          <p:cNvSpPr>
+            <a:spLocks noGrp="1"/>
+          </p:cNvSpPr>
+          <p:nvPr>
+            <p:ph idx="1"/>
+          </p:nvPr>
+        </p:nvSpPr>
+        <p:spPr>
+          <a:xfrm>
+            <a:off x="838200" y="1762917"/>
+            <a:ext cx="10515600" cy="4713923"/>
+          </a:xfrm>
+        </p:spPr>
+        <p:txBody>
+          <a:bodyPr>
+            <a:normAutofit/>
+          </a:bodyPr>
+          <a:lstStyle/>
+          <a:p>
+            <a:pPr marL="0" indent="0">
+              <a:buNone/>
+            </a:pPr>
+            <a:r>
+              <a:rPr lang="en-US" sz="2400" dirty="0"/>
+              <a:t>Some rules are only description </a:t>
+            </a:r>
+          </a:p>
+          <a:p>
+            <a:pPr marL="0" indent="0">
+              <a:buNone/>
+            </a:pPr>
+            <a:endParaRPr lang="en-US" sz="2400" dirty="0"/>
+          </a:p>
+          <a:p>
+            <a:pPr marL="0" indent="0">
+              <a:buNone/>
+            </a:pPr>
+            <a:endParaRPr lang="en-US" sz="2400" dirty="0"/>
+          </a:p>
+        </p:txBody>
+      </p:sp>
+      <p:pic>
+        <p:nvPicPr>
+          <p:cNvPr id="9" name="Picture 8">
+            <a:extLst>
+              <a:ext uri="{FF2B5EF4-FFF2-40B4-BE49-F238E27FC236}">
+                <a16:creationId xmlns:a16="http://schemas.microsoft.com/office/drawing/2014/main" id="{94613BB8-23D7-4582-AA05-1EF8F8009AD2}"/>
+              </a:ext>
+            </a:extLst>
+          </p:cNvPr>
+          <p:cNvPicPr>
+            <a:picLocks noChangeAspect="1"/>
+          </p:cNvPicPr>
+          <p:nvPr/>
+        </p:nvPicPr>
+        <p:blipFill>
+          <a:blip r:embed="rId2"/>
+          <a:stretch>
+            <a:fillRect/>
+          </a:stretch>
+        </p:blipFill>
+        <p:spPr>
+          <a:xfrm>
+            <a:off x="400050" y="2775585"/>
+            <a:ext cx="5695950" cy="2619375"/>
+          </a:xfrm>
+          <a:prstGeom prst="rect">
+            <a:avLst/>
+          </a:prstGeom>
+        </p:spPr>
+      </p:pic>
+      <p:pic>
+        <p:nvPicPr>
+          <p:cNvPr id="10" name="Picture 9">
+            <a:extLst>
+              <a:ext uri="{FF2B5EF4-FFF2-40B4-BE49-F238E27FC236}">
+                <a16:creationId xmlns:a16="http://schemas.microsoft.com/office/drawing/2014/main" id="{B1A0BBC0-1A03-405B-A3A0-33201AE83BED}"/>
+              </a:ext>
+            </a:extLst>
+          </p:cNvPr>
+          <p:cNvPicPr>
+            <a:picLocks noChangeAspect="1"/>
+          </p:cNvPicPr>
+          <p:nvPr/>
+        </p:nvPicPr>
+        <p:blipFill>
+          <a:blip r:embed="rId3"/>
+          <a:stretch>
+            <a:fillRect/>
+          </a:stretch>
+        </p:blipFill>
+        <p:spPr>
+          <a:xfrm>
+            <a:off x="6534150" y="1463039"/>
+            <a:ext cx="5078485" cy="5313681"/>
+          </a:xfrm>
+          <a:prstGeom prst="rect">
+            <a:avLst/>
+          </a:prstGeom>
+        </p:spPr>
+      </p:pic>
+    </p:spTree>
+    <p:extLst>
+      <p:ext uri="{BB962C8B-B14F-4D97-AF65-F5344CB8AC3E}">
+        <p14:creationId xmlns:p14="http://schemas.microsoft.com/office/powerpoint/2010/main" val="712257552"/>
+      </p:ext>
+    </p:extLst>
+  </p:cSld>
+  <p:clrMapOvr>
+    <a:masterClrMapping/>
+  </p:clrMapOvr>
+</p:sld>
+</file>
+
+<file path=ppt/slides/slide11.xml><?xml version="1.0" encoding="utf-8"?>
+<p:sld xmlns:a="http://schemas.openxmlformats.org/drawingml/2006/main" xmlns:r="http://schemas.openxmlformats.org/officeDocument/2006/relationships" xmlns:p="http://schemas.openxmlformats.org/presentationml/2006/main">
+  <p:cSld>
+    <p:spTree>
+      <p:nvGrpSpPr>
+        <p:cNvPr id="1" name=""/>
+        <p:cNvGrpSpPr/>
+        <p:nvPr/>
+      </p:nvGrpSpPr>
+      <p:grpSpPr>
+        <a:xfrm>
+          <a:off x="0" y="0"/>
+          <a:ext cx="0" cy="0"/>
+          <a:chOff x="0" y="0"/>
+          <a:chExt cx="0" cy="0"/>
+        </a:xfrm>
+      </p:grpSpPr>
+      <p:sp>
+        <p:nvSpPr>
+          <p:cNvPr id="2" name="Title 1">
+            <a:extLst>
+              <a:ext uri="{FF2B5EF4-FFF2-40B4-BE49-F238E27FC236}">
+                <a16:creationId xmlns:a16="http://schemas.microsoft.com/office/drawing/2014/main" id="{CDB8842C-AB54-4B10-B60B-B1F8E78ABC51}"/>
+              </a:ext>
+            </a:extLst>
+          </p:cNvPr>
+          <p:cNvSpPr>
+            <a:spLocks noGrp="1"/>
+          </p:cNvSpPr>
+          <p:nvPr>
+            <p:ph type="title"/>
+          </p:nvPr>
+        </p:nvSpPr>
+        <p:spPr/>
+        <p:txBody>
+          <a:bodyPr>
+            <a:normAutofit/>
+          </a:bodyPr>
+          <a:lstStyle/>
+          <a:p>
+            <a:r>
+              <a:rPr lang="en-US" sz="4000" dirty="0"/>
+              <a:t>Rough Rule</a:t>
+            </a:r>
+          </a:p>
+        </p:txBody>
+      </p:sp>
+      <p:sp>
+        <p:nvSpPr>
+          <p:cNvPr id="3" name="Content Placeholder 2">
+            <a:extLst>
+              <a:ext uri="{FF2B5EF4-FFF2-40B4-BE49-F238E27FC236}">
+                <a16:creationId xmlns:a16="http://schemas.microsoft.com/office/drawing/2014/main" id="{925D3D52-AB97-4A3C-98C6-3BBC6ED594EF}"/>
+              </a:ext>
+            </a:extLst>
+          </p:cNvPr>
+          <p:cNvSpPr>
+            <a:spLocks noGrp="1"/>
+          </p:cNvSpPr>
+          <p:nvPr>
+            <p:ph idx="1"/>
+          </p:nvPr>
+        </p:nvSpPr>
+        <p:spPr>
+          <a:xfrm>
+            <a:off x="838200" y="1792935"/>
+            <a:ext cx="10515600" cy="4384027"/>
+          </a:xfrm>
+        </p:spPr>
+        <p:txBody>
+          <a:bodyPr>
+            <a:normAutofit/>
+          </a:bodyPr>
+          <a:lstStyle/>
+          <a:p>
+            <a:pPr marL="0" indent="0">
+              <a:buNone/>
+            </a:pPr>
+            <a:r>
+              <a:rPr lang="en-US" sz="2400" dirty="0"/>
+              <a:t>Those rules indicate what should or should not do, the standard, however, is ambiguous and empirical.</a:t>
+            </a:r>
+          </a:p>
+          <a:p>
+            <a:pPr marL="0" indent="0">
+              <a:buNone/>
+            </a:pPr>
+            <a:endParaRPr lang="en-US" sz="2400" u="sng" dirty="0"/>
+          </a:p>
+          <a:p>
+            <a:pPr marL="0" indent="0">
+              <a:buNone/>
+            </a:pPr>
+            <a:r>
+              <a:rPr lang="en-US" sz="2400" i="1" dirty="0"/>
+              <a:t>“The button should not be ‘too large’, the text in title should be ‘light enough’ …”</a:t>
+            </a:r>
+          </a:p>
+        </p:txBody>
+      </p:sp>
+      <p:pic>
+        <p:nvPicPr>
+          <p:cNvPr id="4" name="Picture 3">
+            <a:extLst>
+              <a:ext uri="{FF2B5EF4-FFF2-40B4-BE49-F238E27FC236}">
+                <a16:creationId xmlns:a16="http://schemas.microsoft.com/office/drawing/2014/main" id="{CF43142F-8BBB-4133-A922-E8263537D846}"/>
+              </a:ext>
+            </a:extLst>
+          </p:cNvPr>
+          <p:cNvPicPr>
+            <a:picLocks noChangeAspect="1"/>
+          </p:cNvPicPr>
+          <p:nvPr/>
+        </p:nvPicPr>
+        <p:blipFill>
+          <a:blip r:embed="rId2"/>
+          <a:stretch>
+            <a:fillRect/>
+          </a:stretch>
+        </p:blipFill>
+        <p:spPr>
+          <a:xfrm>
+            <a:off x="575945" y="3521974"/>
+            <a:ext cx="5032375" cy="3139533"/>
+          </a:xfrm>
+          <a:prstGeom prst="rect">
+            <a:avLst/>
+          </a:prstGeom>
+        </p:spPr>
+      </p:pic>
+    </p:spTree>
+    <p:extLst>
+      <p:ext uri="{BB962C8B-B14F-4D97-AF65-F5344CB8AC3E}">
+        <p14:creationId xmlns:p14="http://schemas.microsoft.com/office/powerpoint/2010/main" val="323951264"/>
+      </p:ext>
+    </p:extLst>
+  </p:cSld>
+  <p:clrMapOvr>
+    <a:masterClrMapping/>
+  </p:clrMapOvr>
+</p:sld>
+</file>
+
+<file path=ppt/slides/slide12.xml><?xml version="1.0" encoding="utf-8"?>
+<p:sld xmlns:a="http://schemas.openxmlformats.org/drawingml/2006/main" xmlns:r="http://schemas.openxmlformats.org/officeDocument/2006/relationships" xmlns:p="http://schemas.openxmlformats.org/presentationml/2006/main">
+  <p:cSld>
+    <p:spTree>
+      <p:nvGrpSpPr>
+        <p:cNvPr id="1" name=""/>
+        <p:cNvGrpSpPr/>
+        <p:nvPr/>
+      </p:nvGrpSpPr>
+      <p:grpSpPr>
+        <a:xfrm>
+          <a:off x="0" y="0"/>
+          <a:ext cx="0" cy="0"/>
+          <a:chOff x="0" y="0"/>
+          <a:chExt cx="0" cy="0"/>
+        </a:xfrm>
+      </p:grpSpPr>
+      <p:sp>
+        <p:nvSpPr>
+          <p:cNvPr id="2" name="Title 1">
+            <a:extLst>
+              <a:ext uri="{FF2B5EF4-FFF2-40B4-BE49-F238E27FC236}">
+                <a16:creationId xmlns:a16="http://schemas.microsoft.com/office/drawing/2014/main" id="{02198F5A-071A-4E1D-8D41-FE1F7FCE0ACA}"/>
+              </a:ext>
+            </a:extLst>
+          </p:cNvPr>
+          <p:cNvSpPr>
+            <a:spLocks noGrp="1"/>
+          </p:cNvSpPr>
+          <p:nvPr>
+            <p:ph type="title"/>
+          </p:nvPr>
+        </p:nvSpPr>
+        <p:spPr/>
+        <p:txBody>
+          <a:bodyPr/>
+          <a:lstStyle/>
+          <a:p>
+            <a:pPr algn="ctr"/>
+            <a:r>
+              <a:rPr lang="en-US" altLang="zh-CN" b="1" dirty="0"/>
+              <a:t>Hard to Implement </a:t>
+            </a:r>
+            <a:endParaRPr lang="en-US" b="1" dirty="0"/>
+          </a:p>
+        </p:txBody>
+      </p:sp>
+      <p:sp>
+        <p:nvSpPr>
+          <p:cNvPr id="3" name="Content Placeholder 2">
+            <a:extLst>
+              <a:ext uri="{FF2B5EF4-FFF2-40B4-BE49-F238E27FC236}">
+                <a16:creationId xmlns:a16="http://schemas.microsoft.com/office/drawing/2014/main" id="{F8C9B65A-2013-485D-81B9-50EAC267AB0C}"/>
+              </a:ext>
+            </a:extLst>
+          </p:cNvPr>
+          <p:cNvSpPr>
+            <a:spLocks noGrp="1"/>
+          </p:cNvSpPr>
+          <p:nvPr>
+            <p:ph idx="1"/>
+          </p:nvPr>
+        </p:nvSpPr>
+        <p:spPr>
+          <a:xfrm>
+            <a:off x="838200" y="2194561"/>
+            <a:ext cx="10515600" cy="3230562"/>
+          </a:xfrm>
+        </p:spPr>
+        <p:txBody>
+          <a:bodyPr>
+            <a:normAutofit/>
+          </a:bodyPr>
+          <a:lstStyle/>
+          <a:p>
+            <a:pPr marL="0" indent="0">
+              <a:buNone/>
+            </a:pPr>
+            <a:r>
+              <a:rPr lang="en-US" sz="2400" dirty="0"/>
+              <a:t>Rules here are programmable and feasible to encode, however, because of some complicated properties, they are still hard to implement, such as </a:t>
+            </a:r>
+          </a:p>
+          <a:p>
+            <a:pPr marL="0" indent="0">
+              <a:buNone/>
+            </a:pPr>
+            <a:r>
+              <a:rPr lang="en-US" sz="2400" dirty="0"/>
+              <a:t>	- Systematical Rules</a:t>
+            </a:r>
+          </a:p>
+        </p:txBody>
+      </p:sp>
+    </p:spTree>
+    <p:extLst>
+      <p:ext uri="{BB962C8B-B14F-4D97-AF65-F5344CB8AC3E}">
+        <p14:creationId xmlns:p14="http://schemas.microsoft.com/office/powerpoint/2010/main" val="1107113033"/>
+      </p:ext>
+    </p:extLst>
+  </p:cSld>
+  <p:clrMapOvr>
+    <a:masterClrMapping/>
+  </p:clrMapOvr>
+</p:sld>
+</file>
+
+<file path=ppt/slides/slide13.xml><?xml version="1.0" encoding="utf-8"?>
+<p:sld xmlns:a="http://schemas.openxmlformats.org/drawingml/2006/main" xmlns:r="http://schemas.openxmlformats.org/officeDocument/2006/relationships" xmlns:p="http://schemas.openxmlformats.org/presentationml/2006/main">
+  <p:cSld>
+    <p:bg>
+      <p:bgPr>
+        <a:solidFill>
+          <a:schemeClr val="bg1"/>
+        </a:solidFill>
+        <a:effectLst/>
+      </p:bgPr>
+    </p:bg>
+    <p:spTree>
+      <p:nvGrpSpPr>
+        <p:cNvPr id="1" name=""/>
+        <p:cNvGrpSpPr/>
+        <p:nvPr/>
+      </p:nvGrpSpPr>
+      <p:grpSpPr>
+        <a:xfrm>
+          <a:off x="0" y="0"/>
+          <a:ext cx="0" cy="0"/>
+          <a:chOff x="0" y="0"/>
+          <a:chExt cx="0" cy="0"/>
+        </a:xfrm>
+      </p:grpSpPr>
+      <p:sp>
+        <p:nvSpPr>
+          <p:cNvPr id="2" name="Title 1">
+            <a:extLst>
+              <a:ext uri="{FF2B5EF4-FFF2-40B4-BE49-F238E27FC236}">
+                <a16:creationId xmlns:a16="http://schemas.microsoft.com/office/drawing/2014/main" id="{8D7786FC-BAAD-4233-9300-82652F433381}"/>
+              </a:ext>
+            </a:extLst>
+          </p:cNvPr>
+          <p:cNvSpPr>
+            <a:spLocks noGrp="1"/>
+          </p:cNvSpPr>
+          <p:nvPr>
+            <p:ph type="title"/>
+          </p:nvPr>
+        </p:nvSpPr>
+        <p:spPr>
+          <a:xfrm>
+            <a:off x="648929" y="629266"/>
+            <a:ext cx="5127031" cy="1676603"/>
+          </a:xfrm>
+        </p:spPr>
+        <p:txBody>
+          <a:bodyPr>
+            <a:normAutofit/>
+          </a:bodyPr>
+          <a:lstStyle/>
+          <a:p>
+            <a:r>
+              <a:rPr lang="en-US" sz="4000" dirty="0"/>
+              <a:t>Systematical Rules</a:t>
+            </a:r>
+          </a:p>
+        </p:txBody>
+      </p:sp>
+      <p:sp>
+        <p:nvSpPr>
+          <p:cNvPr id="3" name="Content Placeholder 2">
+            <a:extLst>
+              <a:ext uri="{FF2B5EF4-FFF2-40B4-BE49-F238E27FC236}">
+                <a16:creationId xmlns:a16="http://schemas.microsoft.com/office/drawing/2014/main" id="{C9CCA08E-54F9-41C1-935E-8D0726A04DB6}"/>
+              </a:ext>
+            </a:extLst>
+          </p:cNvPr>
+          <p:cNvSpPr>
+            <a:spLocks noGrp="1"/>
+          </p:cNvSpPr>
+          <p:nvPr>
+            <p:ph idx="1"/>
+          </p:nvPr>
+        </p:nvSpPr>
+        <p:spPr>
+          <a:xfrm>
+            <a:off x="648930" y="2438400"/>
+            <a:ext cx="5127029" cy="3785419"/>
+          </a:xfrm>
+        </p:spPr>
+        <p:txBody>
+          <a:bodyPr>
+            <a:normAutofit/>
+          </a:bodyPr>
+          <a:lstStyle/>
+          <a:p>
+            <a:pPr marL="0" indent="0">
+              <a:buNone/>
+            </a:pPr>
+            <a:r>
+              <a:rPr lang="en-US" sz="2400" dirty="0"/>
+              <a:t>Unlike some simple rules such as “the minimum size of the button is 46dp * 46dp”, the systematical rule stipulate the design of single component based on the entire style or other elements. </a:t>
+            </a:r>
+          </a:p>
+          <a:p>
+            <a:pPr marL="0" indent="0">
+              <a:buNone/>
+            </a:pPr>
+            <a:endParaRPr lang="en-US" sz="2400" dirty="0"/>
+          </a:p>
+          <a:p>
+            <a:pPr marL="0" indent="0">
+              <a:buNone/>
+            </a:pPr>
+            <a:r>
+              <a:rPr lang="en-US" sz="2400" i="1" dirty="0"/>
+              <a:t>“The primary color should be coherent to the color of the logo image”</a:t>
+            </a:r>
+          </a:p>
+          <a:p>
+            <a:pPr marL="0" indent="0">
+              <a:buNone/>
+            </a:pPr>
+            <a:endParaRPr lang="en-US" sz="2400" i="1" dirty="0"/>
+          </a:p>
+        </p:txBody>
+      </p:sp>
+      <p:pic>
+        <p:nvPicPr>
+          <p:cNvPr id="5" name="Picture 4">
+            <a:extLst>
+              <a:ext uri="{FF2B5EF4-FFF2-40B4-BE49-F238E27FC236}">
+                <a16:creationId xmlns:a16="http://schemas.microsoft.com/office/drawing/2014/main" id="{C695BCB4-D42C-4E14-824D-4415DDC55E3A}"/>
+              </a:ext>
+            </a:extLst>
+          </p:cNvPr>
+          <p:cNvPicPr>
+            <a:picLocks noChangeAspect="1"/>
+          </p:cNvPicPr>
+          <p:nvPr/>
+        </p:nvPicPr>
+        <p:blipFill>
+          <a:blip r:embed="rId3"/>
+          <a:stretch>
+            <a:fillRect/>
+          </a:stretch>
+        </p:blipFill>
+        <p:spPr>
+          <a:xfrm>
+            <a:off x="5622925" y="629266"/>
+            <a:ext cx="5619750" cy="5495925"/>
+          </a:xfrm>
+          <a:prstGeom prst="rect">
+            <a:avLst/>
+          </a:prstGeom>
+        </p:spPr>
+      </p:pic>
+    </p:spTree>
+    <p:extLst>
+      <p:ext uri="{BB962C8B-B14F-4D97-AF65-F5344CB8AC3E}">
+        <p14:creationId xmlns:p14="http://schemas.microsoft.com/office/powerpoint/2010/main" val="899150316"/>
+      </p:ext>
+    </p:extLst>
+  </p:cSld>
+  <p:clrMapOvr>
+    <a:masterClrMapping/>
+  </p:clrMapOvr>
+</p:sld>
+</file>
+
+<file path=ppt/slides/slide14.xml><?xml version="1.0" encoding="utf-8"?>
+<p:sld xmlns:a="http://schemas.openxmlformats.org/drawingml/2006/main" xmlns:r="http://schemas.openxmlformats.org/officeDocument/2006/relationships" xmlns:p="http://schemas.openxmlformats.org/presentationml/2006/main">
+  <p:cSld>
+    <p:bg>
+      <p:bgPr>
+        <a:solidFill>
+          <a:schemeClr val="bg1"/>
+        </a:solidFill>
+        <a:effectLst/>
+      </p:bgPr>
+    </p:bg>
+    <p:spTree>
+      <p:nvGrpSpPr>
+        <p:cNvPr id="1" name=""/>
+        <p:cNvGrpSpPr/>
+        <p:nvPr/>
+      </p:nvGrpSpPr>
+      <p:grpSpPr>
+        <a:xfrm>
+          <a:off x="0" y="0"/>
+          <a:ext cx="0" cy="0"/>
+          <a:chOff x="0" y="0"/>
+          <a:chExt cx="0" cy="0"/>
+        </a:xfrm>
+      </p:grpSpPr>
+      <p:sp>
+        <p:nvSpPr>
+          <p:cNvPr id="2" name="Title 1">
+            <a:extLst>
+              <a:ext uri="{FF2B5EF4-FFF2-40B4-BE49-F238E27FC236}">
+                <a16:creationId xmlns:a16="http://schemas.microsoft.com/office/drawing/2014/main" id="{8D7786FC-BAAD-4233-9300-82652F433381}"/>
+              </a:ext>
+            </a:extLst>
+          </p:cNvPr>
+          <p:cNvSpPr>
+            <a:spLocks noGrp="1"/>
+          </p:cNvSpPr>
+          <p:nvPr>
+            <p:ph type="title"/>
+          </p:nvPr>
+        </p:nvSpPr>
+        <p:spPr>
+          <a:xfrm>
+            <a:off x="648929" y="629266"/>
+            <a:ext cx="5127031" cy="1676603"/>
+          </a:xfrm>
+        </p:spPr>
+        <p:txBody>
+          <a:bodyPr>
+            <a:normAutofit/>
+          </a:bodyPr>
+          <a:lstStyle/>
+          <a:p>
+            <a:r>
+              <a:rPr lang="en-US" sz="4000" dirty="0"/>
+              <a:t>Systematical Rules</a:t>
+            </a:r>
+          </a:p>
+        </p:txBody>
+      </p:sp>
+      <p:sp>
+        <p:nvSpPr>
+          <p:cNvPr id="3" name="Content Placeholder 2">
+            <a:extLst>
+              <a:ext uri="{FF2B5EF4-FFF2-40B4-BE49-F238E27FC236}">
+                <a16:creationId xmlns:a16="http://schemas.microsoft.com/office/drawing/2014/main" id="{C9CCA08E-54F9-41C1-935E-8D0726A04DB6}"/>
+              </a:ext>
+            </a:extLst>
+          </p:cNvPr>
+          <p:cNvSpPr>
+            <a:spLocks noGrp="1"/>
+          </p:cNvSpPr>
+          <p:nvPr>
+            <p:ph idx="1"/>
+          </p:nvPr>
+        </p:nvSpPr>
+        <p:spPr>
+          <a:xfrm>
+            <a:off x="648929" y="2015306"/>
+            <a:ext cx="5127029" cy="3785419"/>
+          </a:xfrm>
+        </p:spPr>
+        <p:txBody>
+          <a:bodyPr>
+            <a:normAutofit/>
+          </a:bodyPr>
+          <a:lstStyle/>
+          <a:p>
+            <a:pPr marL="0" indent="0">
+              <a:buNone/>
+            </a:pPr>
+            <a:r>
+              <a:rPr lang="en-US" sz="2400" dirty="0"/>
+              <a:t>This type of rules frequently occur at the color design.</a:t>
+            </a:r>
+          </a:p>
+          <a:p>
+            <a:pPr marL="0" indent="0">
+              <a:buNone/>
+            </a:pPr>
+            <a:r>
+              <a:rPr lang="en-US" sz="2400" dirty="0"/>
+              <a:t>The “primary color” and “secondary color” need to be calculated at first. </a:t>
+            </a:r>
+          </a:p>
+          <a:p>
+            <a:pPr marL="0" indent="0">
+              <a:buNone/>
+            </a:pPr>
+            <a:endParaRPr lang="en-US" sz="2400" dirty="0"/>
+          </a:p>
+          <a:p>
+            <a:pPr marL="0" indent="0">
+              <a:buNone/>
+            </a:pPr>
+            <a:r>
+              <a:rPr lang="en-US" sz="2400" dirty="0"/>
+              <a:t> </a:t>
+            </a:r>
+          </a:p>
+        </p:txBody>
+      </p:sp>
+      <p:pic>
+        <p:nvPicPr>
+          <p:cNvPr id="5" name="Picture 4">
+            <a:extLst>
+              <a:ext uri="{FF2B5EF4-FFF2-40B4-BE49-F238E27FC236}">
+                <a16:creationId xmlns:a16="http://schemas.microsoft.com/office/drawing/2014/main" id="{3BBFE651-C493-4FDE-95AC-8D039C91B8E9}"/>
+              </a:ext>
+            </a:extLst>
+          </p:cNvPr>
+          <p:cNvPicPr>
+            <a:picLocks noChangeAspect="1"/>
+          </p:cNvPicPr>
+          <p:nvPr/>
+        </p:nvPicPr>
+        <p:blipFill>
+          <a:blip r:embed="rId2"/>
+          <a:stretch>
+            <a:fillRect/>
+          </a:stretch>
+        </p:blipFill>
+        <p:spPr>
+          <a:xfrm>
+            <a:off x="5775959" y="1057275"/>
+            <a:ext cx="5667375" cy="4743450"/>
+          </a:xfrm>
+          <a:prstGeom prst="rect">
+            <a:avLst/>
+          </a:prstGeom>
+        </p:spPr>
+      </p:pic>
+      <p:pic>
+        <p:nvPicPr>
+          <p:cNvPr id="6" name="Picture 5">
+            <a:extLst>
+              <a:ext uri="{FF2B5EF4-FFF2-40B4-BE49-F238E27FC236}">
+                <a16:creationId xmlns:a16="http://schemas.microsoft.com/office/drawing/2014/main" id="{51981233-6EE7-4749-AD6B-DADB327244E6}"/>
+              </a:ext>
+            </a:extLst>
+          </p:cNvPr>
+          <p:cNvPicPr>
+            <a:picLocks noChangeAspect="1"/>
+          </p:cNvPicPr>
+          <p:nvPr/>
+        </p:nvPicPr>
+        <p:blipFill>
+          <a:blip r:embed="rId3"/>
+          <a:stretch>
+            <a:fillRect/>
+          </a:stretch>
+        </p:blipFill>
+        <p:spPr>
+          <a:xfrm>
+            <a:off x="80008" y="3790334"/>
+            <a:ext cx="5695950" cy="2438400"/>
+          </a:xfrm>
+          <a:prstGeom prst="rect">
+            <a:avLst/>
+          </a:prstGeom>
+        </p:spPr>
+      </p:pic>
+    </p:spTree>
+    <p:extLst>
+      <p:ext uri="{BB962C8B-B14F-4D97-AF65-F5344CB8AC3E}">
+        <p14:creationId xmlns:p14="http://schemas.microsoft.com/office/powerpoint/2010/main" val="149318911"/>
+      </p:ext>
+    </p:extLst>
+  </p:cSld>
+  <p:clrMapOvr>
+    <a:masterClrMapping/>
+  </p:clrMapOvr>
+</p:sld>
+</file>
+
+<file path=ppt/slides/slide15.xml><?xml version="1.0" encoding="utf-8"?>
+<p:sld xmlns:a="http://schemas.openxmlformats.org/drawingml/2006/main" xmlns:r="http://schemas.openxmlformats.org/officeDocument/2006/relationships" xmlns:p="http://schemas.openxmlformats.org/presentationml/2006/main">
+  <p:cSld>
+    <p:bg>
+      <p:bgPr>
+        <a:solidFill>
+          <a:schemeClr val="bg1"/>
+        </a:solidFill>
+        <a:effectLst/>
+      </p:bgPr>
+    </p:bg>
+    <p:spTree>
+      <p:nvGrpSpPr>
+        <p:cNvPr id="1" name=""/>
+        <p:cNvGrpSpPr/>
+        <p:nvPr/>
+      </p:nvGrpSpPr>
+      <p:grpSpPr>
+        <a:xfrm>
+          <a:off x="0" y="0"/>
+          <a:ext cx="0" cy="0"/>
+          <a:chOff x="0" y="0"/>
+          <a:chExt cx="0" cy="0"/>
+        </a:xfrm>
+      </p:grpSpPr>
+      <p:sp>
+        <p:nvSpPr>
+          <p:cNvPr id="2" name="Title 1">
+            <a:extLst>
+              <a:ext uri="{FF2B5EF4-FFF2-40B4-BE49-F238E27FC236}">
+                <a16:creationId xmlns:a16="http://schemas.microsoft.com/office/drawing/2014/main" id="{8D7786FC-BAAD-4233-9300-82652F433381}"/>
+              </a:ext>
+            </a:extLst>
+          </p:cNvPr>
+          <p:cNvSpPr>
+            <a:spLocks noGrp="1"/>
+          </p:cNvSpPr>
+          <p:nvPr>
+            <p:ph type="title"/>
+          </p:nvPr>
+        </p:nvSpPr>
+        <p:spPr>
+          <a:xfrm>
+            <a:off x="648929" y="629266"/>
+            <a:ext cx="5127031" cy="1676603"/>
+          </a:xfrm>
+        </p:spPr>
+        <p:txBody>
+          <a:bodyPr>
+            <a:normAutofit/>
+          </a:bodyPr>
+          <a:lstStyle/>
+          <a:p>
+            <a:r>
+              <a:rPr lang="en-US" sz="4000" dirty="0"/>
+              <a:t>Systematical Rules</a:t>
+            </a:r>
+          </a:p>
+        </p:txBody>
+      </p:sp>
+      <p:sp>
+        <p:nvSpPr>
+          <p:cNvPr id="3" name="Content Placeholder 2">
+            <a:extLst>
+              <a:ext uri="{FF2B5EF4-FFF2-40B4-BE49-F238E27FC236}">
+                <a16:creationId xmlns:a16="http://schemas.microsoft.com/office/drawing/2014/main" id="{C9CCA08E-54F9-41C1-935E-8D0726A04DB6}"/>
+              </a:ext>
+            </a:extLst>
+          </p:cNvPr>
+          <p:cNvSpPr>
+            <a:spLocks noGrp="1"/>
+          </p:cNvSpPr>
+          <p:nvPr>
+            <p:ph idx="1"/>
+          </p:nvPr>
+        </p:nvSpPr>
+        <p:spPr>
+          <a:xfrm>
+            <a:off x="648930" y="2438400"/>
+            <a:ext cx="5127029" cy="3785419"/>
+          </a:xfrm>
+        </p:spPr>
+        <p:txBody>
+          <a:bodyPr>
+            <a:normAutofit/>
+          </a:bodyPr>
+          <a:lstStyle/>
+          <a:p>
+            <a:pPr marL="0" indent="0">
+              <a:buNone/>
+            </a:pPr>
+            <a:r>
+              <a:rPr lang="en-US" sz="2400" dirty="0"/>
+              <a:t>Because the Android code does not indicate the image layer directly, the rule like “few more layer” needs more analysis and complicated detection algorithm.</a:t>
+            </a:r>
+          </a:p>
+          <a:p>
+            <a:pPr marL="0" indent="0">
+              <a:buNone/>
+            </a:pPr>
+            <a:endParaRPr lang="en-US" sz="2400" dirty="0"/>
+          </a:p>
+          <a:p>
+            <a:pPr marL="0" indent="0">
+              <a:buNone/>
+            </a:pPr>
+            <a:r>
+              <a:rPr lang="en-US" sz="2400" dirty="0"/>
+              <a:t> </a:t>
+            </a:r>
+          </a:p>
+        </p:txBody>
+      </p:sp>
+      <p:pic>
+        <p:nvPicPr>
+          <p:cNvPr id="4" name="Picture 3">
+            <a:extLst>
+              <a:ext uri="{FF2B5EF4-FFF2-40B4-BE49-F238E27FC236}">
+                <a16:creationId xmlns:a16="http://schemas.microsoft.com/office/drawing/2014/main" id="{F23C6111-F805-4CC6-B113-5AB116ADD65C}"/>
+              </a:ext>
+            </a:extLst>
+          </p:cNvPr>
+          <p:cNvPicPr>
+            <a:picLocks noChangeAspect="1"/>
+          </p:cNvPicPr>
+          <p:nvPr/>
+        </p:nvPicPr>
+        <p:blipFill>
+          <a:blip r:embed="rId2"/>
+          <a:stretch>
+            <a:fillRect/>
+          </a:stretch>
+        </p:blipFill>
+        <p:spPr>
+          <a:xfrm>
+            <a:off x="6416042" y="1467567"/>
+            <a:ext cx="4124325" cy="4143375"/>
+          </a:xfrm>
+          <a:prstGeom prst="rect">
+            <a:avLst/>
+          </a:prstGeom>
+        </p:spPr>
+      </p:pic>
+    </p:spTree>
+    <p:extLst>
+      <p:ext uri="{BB962C8B-B14F-4D97-AF65-F5344CB8AC3E}">
+        <p14:creationId xmlns:p14="http://schemas.microsoft.com/office/powerpoint/2010/main" val="3922344134"/>
       </p:ext>
     </p:extLst>
   </p:cSld>
@@ -3470,7 +4857,7 @@
           <p:cNvPr id="2" name="Title 1">
             <a:extLst>
               <a:ext uri="{FF2B5EF4-FFF2-40B4-BE49-F238E27FC236}">
-                <a16:creationId xmlns:a16="http://schemas.microsoft.com/office/drawing/2014/main" id="{ABBBFCD5-CD19-44F6-B06C-8EC04CBFB09D}"/>
+                <a16:creationId xmlns:a16="http://schemas.microsoft.com/office/drawing/2014/main" id="{593D97D4-F1B3-44F5-BFF9-4FA849D7D5E4}"/>
               </a:ext>
             </a:extLst>
           </p:cNvPr>
@@ -3488,7 +4875,7 @@
           <a:p>
             <a:r>
               <a:rPr lang="en-US" dirty="0"/>
-              <a:t>Categories of Rules in Documentation</a:t>
+              <a:t>Forms of Rules in Google Documentation</a:t>
             </a:r>
           </a:p>
         </p:txBody>
@@ -3498,7 +4885,7 @@
           <p:cNvPr id="3" name="Content Placeholder 2">
             <a:extLst>
               <a:ext uri="{FF2B5EF4-FFF2-40B4-BE49-F238E27FC236}">
-                <a16:creationId xmlns:a16="http://schemas.microsoft.com/office/drawing/2014/main" id="{84A45980-902F-40E2-A4A2-428F4EE1D929}"/>
+                <a16:creationId xmlns:a16="http://schemas.microsoft.com/office/drawing/2014/main" id="{16F18600-F8F0-439F-8FD3-B03E617936EE}"/>
               </a:ext>
             </a:extLst>
           </p:cNvPr>
@@ -3511,77 +4898,168 @@
         </p:nvSpPr>
         <p:spPr>
           <a:xfrm>
-            <a:off x="838200" y="1524000"/>
-            <a:ext cx="10515600" cy="4652963"/>
+            <a:off x="838200" y="1704211"/>
+            <a:ext cx="10515600" cy="4351338"/>
           </a:xfrm>
         </p:spPr>
         <p:txBody>
           <a:bodyPr>
-            <a:normAutofit fontScale="92500" lnSpcReduction="10000"/>
+            <a:normAutofit/>
           </a:bodyPr>
           <a:lstStyle/>
           <a:p>
-            <a:endParaRPr lang="en-US" dirty="0"/>
-          </a:p>
-          <a:p>
-            <a:r>
-              <a:rPr lang="en-US" dirty="0"/>
-              <a:t>Dynamic Behavior </a:t>
-            </a:r>
-          </a:p>
-          <a:p>
-            <a:pPr marL="0" indent="0">
-              <a:buNone/>
-            </a:pPr>
-            <a:endParaRPr lang="en-US" dirty="0"/>
-          </a:p>
-          <a:p>
-            <a:r>
-              <a:rPr lang="en-US" dirty="0"/>
-              <a:t>Suggestion </a:t>
-            </a:r>
-          </a:p>
-          <a:p>
-            <a:endParaRPr lang="en-US" dirty="0"/>
-          </a:p>
-          <a:p>
-            <a:r>
-              <a:rPr lang="en-US" dirty="0"/>
-              <a:t>Rough </a:t>
-            </a:r>
-            <a:r>
-              <a:rPr lang="en-US" altLang="zh-CN" dirty="0"/>
-              <a:t>Rule</a:t>
-            </a:r>
-          </a:p>
-          <a:p>
-            <a:endParaRPr lang="en-US" dirty="0"/>
-          </a:p>
-          <a:p>
-            <a:r>
-              <a:rPr lang="en-US" dirty="0"/>
-              <a:t>Systematical Rule </a:t>
-            </a:r>
-          </a:p>
-          <a:p>
-            <a:endParaRPr lang="en-US" dirty="0"/>
-          </a:p>
-          <a:p>
-            <a:r>
-              <a:rPr lang="en-US" altLang="zh-CN" dirty="0"/>
-              <a:t>Quantitative</a:t>
-            </a:r>
-            <a:r>
-              <a:rPr lang="en-US" dirty="0"/>
-              <a:t> Rule</a:t>
-            </a:r>
-          </a:p>
-        </p:txBody>
-      </p:sp>
+            <a:r>
+              <a:rPr lang="en-US" sz="2400" dirty="0"/>
+              <a:t>Explicit (Colored)</a:t>
+            </a:r>
+          </a:p>
+          <a:p>
+            <a:endParaRPr lang="en-US" sz="2400" dirty="0"/>
+          </a:p>
+          <a:p>
+            <a:endParaRPr lang="en-US" sz="2400" dirty="0"/>
+          </a:p>
+          <a:p>
+            <a:endParaRPr lang="en-US" sz="2400" dirty="0"/>
+          </a:p>
+          <a:p>
+            <a:r>
+              <a:rPr lang="en-US" sz="2400" dirty="0"/>
+              <a:t>Implicit (Uncolored)</a:t>
+            </a:r>
+          </a:p>
+          <a:p>
+            <a:endParaRPr lang="en-US" sz="2400" dirty="0"/>
+          </a:p>
+          <a:p>
+            <a:endParaRPr lang="en-US" sz="2400" dirty="0"/>
+          </a:p>
+        </p:txBody>
+      </p:sp>
+      <p:pic>
+        <p:nvPicPr>
+          <p:cNvPr id="4" name="Picture 3">
+            <a:extLst>
+              <a:ext uri="{FF2B5EF4-FFF2-40B4-BE49-F238E27FC236}">
+                <a16:creationId xmlns:a16="http://schemas.microsoft.com/office/drawing/2014/main" id="{4B8EB000-8126-4C5A-A2CC-3BF4AF6B0D12}"/>
+              </a:ext>
+            </a:extLst>
+          </p:cNvPr>
+          <p:cNvPicPr>
+            <a:picLocks noChangeAspect="1"/>
+          </p:cNvPicPr>
+          <p:nvPr/>
+        </p:nvPicPr>
+        <p:blipFill>
+          <a:blip r:embed="rId2"/>
+          <a:stretch>
+            <a:fillRect/>
+          </a:stretch>
+        </p:blipFill>
+        <p:spPr>
+          <a:xfrm>
+            <a:off x="838200" y="2345243"/>
+            <a:ext cx="5257800" cy="1170623"/>
+          </a:xfrm>
+          <a:prstGeom prst="rect">
+            <a:avLst/>
+          </a:prstGeom>
+        </p:spPr>
+      </p:pic>
+      <p:pic>
+        <p:nvPicPr>
+          <p:cNvPr id="5" name="Picture 4">
+            <a:extLst>
+              <a:ext uri="{FF2B5EF4-FFF2-40B4-BE49-F238E27FC236}">
+                <a16:creationId xmlns:a16="http://schemas.microsoft.com/office/drawing/2014/main" id="{1D8C0B5F-58F0-425B-ABC1-FDD65AC37429}"/>
+              </a:ext>
+            </a:extLst>
+          </p:cNvPr>
+          <p:cNvPicPr>
+            <a:picLocks noChangeAspect="1"/>
+          </p:cNvPicPr>
+          <p:nvPr/>
+        </p:nvPicPr>
+        <p:blipFill>
+          <a:blip r:embed="rId3"/>
+          <a:stretch>
+            <a:fillRect/>
+          </a:stretch>
+        </p:blipFill>
+        <p:spPr>
+          <a:xfrm>
+            <a:off x="6182360" y="2345243"/>
+            <a:ext cx="5450840" cy="866078"/>
+          </a:xfrm>
+          <a:prstGeom prst="rect">
+            <a:avLst/>
+          </a:prstGeom>
+        </p:spPr>
+      </p:pic>
+      <p:pic>
+        <p:nvPicPr>
+          <p:cNvPr id="6" name="Picture 5">
+            <a:extLst>
+              <a:ext uri="{FF2B5EF4-FFF2-40B4-BE49-F238E27FC236}">
+                <a16:creationId xmlns:a16="http://schemas.microsoft.com/office/drawing/2014/main" id="{F79276FA-A503-4F24-85E9-FFD103077544}"/>
+              </a:ext>
+            </a:extLst>
+          </p:cNvPr>
+          <p:cNvPicPr>
+            <a:picLocks noChangeAspect="1"/>
+          </p:cNvPicPr>
+          <p:nvPr/>
+        </p:nvPicPr>
+        <p:blipFill>
+          <a:blip r:embed="rId4"/>
+          <a:stretch>
+            <a:fillRect/>
+          </a:stretch>
+        </p:blipFill>
+        <p:spPr>
+          <a:xfrm>
+            <a:off x="838200" y="4156898"/>
+            <a:ext cx="5754688" cy="2335977"/>
+          </a:xfrm>
+          <a:prstGeom prst="rect">
+            <a:avLst/>
+          </a:prstGeom>
+        </p:spPr>
+      </p:pic>
+      <p:pic>
+        <p:nvPicPr>
+          <p:cNvPr id="7" name="Picture 6">
+            <a:extLst>
+              <a:ext uri="{FF2B5EF4-FFF2-40B4-BE49-F238E27FC236}">
+                <a16:creationId xmlns:a16="http://schemas.microsoft.com/office/drawing/2014/main" id="{CD6208EB-678A-46D6-BC29-17D4147E434B}"/>
+              </a:ext>
+            </a:extLst>
+          </p:cNvPr>
+          <p:cNvPicPr>
+            <a:picLocks noChangeAspect="1"/>
+          </p:cNvPicPr>
+          <p:nvPr/>
+        </p:nvPicPr>
+        <p:blipFill>
+          <a:blip r:embed="rId5"/>
+          <a:stretch>
+            <a:fillRect/>
+          </a:stretch>
+        </p:blipFill>
+        <p:spPr>
+          <a:xfrm>
+            <a:off x="7047865" y="3879880"/>
+            <a:ext cx="4585335" cy="2510031"/>
+          </a:xfrm>
+          <a:prstGeom prst="rect">
+            <a:avLst/>
+          </a:prstGeom>
+        </p:spPr>
+      </p:pic>
     </p:spTree>
     <p:extLst>
       <p:ext uri="{BB962C8B-B14F-4D97-AF65-F5344CB8AC3E}">
-        <p14:creationId xmlns:p14="http://schemas.microsoft.com/office/powerpoint/2010/main" val="1524394433"/>
+        <p14:creationId xmlns:p14="http://schemas.microsoft.com/office/powerpoint/2010/main" val="1403685668"/>
       </p:ext>
     </p:extLst>
   </p:cSld>
@@ -3649,13 +5127,88 @@
             <a:spLocks noGrp="1"/>
           </p:cNvSpPr>
           <p:nvPr>
-            <p:ph idx="1"/>
-          </p:nvPr>
-        </p:nvSpPr>
-        <p:spPr>
-          <a:xfrm>
-            <a:off x="838200" y="1524000"/>
-            <a:ext cx="10515600" cy="4652963"/>
+            <p:ph sz="half" idx="1"/>
+          </p:nvPr>
+        </p:nvSpPr>
+        <p:spPr>
+          <a:xfrm>
+            <a:off x="838201" y="1775777"/>
+            <a:ext cx="5181600" cy="4035426"/>
+          </a:xfrm>
+        </p:spPr>
+        <p:txBody>
+          <a:bodyPr>
+            <a:noAutofit/>
+          </a:bodyPr>
+          <a:lstStyle/>
+          <a:p>
+            <a:endParaRPr lang="en-US" sz="2400" dirty="0"/>
+          </a:p>
+          <a:p>
+            <a:r>
+              <a:rPr lang="en-US" sz="2400" dirty="0"/>
+              <a:t>Dynamic Behavior</a:t>
+            </a:r>
+          </a:p>
+          <a:p>
+            <a:endParaRPr lang="en-US" sz="2400" dirty="0"/>
+          </a:p>
+          <a:p>
+            <a:r>
+              <a:rPr lang="en-US" sz="2400" dirty="0"/>
+              <a:t>Graphic Design</a:t>
+            </a:r>
+          </a:p>
+          <a:p>
+            <a:pPr marL="0" indent="0">
+              <a:buNone/>
+            </a:pPr>
+            <a:endParaRPr lang="en-US" sz="2400" dirty="0"/>
+          </a:p>
+          <a:p>
+            <a:r>
+              <a:rPr lang="en-US" sz="2400" dirty="0"/>
+              <a:t>Description and Suggestion (Most)</a:t>
+            </a:r>
+          </a:p>
+          <a:p>
+            <a:endParaRPr lang="en-US" sz="2400" dirty="0"/>
+          </a:p>
+          <a:p>
+            <a:r>
+              <a:rPr lang="en-US" sz="2400" dirty="0"/>
+              <a:t>Rough </a:t>
+            </a:r>
+            <a:r>
+              <a:rPr lang="en-US" altLang="zh-CN" sz="2400" dirty="0"/>
+              <a:t>Rule</a:t>
+            </a:r>
+          </a:p>
+          <a:p>
+            <a:endParaRPr lang="en-US" sz="2400" dirty="0"/>
+          </a:p>
+        </p:txBody>
+      </p:sp>
+      <p:sp>
+        <p:nvSpPr>
+          <p:cNvPr id="4" name="Content Placeholder 3">
+            <a:extLst>
+              <a:ext uri="{FF2B5EF4-FFF2-40B4-BE49-F238E27FC236}">
+                <a16:creationId xmlns:a16="http://schemas.microsoft.com/office/drawing/2014/main" id="{5E15E421-4A38-45BC-B369-0D21CC251CA5}"/>
+              </a:ext>
+            </a:extLst>
+          </p:cNvPr>
+          <p:cNvSpPr>
+            <a:spLocks noGrp="1"/>
+          </p:cNvSpPr>
+          <p:nvPr>
+            <p:ph sz="half" idx="2"/>
+          </p:nvPr>
+        </p:nvSpPr>
+        <p:spPr>
+          <a:xfrm>
+            <a:off x="6172200" y="2141537"/>
+            <a:ext cx="5181600" cy="4351338"/>
           </a:xfrm>
         </p:spPr>
         <p:txBody>
@@ -3665,81 +5218,32 @@
           <a:lstStyle/>
           <a:p>
             <a:r>
-              <a:rPr lang="en-US" dirty="0"/>
-              <a:t>Infeasible to Encode </a:t>
-            </a:r>
-          </a:p>
-          <a:p>
-            <a:pPr lvl="1"/>
-            <a:r>
-              <a:rPr lang="en-US" dirty="0"/>
-              <a:t>Dynamic Behavior </a:t>
-            </a:r>
-          </a:p>
-          <a:p>
-            <a:pPr lvl="1"/>
-            <a:r>
-              <a:rPr lang="en-US" dirty="0"/>
-              <a:t>Suggestion</a:t>
-            </a:r>
-          </a:p>
-          <a:p>
-            <a:pPr lvl="1"/>
-            <a:r>
-              <a:rPr lang="en-US" dirty="0"/>
-              <a:t>Rough </a:t>
-            </a:r>
-            <a:r>
-              <a:rPr lang="en-US" altLang="zh-CN" dirty="0"/>
-              <a:t>Rule</a:t>
-            </a:r>
-          </a:p>
-          <a:p>
-            <a:pPr lvl="1"/>
-            <a:endParaRPr lang="en-US" altLang="zh-CN" dirty="0"/>
-          </a:p>
-          <a:p>
-            <a:r>
-              <a:rPr lang="en-US" dirty="0"/>
-              <a:t>Hard to Implement </a:t>
-            </a:r>
-          </a:p>
-          <a:p>
-            <a:pPr lvl="1"/>
-            <a:r>
-              <a:rPr lang="en-US" altLang="zh-CN" dirty="0"/>
+              <a:rPr lang="en-US" sz="2400" dirty="0"/>
               <a:t>Systematical Rule </a:t>
             </a:r>
           </a:p>
           <a:p>
-            <a:pPr marL="457200" lvl="1" indent="0">
-              <a:buNone/>
-            </a:pPr>
-            <a:endParaRPr lang="en-US" dirty="0"/>
-          </a:p>
-          <a:p>
-            <a:r>
-              <a:rPr lang="en-US" dirty="0"/>
-              <a:t>Implementable </a:t>
-            </a:r>
-          </a:p>
-          <a:p>
-            <a:pPr lvl="1"/>
-            <a:r>
-              <a:rPr lang="en-US" altLang="zh-CN" dirty="0"/>
+            <a:endParaRPr lang="en-US" sz="2400" dirty="0"/>
+          </a:p>
+          <a:p>
+            <a:r>
+              <a:rPr lang="en-US" altLang="zh-CN" sz="2400" dirty="0"/>
               <a:t>Quantitative</a:t>
             </a:r>
             <a:r>
-              <a:rPr lang="en-US" dirty="0"/>
-              <a:t> Rule </a:t>
-            </a:r>
+              <a:rPr lang="en-US" sz="2400" dirty="0"/>
+              <a:t> Rule</a:t>
+            </a:r>
+          </a:p>
+          <a:p>
+            <a:endParaRPr lang="en-US" sz="2400" dirty="0"/>
           </a:p>
         </p:txBody>
       </p:sp>
     </p:spTree>
     <p:extLst>
       <p:ext uri="{BB962C8B-B14F-4D97-AF65-F5344CB8AC3E}">
-        <p14:creationId xmlns:p14="http://schemas.microsoft.com/office/powerpoint/2010/main" val="3083815018"/>
+        <p14:creationId xmlns:p14="http://schemas.microsoft.com/office/powerpoint/2010/main" val="1524394433"/>
       </p:ext>
     </p:extLst>
   </p:cSld>
@@ -3771,7 +5275,7 @@
           <p:cNvPr id="2" name="Title 1">
             <a:extLst>
               <a:ext uri="{FF2B5EF4-FFF2-40B4-BE49-F238E27FC236}">
-                <a16:creationId xmlns:a16="http://schemas.microsoft.com/office/drawing/2014/main" id="{7523B3E2-AB78-4B1F-AF8A-51FC9AC729AF}"/>
+                <a16:creationId xmlns:a16="http://schemas.microsoft.com/office/drawing/2014/main" id="{ABBBFCD5-CD19-44F6-B06C-8EC04CBFB09D}"/>
               </a:ext>
             </a:extLst>
           </p:cNvPr>
@@ -3789,83 +5293,114 @@
           <a:p>
             <a:r>
               <a:rPr lang="en-US" dirty="0"/>
+              <a:t>Categories of Rules in Documentation</a:t>
+            </a:r>
+          </a:p>
+        </p:txBody>
+      </p:sp>
+      <p:sp>
+        <p:nvSpPr>
+          <p:cNvPr id="3" name="Content Placeholder 2">
+            <a:extLst>
+              <a:ext uri="{FF2B5EF4-FFF2-40B4-BE49-F238E27FC236}">
+                <a16:creationId xmlns:a16="http://schemas.microsoft.com/office/drawing/2014/main" id="{84A45980-902F-40E2-A4A2-428F4EE1D929}"/>
+              </a:ext>
+            </a:extLst>
+          </p:cNvPr>
+          <p:cNvSpPr>
+            <a:spLocks noGrp="1"/>
+          </p:cNvSpPr>
+          <p:nvPr>
+            <p:ph idx="1"/>
+          </p:nvPr>
+        </p:nvSpPr>
+        <p:spPr>
+          <a:xfrm>
+            <a:off x="838200" y="1879600"/>
+            <a:ext cx="10515600" cy="4297363"/>
+          </a:xfrm>
+        </p:spPr>
+        <p:txBody>
+          <a:bodyPr>
+            <a:normAutofit fontScale="92500" lnSpcReduction="10000"/>
+          </a:bodyPr>
+          <a:lstStyle/>
+          <a:p>
+            <a:r>
+              <a:rPr lang="en-US" sz="2800" dirty="0"/>
               <a:t>Infeasible to Encode </a:t>
             </a:r>
           </a:p>
-        </p:txBody>
-      </p:sp>
-      <p:sp>
-        <p:nvSpPr>
-          <p:cNvPr id="3" name="Content Placeholder 2">
-            <a:extLst>
-              <a:ext uri="{FF2B5EF4-FFF2-40B4-BE49-F238E27FC236}">
-                <a16:creationId xmlns:a16="http://schemas.microsoft.com/office/drawing/2014/main" id="{D3E171E3-C67F-48BB-80CD-0F1A803CF7C1}"/>
-              </a:ext>
-            </a:extLst>
-          </p:cNvPr>
-          <p:cNvSpPr>
-            <a:spLocks noGrp="1"/>
-          </p:cNvSpPr>
-          <p:nvPr>
-            <p:ph idx="1"/>
-          </p:nvPr>
-        </p:nvSpPr>
-        <p:spPr/>
-        <p:txBody>
-          <a:bodyPr/>
-          <a:lstStyle/>
-          <a:p>
-            <a:pPr marL="0" indent="0">
+          <a:p>
+            <a:pPr lvl="1"/>
+            <a:r>
+              <a:rPr lang="en-US" dirty="0"/>
+              <a:t>Dynamic Behavior </a:t>
+            </a:r>
+          </a:p>
+          <a:p>
+            <a:pPr lvl="1"/>
+            <a:r>
+              <a:rPr lang="en-US" dirty="0"/>
+              <a:t>Graphic Design</a:t>
+            </a:r>
+          </a:p>
+          <a:p>
+            <a:pPr lvl="1"/>
+            <a:r>
+              <a:rPr lang="en-US" dirty="0"/>
+              <a:t>Description and Suggestion</a:t>
+            </a:r>
+          </a:p>
+          <a:p>
+            <a:pPr lvl="1"/>
+            <a:r>
+              <a:rPr lang="en-US" dirty="0"/>
+              <a:t>Rough </a:t>
+            </a:r>
+            <a:r>
+              <a:rPr lang="en-US" altLang="zh-CN" dirty="0"/>
+              <a:t>Rule</a:t>
+            </a:r>
+          </a:p>
+          <a:p>
+            <a:pPr lvl="1"/>
+            <a:endParaRPr lang="en-US" altLang="zh-CN" sz="2400" dirty="0"/>
+          </a:p>
+          <a:p>
+            <a:r>
+              <a:rPr lang="en-US" sz="2800" dirty="0"/>
+              <a:t>Hard to Implement </a:t>
+            </a:r>
+          </a:p>
+          <a:p>
+            <a:pPr lvl="1"/>
+            <a:r>
+              <a:rPr lang="en-US" altLang="zh-CN" dirty="0"/>
+              <a:t>Systematical Rule </a:t>
+            </a:r>
+          </a:p>
+          <a:p>
+            <a:pPr marL="457200" lvl="1" indent="0">
               <a:buNone/>
             </a:pPr>
+            <a:endParaRPr lang="en-US" sz="2400" dirty="0"/>
+          </a:p>
+          <a:p>
+            <a:r>
+              <a:rPr lang="en-US" sz="2800" dirty="0"/>
+              <a:t>Implementable </a:t>
+            </a:r>
+          </a:p>
+          <a:p>
+            <a:pPr lvl="1"/>
+            <a:r>
+              <a:rPr lang="en-US" altLang="zh-CN" dirty="0"/>
+              <a:t>Quantitative</a:t>
+            </a:r>
             <a:r>
               <a:rPr lang="en-US" dirty="0"/>
-              <a:t>The rules in this category is either impossible to detect by the methods used in this stage</a:t>
-            </a:r>
-          </a:p>
-          <a:p>
-            <a:pPr marL="0" indent="0">
-              <a:buNone/>
-            </a:pPr>
-            <a:r>
-              <a:rPr lang="en-US" dirty="0"/>
-              <a:t>	- Dynamic Rule</a:t>
-            </a:r>
-          </a:p>
-          <a:p>
-            <a:pPr marL="0" indent="0">
-              <a:buNone/>
-            </a:pPr>
-            <a:r>
-              <a:rPr lang="en-US" dirty="0"/>
-              <a:t>or just some illustrative description</a:t>
-            </a:r>
-          </a:p>
-          <a:p>
-            <a:pPr marL="0" indent="0">
-              <a:buNone/>
-            </a:pPr>
-            <a:r>
-              <a:rPr lang="en-US" dirty="0"/>
-              <a:t>	- Suggestion</a:t>
-            </a:r>
-          </a:p>
-          <a:p>
-            <a:pPr marL="0" indent="0">
-              <a:buNone/>
-            </a:pPr>
-            <a:r>
-              <a:rPr lang="en-US" dirty="0"/>
-              <a:t>or too fuzzy to encode</a:t>
-            </a:r>
-          </a:p>
-          <a:p>
-            <a:pPr marL="0" indent="0">
-              <a:buNone/>
-            </a:pPr>
-            <a:r>
-              <a:rPr lang="en-US" dirty="0"/>
-              <a:t>	- Rough Rule </a:t>
+              <a:t> Rule </a:t>
             </a:r>
           </a:p>
         </p:txBody>
@@ -3873,7 +5408,7 @@
     </p:spTree>
     <p:extLst>
       <p:ext uri="{BB962C8B-B14F-4D97-AF65-F5344CB8AC3E}">
-        <p14:creationId xmlns:p14="http://schemas.microsoft.com/office/powerpoint/2010/main" val="2744571413"/>
+        <p14:creationId xmlns:p14="http://schemas.microsoft.com/office/powerpoint/2010/main" val="3083815018"/>
       </p:ext>
     </p:extLst>
   </p:cSld>
@@ -3905,7 +5440,7 @@
           <p:cNvPr id="2" name="Title 1">
             <a:extLst>
               <a:ext uri="{FF2B5EF4-FFF2-40B4-BE49-F238E27FC236}">
-                <a16:creationId xmlns:a16="http://schemas.microsoft.com/office/drawing/2014/main" id="{5B3CD27E-CC4B-49AC-B67C-7866217A812B}"/>
+                <a16:creationId xmlns:a16="http://schemas.microsoft.com/office/drawing/2014/main" id="{7523B3E2-AB78-4B1F-AF8A-51FC9AC729AF}"/>
               </a:ext>
             </a:extLst>
           </p:cNvPr>
@@ -3921,9 +5456,10 @@
           <a:bodyPr/>
           <a:lstStyle/>
           <a:p>
-            <a:r>
-              <a:rPr lang="en-US" dirty="0"/>
-              <a:t>Dynamic Behavior Rules</a:t>
+            <a:pPr algn="ctr"/>
+            <a:r>
+              <a:rPr lang="en-US" b="1" dirty="0"/>
+              <a:t>Infeasible to Encode </a:t>
             </a:r>
           </a:p>
         </p:txBody>
@@ -3933,7 +5469,7 @@
           <p:cNvPr id="3" name="Content Placeholder 2">
             <a:extLst>
               <a:ext uri="{FF2B5EF4-FFF2-40B4-BE49-F238E27FC236}">
-                <a16:creationId xmlns:a16="http://schemas.microsoft.com/office/drawing/2014/main" id="{CEB5147D-8DEC-4DFA-8D58-67C585A18AF4}"/>
+                <a16:creationId xmlns:a16="http://schemas.microsoft.com/office/drawing/2014/main" id="{D3E171E3-C67F-48BB-80CD-0F1A803CF7C1}"/>
               </a:ext>
             </a:extLst>
           </p:cNvPr>
@@ -3946,35 +5482,76 @@
         </p:nvSpPr>
         <p:spPr>
           <a:xfrm>
-            <a:off x="838200" y="1507067"/>
-            <a:ext cx="10515600" cy="4669896"/>
-          </a:xfrm>
-        </p:spPr>
-        <p:txBody>
-          <a:bodyPr/>
+            <a:off x="1202918" y="1920240"/>
+            <a:ext cx="10150881" cy="4297680"/>
+          </a:xfrm>
+        </p:spPr>
+        <p:txBody>
+          <a:bodyPr>
+            <a:normAutofit/>
+          </a:bodyPr>
           <a:lstStyle/>
           <a:p>
             <a:pPr marL="0" indent="0">
               <a:buNone/>
             </a:pPr>
             <a:r>
-              <a:rPr lang="en-US" dirty="0"/>
-              <a:t>Those rules are instructive and helpful for design, but hard or even impossible to be programmed into code at current stage.</a:t>
+              <a:rPr lang="en-US" sz="2400" dirty="0"/>
+              <a:t>Rules in this category is either impossible to detect by the methods used in this stage</a:t>
             </a:r>
           </a:p>
           <a:p>
             <a:pPr marL="0" indent="0">
               <a:buNone/>
             </a:pPr>
-            <a:endParaRPr lang="en-US" dirty="0"/>
+            <a:r>
+              <a:rPr lang="en-US" sz="2400" dirty="0"/>
+              <a:t>	- Dynamic Rule</a:t>
+            </a:r>
           </a:p>
           <a:p>
             <a:pPr marL="0" indent="0">
               <a:buNone/>
             </a:pPr>
             <a:r>
-              <a:rPr lang="en-US" dirty="0"/>
-              <a:t>“</a:t>
+              <a:rPr lang="en-US" sz="2400" dirty="0"/>
+              <a:t>	- Graphic Design</a:t>
+            </a:r>
+          </a:p>
+          <a:p>
+            <a:pPr marL="0" indent="0">
+              <a:buNone/>
+            </a:pPr>
+            <a:r>
+              <a:rPr lang="en-US" sz="2400" dirty="0"/>
+              <a:t>or just some illustrative description</a:t>
+            </a:r>
+          </a:p>
+          <a:p>
+            <a:pPr marL="0" indent="0">
+              <a:buNone/>
+            </a:pPr>
+            <a:r>
+              <a:rPr lang="en-US" sz="2400" dirty="0"/>
+              <a:t>	- Description and Suggestion</a:t>
+            </a:r>
+          </a:p>
+          <a:p>
+            <a:pPr marL="0" indent="0">
+              <a:buNone/>
+            </a:pPr>
+            <a:r>
+              <a:rPr lang="en-US" sz="2400" dirty="0"/>
+              <a:t>or too fuzzy to encode</a:t>
+            </a:r>
+          </a:p>
+          <a:p>
+            <a:pPr marL="0" indent="0">
+              <a:buNone/>
+            </a:pPr>
+            <a:r>
+              <a:rPr lang="en-US" sz="2400" dirty="0"/>
+              <a:t>	- Rough Rule </a:t>
             </a:r>
           </a:p>
         </p:txBody>
@@ -3982,7 +5559,7 @@
     </p:spTree>
     <p:extLst>
       <p:ext uri="{BB962C8B-B14F-4D97-AF65-F5344CB8AC3E}">
-        <p14:creationId xmlns:p14="http://schemas.microsoft.com/office/powerpoint/2010/main" val="3383915200"/>
+        <p14:creationId xmlns:p14="http://schemas.microsoft.com/office/powerpoint/2010/main" val="2744571413"/>
       </p:ext>
     </p:extLst>
   </p:cSld>
@@ -4014,7 +5591,7 @@
           <p:cNvPr id="2" name="Title 1">
             <a:extLst>
               <a:ext uri="{FF2B5EF4-FFF2-40B4-BE49-F238E27FC236}">
-                <a16:creationId xmlns:a16="http://schemas.microsoft.com/office/drawing/2014/main" id="{A48531B3-B9EF-4E47-B0BD-F18828BEC3BB}"/>
+                <a16:creationId xmlns:a16="http://schemas.microsoft.com/office/drawing/2014/main" id="{5B3CD27E-CC4B-49AC-B67C-7866217A812B}"/>
               </a:ext>
             </a:extLst>
           </p:cNvPr>
@@ -4025,24 +5602,31 @@
             <p:ph type="title"/>
           </p:nvPr>
         </p:nvSpPr>
-        <p:spPr/>
-        <p:txBody>
-          <a:bodyPr/>
-          <a:lstStyle/>
-          <a:p>
-            <a:r>
-              <a:rPr lang="en-US" dirty="0"/>
-              <a:t>Suggestion Rules</a:t>
-            </a:r>
-          </a:p>
-        </p:txBody>
-      </p:sp>
-      <p:sp>
-        <p:nvSpPr>
-          <p:cNvPr id="6" name="Content Placeholder 5">
-            <a:extLst>
-              <a:ext uri="{FF2B5EF4-FFF2-40B4-BE49-F238E27FC236}">
-                <a16:creationId xmlns:a16="http://schemas.microsoft.com/office/drawing/2014/main" id="{8270C120-7CAB-4EA4-9B1D-4CCF865FEBF8}"/>
+        <p:spPr>
+          <a:xfrm>
+            <a:off x="523240" y="476885"/>
+            <a:ext cx="5105400" cy="1087755"/>
+          </a:xfrm>
+        </p:spPr>
+        <p:txBody>
+          <a:bodyPr>
+            <a:normAutofit/>
+          </a:bodyPr>
+          <a:lstStyle/>
+          <a:p>
+            <a:r>
+              <a:rPr lang="en-US" sz="4000" dirty="0"/>
+              <a:t>Dynamic Behavior Rules</a:t>
+            </a:r>
+          </a:p>
+        </p:txBody>
+      </p:sp>
+      <p:sp>
+        <p:nvSpPr>
+          <p:cNvPr id="3" name="Content Placeholder 2">
+            <a:extLst>
+              <a:ext uri="{FF2B5EF4-FFF2-40B4-BE49-F238E27FC236}">
+                <a16:creationId xmlns:a16="http://schemas.microsoft.com/office/drawing/2014/main" id="{CEB5147D-8DEC-4DFA-8D58-67C585A18AF4}"/>
               </a:ext>
             </a:extLst>
           </p:cNvPr>
@@ -4055,45 +5639,254 @@
         </p:nvSpPr>
         <p:spPr>
           <a:xfrm>
-            <a:off x="838200" y="1551781"/>
-            <a:ext cx="10515600" cy="4625182"/>
-          </a:xfrm>
-        </p:spPr>
-        <p:txBody>
-          <a:bodyPr/>
+            <a:off x="838200" y="1792937"/>
+            <a:ext cx="3622040" cy="4384026"/>
+          </a:xfrm>
+        </p:spPr>
+        <p:txBody>
+          <a:bodyPr>
+            <a:normAutofit/>
+          </a:bodyPr>
           <a:lstStyle/>
           <a:p>
             <a:pPr marL="0" indent="0">
               <a:buNone/>
             </a:pPr>
             <a:r>
-              <a:rPr lang="en-US" dirty="0"/>
-              <a:t>Those rules are illustrative guide but no more operative details.</a:t>
+              <a:rPr lang="en-US" sz="2400" dirty="0"/>
+              <a:t>Those rules are instructive and helpful for design, but hard or even impossible to be programmed into code at current stage.</a:t>
             </a:r>
           </a:p>
           <a:p>
             <a:pPr marL="0" indent="0">
               <a:buNone/>
             </a:pPr>
-            <a:endParaRPr lang="en-US" dirty="0"/>
+            <a:endParaRPr lang="en-US" sz="2400" dirty="0"/>
           </a:p>
           <a:p>
             <a:pPr marL="0" indent="0">
               <a:buNone/>
             </a:pPr>
             <a:r>
-              <a:rPr lang="en-US" i="1" dirty="0"/>
-              <a:t>“Your design ‘could’ …”</a:t>
-            </a:r>
+              <a:rPr lang="en-US" sz="2400" dirty="0"/>
+              <a:t>“</a:t>
+            </a:r>
+            <a:r>
+              <a:rPr lang="en-US" sz="2400" i="1" dirty="0"/>
+              <a:t>Shape behavior should not like liquid or gel either”</a:t>
+            </a:r>
+          </a:p>
+          <a:p>
+            <a:pPr marL="0" indent="0">
+              <a:buNone/>
+            </a:pPr>
+            <a:endParaRPr lang="en-US" sz="2400" i="1" dirty="0"/>
           </a:p>
         </p:txBody>
       </p:sp>
       <p:pic>
         <p:nvPicPr>
-          <p:cNvPr id="7" name="Picture 6">
-            <a:extLst>
-              <a:ext uri="{FF2B5EF4-FFF2-40B4-BE49-F238E27FC236}">
-                <a16:creationId xmlns:a16="http://schemas.microsoft.com/office/drawing/2014/main" id="{F9769AFE-F91E-4A4A-88D1-5A51C3DF53D3}"/>
+          <p:cNvPr id="4" name="Picture 3">
+            <a:extLst>
+              <a:ext uri="{FF2B5EF4-FFF2-40B4-BE49-F238E27FC236}">
+                <a16:creationId xmlns:a16="http://schemas.microsoft.com/office/drawing/2014/main" id="{6D1D47DA-E227-4CD4-B198-3C0E953ADCC3}"/>
+              </a:ext>
+            </a:extLst>
+          </p:cNvPr>
+          <p:cNvPicPr/>
+          <p:nvPr/>
+        </p:nvPicPr>
+        <p:blipFill>
+          <a:blip r:embed="rId2"/>
+          <a:stretch>
+            <a:fillRect/>
+          </a:stretch>
+        </p:blipFill>
+        <p:spPr>
+          <a:xfrm>
+            <a:off x="4460240" y="3517682"/>
+            <a:ext cx="2495550" cy="3072765"/>
+          </a:xfrm>
+          <a:prstGeom prst="rect">
+            <a:avLst/>
+          </a:prstGeom>
+        </p:spPr>
+      </p:pic>
+      <p:pic>
+        <p:nvPicPr>
+          <p:cNvPr id="5" name="Picture 4">
+            <a:extLst>
+              <a:ext uri="{FF2B5EF4-FFF2-40B4-BE49-F238E27FC236}">
+                <a16:creationId xmlns:a16="http://schemas.microsoft.com/office/drawing/2014/main" id="{6AB17497-E64B-40FF-B1FE-56EB8785B806}"/>
+              </a:ext>
+            </a:extLst>
+          </p:cNvPr>
+          <p:cNvPicPr/>
+          <p:nvPr/>
+        </p:nvPicPr>
+        <p:blipFill>
+          <a:blip r:embed="rId3"/>
+          <a:stretch>
+            <a:fillRect/>
+          </a:stretch>
+        </p:blipFill>
+        <p:spPr>
+          <a:xfrm>
+            <a:off x="7147877" y="365125"/>
+            <a:ext cx="4861243" cy="3063875"/>
+          </a:xfrm>
+          <a:prstGeom prst="rect">
+            <a:avLst/>
+          </a:prstGeom>
+        </p:spPr>
+      </p:pic>
+      <p:pic>
+        <p:nvPicPr>
+          <p:cNvPr id="6" name="Picture 5">
+            <a:extLst>
+              <a:ext uri="{FF2B5EF4-FFF2-40B4-BE49-F238E27FC236}">
+                <a16:creationId xmlns:a16="http://schemas.microsoft.com/office/drawing/2014/main" id="{046D5983-6FEF-4BF5-B46E-3FCA7153C7E1}"/>
+              </a:ext>
+            </a:extLst>
+          </p:cNvPr>
+          <p:cNvPicPr>
+            <a:picLocks noChangeAspect="1"/>
+          </p:cNvPicPr>
+          <p:nvPr/>
+        </p:nvPicPr>
+        <p:blipFill>
+          <a:blip r:embed="rId4"/>
+          <a:stretch>
+            <a:fillRect/>
+          </a:stretch>
+        </p:blipFill>
+        <p:spPr>
+          <a:xfrm>
+            <a:off x="7147877" y="3720247"/>
+            <a:ext cx="4785495" cy="2870200"/>
+          </a:xfrm>
+          <a:prstGeom prst="rect">
+            <a:avLst/>
+          </a:prstGeom>
+        </p:spPr>
+      </p:pic>
+    </p:spTree>
+    <p:extLst>
+      <p:ext uri="{BB962C8B-B14F-4D97-AF65-F5344CB8AC3E}">
+        <p14:creationId xmlns:p14="http://schemas.microsoft.com/office/powerpoint/2010/main" val="3383915200"/>
+      </p:ext>
+    </p:extLst>
+  </p:cSld>
+  <p:clrMapOvr>
+    <a:masterClrMapping/>
+  </p:clrMapOvr>
+</p:sld>
+</file>
+
+<file path=ppt/slides/slide7.xml><?xml version="1.0" encoding="utf-8"?>
+<p:sld xmlns:a="http://schemas.openxmlformats.org/drawingml/2006/main" xmlns:r="http://schemas.openxmlformats.org/officeDocument/2006/relationships" xmlns:p="http://schemas.openxmlformats.org/presentationml/2006/main">
+  <p:cSld>
+    <p:bg>
+      <p:bgPr>
+        <a:solidFill>
+          <a:schemeClr val="bg1"/>
+        </a:solidFill>
+        <a:effectLst/>
+      </p:bgPr>
+    </p:bg>
+    <p:spTree>
+      <p:nvGrpSpPr>
+        <p:cNvPr id="1" name=""/>
+        <p:cNvGrpSpPr/>
+        <p:nvPr/>
+      </p:nvGrpSpPr>
+      <p:grpSpPr>
+        <a:xfrm>
+          <a:off x="0" y="0"/>
+          <a:ext cx="0" cy="0"/>
+          <a:chOff x="0" y="0"/>
+          <a:chExt cx="0" cy="0"/>
+        </a:xfrm>
+      </p:grpSpPr>
+      <p:sp>
+        <p:nvSpPr>
+          <p:cNvPr id="2" name="Title 1">
+            <a:extLst>
+              <a:ext uri="{FF2B5EF4-FFF2-40B4-BE49-F238E27FC236}">
+                <a16:creationId xmlns:a16="http://schemas.microsoft.com/office/drawing/2014/main" id="{5B3CD27E-CC4B-49AC-B67C-7866217A812B}"/>
+              </a:ext>
+            </a:extLst>
+          </p:cNvPr>
+          <p:cNvSpPr>
+            <a:spLocks noGrp="1"/>
+          </p:cNvSpPr>
+          <p:nvPr>
+            <p:ph type="title"/>
+          </p:nvPr>
+        </p:nvSpPr>
+        <p:spPr>
+          <a:xfrm>
+            <a:off x="496530" y="187857"/>
+            <a:ext cx="5127031" cy="1676603"/>
+          </a:xfrm>
+        </p:spPr>
+        <p:txBody>
+          <a:bodyPr>
+            <a:normAutofit/>
+          </a:bodyPr>
+          <a:lstStyle/>
+          <a:p>
+            <a:r>
+              <a:rPr lang="en-US" sz="4000" dirty="0"/>
+              <a:t>Dynamic Behavior Rules</a:t>
+            </a:r>
+          </a:p>
+        </p:txBody>
+      </p:sp>
+      <p:sp>
+        <p:nvSpPr>
+          <p:cNvPr id="3" name="Content Placeholder 2">
+            <a:extLst>
+              <a:ext uri="{FF2B5EF4-FFF2-40B4-BE49-F238E27FC236}">
+                <a16:creationId xmlns:a16="http://schemas.microsoft.com/office/drawing/2014/main" id="{CEB5147D-8DEC-4DFA-8D58-67C585A18AF4}"/>
+              </a:ext>
+            </a:extLst>
+          </p:cNvPr>
+          <p:cNvSpPr>
+            <a:spLocks noGrp="1"/>
+          </p:cNvSpPr>
+          <p:nvPr>
+            <p:ph idx="1"/>
+          </p:nvPr>
+        </p:nvSpPr>
+        <p:spPr>
+          <a:xfrm>
+            <a:off x="648930" y="2438400"/>
+            <a:ext cx="5127029" cy="3785419"/>
+          </a:xfrm>
+        </p:spPr>
+        <p:txBody>
+          <a:bodyPr>
+            <a:normAutofit/>
+          </a:bodyPr>
+          <a:lstStyle/>
+          <a:p>
+            <a:pPr marL="0" indent="0">
+              <a:buNone/>
+            </a:pPr>
+            <a:r>
+              <a:rPr lang="en-US" sz="2400" dirty="0"/>
+              <a:t>The dynamic rules are not only about movement, also concern the “time”</a:t>
+            </a:r>
+          </a:p>
+        </p:txBody>
+      </p:sp>
+      <p:pic>
+        <p:nvPicPr>
+          <p:cNvPr id="5" name="Picture 4">
+            <a:extLst>
+              <a:ext uri="{FF2B5EF4-FFF2-40B4-BE49-F238E27FC236}">
+                <a16:creationId xmlns:a16="http://schemas.microsoft.com/office/drawing/2014/main" id="{4AA35079-C018-443C-A2E3-0C30E3F5F0F4}"/>
               </a:ext>
             </a:extLst>
           </p:cNvPr>
@@ -4110,8 +5903,8 @@
         </p:blipFill>
         <p:spPr>
           <a:xfrm>
-            <a:off x="2881312" y="3170502"/>
-            <a:ext cx="6429375" cy="2609850"/>
+            <a:off x="5775959" y="1107439"/>
+            <a:ext cx="5838231" cy="4911528"/>
           </a:xfrm>
           <a:prstGeom prst="rect">
             <a:avLst/>
@@ -4121,7 +5914,7 @@
     </p:spTree>
     <p:extLst>
       <p:ext uri="{BB962C8B-B14F-4D97-AF65-F5344CB8AC3E}">
-        <p14:creationId xmlns:p14="http://schemas.microsoft.com/office/powerpoint/2010/main" val="1423341005"/>
+        <p14:creationId xmlns:p14="http://schemas.microsoft.com/office/powerpoint/2010/main" val="1189588314"/>
       </p:ext>
     </p:extLst>
   </p:cSld>
@@ -4131,7 +5924,7 @@
 </p:sld>
 </file>
 
-<file path=ppt/slides/slide7.xml><?xml version="1.0" encoding="utf-8"?>
+<file path=ppt/slides/slide8.xml><?xml version="1.0" encoding="utf-8"?>
 <p:sld xmlns:a="http://schemas.openxmlformats.org/drawingml/2006/main" xmlns:r="http://schemas.openxmlformats.org/officeDocument/2006/relationships" xmlns:p="http://schemas.openxmlformats.org/presentationml/2006/main">
   <p:cSld>
     <p:spTree>
@@ -4153,7 +5946,7 @@
           <p:cNvPr id="2" name="Title 1">
             <a:extLst>
               <a:ext uri="{FF2B5EF4-FFF2-40B4-BE49-F238E27FC236}">
-                <a16:creationId xmlns:a16="http://schemas.microsoft.com/office/drawing/2014/main" id="{CDB8842C-AB54-4B10-B60B-B1F8E78ABC51}"/>
+                <a16:creationId xmlns:a16="http://schemas.microsoft.com/office/drawing/2014/main" id="{B1458B00-1E2A-412B-9A24-6B5D37DBACD2}"/>
               </a:ext>
             </a:extLst>
           </p:cNvPr>
@@ -4164,14 +5957,21 @@
             <p:ph type="title"/>
           </p:nvPr>
         </p:nvSpPr>
-        <p:spPr/>
-        <p:txBody>
-          <a:bodyPr/>
-          <a:lstStyle/>
-          <a:p>
-            <a:r>
-              <a:rPr lang="en-US" dirty="0"/>
-              <a:t>Rough Rule</a:t>
+        <p:spPr>
+          <a:xfrm>
+            <a:off x="838200" y="365125"/>
+            <a:ext cx="10515600" cy="1325563"/>
+          </a:xfrm>
+        </p:spPr>
+        <p:txBody>
+          <a:bodyPr>
+            <a:normAutofit/>
+          </a:bodyPr>
+          <a:lstStyle/>
+          <a:p>
+            <a:r>
+              <a:rPr lang="en-US" sz="4000" dirty="0"/>
+              <a:t>Graphic Design Rules</a:t>
             </a:r>
           </a:p>
         </p:txBody>
@@ -4181,7 +5981,7 @@
           <p:cNvPr id="3" name="Content Placeholder 2">
             <a:extLst>
               <a:ext uri="{FF2B5EF4-FFF2-40B4-BE49-F238E27FC236}">
-                <a16:creationId xmlns:a16="http://schemas.microsoft.com/office/drawing/2014/main" id="{925D3D52-AB97-4A3C-98C6-3BBC6ED594EF}"/>
+                <a16:creationId xmlns:a16="http://schemas.microsoft.com/office/drawing/2014/main" id="{9D02F5F7-63FD-4180-B0D1-F9F39516DCE5}"/>
               </a:ext>
             </a:extLst>
           </p:cNvPr>
@@ -4194,43 +5994,299 @@
         </p:nvSpPr>
         <p:spPr>
           <a:xfrm>
-            <a:off x="838200" y="1507067"/>
-            <a:ext cx="10515600" cy="4669896"/>
-          </a:xfrm>
-        </p:spPr>
-        <p:txBody>
-          <a:bodyPr/>
+            <a:off x="838200" y="1690688"/>
+            <a:ext cx="4638040" cy="1917743"/>
+          </a:xfrm>
+        </p:spPr>
+        <p:txBody>
+          <a:bodyPr>
+            <a:normAutofit/>
+          </a:bodyPr>
           <a:lstStyle/>
           <a:p>
             <a:pPr marL="0" indent="0">
               <a:buNone/>
             </a:pPr>
             <a:r>
-              <a:rPr lang="en-US" dirty="0"/>
-              <a:t>Those rules indicate what should or should not do, the standard, however, is ambiguous and empirical.</a:t>
+              <a:rPr lang="en-US" sz="2400" dirty="0"/>
+              <a:t>Some rules is purely about the image and graphic design, which is not detectable without extra image process analysis.</a:t>
             </a:r>
           </a:p>
           <a:p>
             <a:pPr marL="0" indent="0">
               <a:buNone/>
             </a:pPr>
-            <a:endParaRPr lang="en-US" u="sng" dirty="0"/>
-          </a:p>
-          <a:p>
-            <a:pPr marL="0" indent="0">
-              <a:buNone/>
-            </a:pPr>
-            <a:r>
-              <a:rPr lang="en-US" i="1" dirty="0"/>
-              <a:t>“The button should not be ‘too large’, the text in title should be ‘light enough’ …”</a:t>
-            </a:r>
-          </a:p>
-        </p:txBody>
-      </p:sp>
+            <a:endParaRPr lang="en-US" sz="2400" dirty="0"/>
+          </a:p>
+        </p:txBody>
+      </p:sp>
+      <p:pic>
+        <p:nvPicPr>
+          <p:cNvPr id="4" name="Picture 3">
+            <a:extLst>
+              <a:ext uri="{FF2B5EF4-FFF2-40B4-BE49-F238E27FC236}">
+                <a16:creationId xmlns:a16="http://schemas.microsoft.com/office/drawing/2014/main" id="{6C3C1A00-1CC3-4705-A9BE-45FCF79FC335}"/>
+              </a:ext>
+            </a:extLst>
+          </p:cNvPr>
+          <p:cNvPicPr>
+            <a:picLocks noChangeAspect="1"/>
+          </p:cNvPicPr>
+          <p:nvPr/>
+        </p:nvPicPr>
+        <p:blipFill>
+          <a:blip r:embed="rId2"/>
+          <a:stretch>
+            <a:fillRect/>
+          </a:stretch>
+        </p:blipFill>
+        <p:spPr>
+          <a:xfrm>
+            <a:off x="3321501" y="3749040"/>
+            <a:ext cx="2368680" cy="2902846"/>
+          </a:xfrm>
+          <a:prstGeom prst="rect">
+            <a:avLst/>
+          </a:prstGeom>
+        </p:spPr>
+      </p:pic>
+      <p:pic>
+        <p:nvPicPr>
+          <p:cNvPr id="6" name="Picture 5">
+            <a:extLst>
+              <a:ext uri="{FF2B5EF4-FFF2-40B4-BE49-F238E27FC236}">
+                <a16:creationId xmlns:a16="http://schemas.microsoft.com/office/drawing/2014/main" id="{F63D296E-2740-4EBE-BF4E-990D5EB22025}"/>
+              </a:ext>
+            </a:extLst>
+          </p:cNvPr>
+          <p:cNvPicPr>
+            <a:picLocks noChangeAspect="1"/>
+          </p:cNvPicPr>
+          <p:nvPr/>
+        </p:nvPicPr>
+        <p:blipFill>
+          <a:blip r:embed="rId3"/>
+          <a:stretch>
+            <a:fillRect/>
+          </a:stretch>
+        </p:blipFill>
+        <p:spPr>
+          <a:xfrm>
+            <a:off x="5981710" y="620989"/>
+            <a:ext cx="5113010" cy="2987442"/>
+          </a:xfrm>
+          <a:prstGeom prst="rect">
+            <a:avLst/>
+          </a:prstGeom>
+        </p:spPr>
+      </p:pic>
+      <p:pic>
+        <p:nvPicPr>
+          <p:cNvPr id="7" name="Picture 6">
+            <a:extLst>
+              <a:ext uri="{FF2B5EF4-FFF2-40B4-BE49-F238E27FC236}">
+                <a16:creationId xmlns:a16="http://schemas.microsoft.com/office/drawing/2014/main" id="{AA94DA6B-F090-41B3-97BF-0786236BA1CA}"/>
+              </a:ext>
+            </a:extLst>
+          </p:cNvPr>
+          <p:cNvPicPr>
+            <a:picLocks noChangeAspect="1"/>
+          </p:cNvPicPr>
+          <p:nvPr/>
+        </p:nvPicPr>
+        <p:blipFill>
+          <a:blip r:embed="rId4"/>
+          <a:stretch>
+            <a:fillRect/>
+          </a:stretch>
+        </p:blipFill>
+        <p:spPr>
+          <a:xfrm>
+            <a:off x="5961868" y="3664019"/>
+            <a:ext cx="5132852" cy="2987867"/>
+          </a:xfrm>
+          <a:prstGeom prst="rect">
+            <a:avLst/>
+          </a:prstGeom>
+        </p:spPr>
+      </p:pic>
     </p:spTree>
     <p:extLst>
       <p:ext uri="{BB962C8B-B14F-4D97-AF65-F5344CB8AC3E}">
-        <p14:creationId xmlns:p14="http://schemas.microsoft.com/office/powerpoint/2010/main" val="323951264"/>
+        <p14:creationId xmlns:p14="http://schemas.microsoft.com/office/powerpoint/2010/main" val="2560405746"/>
+      </p:ext>
+    </p:extLst>
+  </p:cSld>
+  <p:clrMapOvr>
+    <a:masterClrMapping/>
+  </p:clrMapOvr>
+</p:sld>
+</file>
+
+<file path=ppt/slides/slide9.xml><?xml version="1.0" encoding="utf-8"?>
+<p:sld xmlns:a="http://schemas.openxmlformats.org/drawingml/2006/main" xmlns:r="http://schemas.openxmlformats.org/officeDocument/2006/relationships" xmlns:p="http://schemas.openxmlformats.org/presentationml/2006/main">
+  <p:cSld>
+    <p:spTree>
+      <p:nvGrpSpPr>
+        <p:cNvPr id="1" name=""/>
+        <p:cNvGrpSpPr/>
+        <p:nvPr/>
+      </p:nvGrpSpPr>
+      <p:grpSpPr>
+        <a:xfrm>
+          <a:off x="0" y="0"/>
+          <a:ext cx="0" cy="0"/>
+          <a:chOff x="0" y="0"/>
+          <a:chExt cx="0" cy="0"/>
+        </a:xfrm>
+      </p:grpSpPr>
+      <p:sp>
+        <p:nvSpPr>
+          <p:cNvPr id="2" name="Title 1">
+            <a:extLst>
+              <a:ext uri="{FF2B5EF4-FFF2-40B4-BE49-F238E27FC236}">
+                <a16:creationId xmlns:a16="http://schemas.microsoft.com/office/drawing/2014/main" id="{A48531B3-B9EF-4E47-B0BD-F18828BEC3BB}"/>
+              </a:ext>
+            </a:extLst>
+          </p:cNvPr>
+          <p:cNvSpPr>
+            <a:spLocks noGrp="1"/>
+          </p:cNvSpPr>
+          <p:nvPr>
+            <p:ph type="title"/>
+          </p:nvPr>
+        </p:nvSpPr>
+        <p:spPr/>
+        <p:txBody>
+          <a:bodyPr>
+            <a:normAutofit/>
+          </a:bodyPr>
+          <a:lstStyle/>
+          <a:p>
+            <a:r>
+              <a:rPr lang="en-US" sz="4000" dirty="0"/>
+              <a:t>Description and Suggestion Rules</a:t>
+            </a:r>
+          </a:p>
+        </p:txBody>
+      </p:sp>
+      <p:sp>
+        <p:nvSpPr>
+          <p:cNvPr id="6" name="Content Placeholder 5">
+            <a:extLst>
+              <a:ext uri="{FF2B5EF4-FFF2-40B4-BE49-F238E27FC236}">
+                <a16:creationId xmlns:a16="http://schemas.microsoft.com/office/drawing/2014/main" id="{8270C120-7CAB-4EA4-9B1D-4CCF865FEBF8}"/>
+              </a:ext>
+            </a:extLst>
+          </p:cNvPr>
+          <p:cNvSpPr>
+            <a:spLocks noGrp="1"/>
+          </p:cNvSpPr>
+          <p:nvPr>
+            <p:ph idx="1"/>
+          </p:nvPr>
+        </p:nvSpPr>
+        <p:spPr>
+          <a:xfrm>
+            <a:off x="838200" y="1792935"/>
+            <a:ext cx="10515600" cy="4384027"/>
+          </a:xfrm>
+        </p:spPr>
+        <p:txBody>
+          <a:bodyPr>
+            <a:normAutofit/>
+          </a:bodyPr>
+          <a:lstStyle/>
+          <a:p>
+            <a:pPr marL="0" indent="0">
+              <a:buNone/>
+            </a:pPr>
+            <a:r>
+              <a:rPr lang="en-US" sz="2400" dirty="0"/>
+              <a:t>Those rules are illustrative and descriptive guide but no more operative details.</a:t>
+            </a:r>
+          </a:p>
+          <a:p>
+            <a:pPr marL="0" indent="0">
+              <a:buNone/>
+            </a:pPr>
+            <a:endParaRPr lang="en-US" sz="2400" dirty="0"/>
+          </a:p>
+          <a:p>
+            <a:pPr marL="0" indent="0">
+              <a:buNone/>
+            </a:pPr>
+            <a:r>
+              <a:rPr lang="en-US" sz="2400" i="1" dirty="0"/>
+              <a:t>“Your design ‘could’ …”</a:t>
+            </a:r>
+          </a:p>
+        </p:txBody>
+      </p:sp>
+      <p:pic>
+        <p:nvPicPr>
+          <p:cNvPr id="7" name="Picture 6">
+            <a:extLst>
+              <a:ext uri="{FF2B5EF4-FFF2-40B4-BE49-F238E27FC236}">
+                <a16:creationId xmlns:a16="http://schemas.microsoft.com/office/drawing/2014/main" id="{F9769AFE-F91E-4A4A-88D1-5A51C3DF53D3}"/>
+              </a:ext>
+            </a:extLst>
+          </p:cNvPr>
+          <p:cNvPicPr>
+            <a:picLocks noChangeAspect="1"/>
+          </p:cNvPicPr>
+          <p:nvPr/>
+        </p:nvPicPr>
+        <p:blipFill>
+          <a:blip r:embed="rId2"/>
+          <a:stretch>
+            <a:fillRect/>
+          </a:stretch>
+        </p:blipFill>
+        <p:spPr>
+          <a:xfrm>
+            <a:off x="199073" y="3429000"/>
+            <a:ext cx="5754688" cy="2335977"/>
+          </a:xfrm>
+          <a:prstGeom prst="rect">
+            <a:avLst/>
+          </a:prstGeom>
+        </p:spPr>
+      </p:pic>
+      <p:pic>
+        <p:nvPicPr>
+          <p:cNvPr id="3" name="Picture 2">
+            <a:extLst>
+              <a:ext uri="{FF2B5EF4-FFF2-40B4-BE49-F238E27FC236}">
+                <a16:creationId xmlns:a16="http://schemas.microsoft.com/office/drawing/2014/main" id="{8BE8ACA9-DDFB-4D1C-AC6B-0A5C4AD39F8B}"/>
+              </a:ext>
+            </a:extLst>
+          </p:cNvPr>
+          <p:cNvPicPr>
+            <a:picLocks noChangeAspect="1"/>
+          </p:cNvPicPr>
+          <p:nvPr/>
+        </p:nvPicPr>
+        <p:blipFill>
+          <a:blip r:embed="rId3"/>
+          <a:stretch>
+            <a:fillRect/>
+          </a:stretch>
+        </p:blipFill>
+        <p:spPr>
+          <a:xfrm>
+            <a:off x="5717915" y="3429000"/>
+            <a:ext cx="6346132" cy="2240280"/>
+          </a:xfrm>
+          <a:prstGeom prst="rect">
+            <a:avLst/>
+          </a:prstGeom>
+        </p:spPr>
+      </p:pic>
+    </p:spTree>
+    <p:extLst>
+      <p:ext uri="{BB962C8B-B14F-4D97-AF65-F5344CB8AC3E}">
+        <p14:creationId xmlns:p14="http://schemas.microsoft.com/office/powerpoint/2010/main" val="1423341005"/>
       </p:ext>
     </p:extLst>
   </p:cSld>
@@ -4533,4 +6589,299 @@
     </a:ext>
   </a:extLst>
 </a:theme>
+</file>
+
+<file path=ppt/theme/theme2.xml><?xml version="1.0" encoding="utf-8"?>
+<a:theme xmlns:a="http://schemas.openxmlformats.org/drawingml/2006/main" name="Office Theme">
+  <a:themeElements>
+    <a:clrScheme name="Office">
+      <a:dk1>
+        <a:sysClr val="windowText" lastClr="000000"/>
+      </a:dk1>
+      <a:lt1>
+        <a:sysClr val="window" lastClr="FFFFFF"/>
+      </a:lt1>
+      <a:dk2>
+        <a:srgbClr val="44546A"/>
+      </a:dk2>
+      <a:lt2>
+        <a:srgbClr val="E7E6E6"/>
+      </a:lt2>
+      <a:accent1>
+        <a:srgbClr val="4472C4"/>
+      </a:accent1>
+      <a:accent2>
+        <a:srgbClr val="ED7D31"/>
+      </a:accent2>
+      <a:accent3>
+        <a:srgbClr val="A5A5A5"/>
+      </a:accent3>
+      <a:accent4>
+        <a:srgbClr val="FFC000"/>
+      </a:accent4>
+      <a:accent5>
+        <a:srgbClr val="5B9BD5"/>
+      </a:accent5>
+      <a:accent6>
+        <a:srgbClr val="70AD47"/>
+      </a:accent6>
+      <a:hlink>
+        <a:srgbClr val="0563C1"/>
+      </a:hlink>
+      <a:folHlink>
+        <a:srgbClr val="954F72"/>
+      </a:folHlink>
+    </a:clrScheme>
+    <a:fontScheme name="Office">
+      <a:majorFont>
+        <a:latin typeface="Calibri Light" panose="020F0302020204030204"/>
+        <a:ea typeface=""/>
+        <a:cs typeface=""/>
+        <a:font script="Jpan" typeface="游ゴシック Light"/>
+        <a:font script="Hang" typeface="맑은 고딕"/>
+        <a:font script="Hans" typeface="等线 Light"/>
+        <a:font script="Hant" typeface="新細明體"/>
+        <a:font script="Arab" typeface="Times New Roman"/>
+        <a:font script="Hebr" typeface="Times New Roman"/>
+        <a:font script="Thai" typeface="Angsana New"/>
+        <a:font script="Ethi" typeface="Nyala"/>
+        <a:font script="Beng" typeface="Vrinda"/>
+        <a:font script="Gujr" typeface="Shruti"/>
+        <a:font script="Khmr" typeface="MoolBoran"/>
+        <a:font script="Knda" typeface="Tunga"/>
+        <a:font script="Guru" typeface="Raavi"/>
+        <a:font script="Cans" typeface="Euphemia"/>
+        <a:font script="Cher" typeface="Plantagenet Cherokee"/>
+        <a:font script="Yiii" typeface="Microsoft Yi Baiti"/>
+        <a:font script="Tibt" typeface="Microsoft Himalaya"/>
+        <a:font script="Thaa" typeface="MV Boli"/>
+        <a:font script="Deva" typeface="Mangal"/>
+        <a:font script="Telu" typeface="Gautami"/>
+        <a:font script="Taml" typeface="Latha"/>
+        <a:font script="Syrc" typeface="Estrangelo Edessa"/>
+        <a:font script="Orya" typeface="Kalinga"/>
+        <a:font script="Mlym" typeface="Kartika"/>
+        <a:font script="Laoo" typeface="DokChampa"/>
+        <a:font script="Sinh" typeface="Iskoola Pota"/>
+        <a:font script="Mong" typeface="Mongolian Baiti"/>
+        <a:font script="Viet" typeface="Times New Roman"/>
+        <a:font script="Uigh" typeface="Microsoft Uighur"/>
+        <a:font script="Geor" typeface="Sylfaen"/>
+        <a:font script="Armn" typeface="Arial"/>
+        <a:font script="Bugi" typeface="Leelawadee UI"/>
+        <a:font script="Bopo" typeface="Microsoft JhengHei"/>
+        <a:font script="Java" typeface="Javanese Text"/>
+        <a:font script="Lisu" typeface="Segoe UI"/>
+        <a:font script="Mymr" typeface="Myanmar Text"/>
+        <a:font script="Nkoo" typeface="Ebrima"/>
+        <a:font script="Olck" typeface="Nirmala UI"/>
+        <a:font script="Osma" typeface="Ebrima"/>
+        <a:font script="Phag" typeface="Phagspa"/>
+        <a:font script="Syrn" typeface="Estrangelo Edessa"/>
+        <a:font script="Syrj" typeface="Estrangelo Edessa"/>
+        <a:font script="Syre" typeface="Estrangelo Edessa"/>
+        <a:font script="Sora" typeface="Nirmala UI"/>
+        <a:font script="Tale" typeface="Microsoft Tai Le"/>
+        <a:font script="Talu" typeface="Microsoft New Tai Lue"/>
+        <a:font script="Tfng" typeface="Ebrima"/>
+      </a:majorFont>
+      <a:minorFont>
+        <a:latin typeface="Calibri" panose="020F0502020204030204"/>
+        <a:ea typeface=""/>
+        <a:cs typeface=""/>
+        <a:font script="Jpan" typeface="游ゴシック"/>
+        <a:font script="Hang" typeface="맑은 고딕"/>
+        <a:font script="Hans" typeface="等线"/>
+        <a:font script="Hant" typeface="新細明體"/>
+        <a:font script="Arab" typeface="Arial"/>
+        <a:font script="Hebr" typeface="Arial"/>
+        <a:font script="Thai" typeface="Cordia New"/>
+        <a:font script="Ethi" typeface="Nyala"/>
+        <a:font script="Beng" typeface="Vrinda"/>
+        <a:font script="Gujr" typeface="Shruti"/>
+        <a:font script="Khmr" typeface="DaunPenh"/>
+        <a:font script="Knda" typeface="Tunga"/>
+        <a:font script="Guru" typeface="Raavi"/>
+        <a:font script="Cans" typeface="Euphemia"/>
+        <a:font script="Cher" typeface="Plantagenet Cherokee"/>
+        <a:font script="Yiii" typeface="Microsoft Yi Baiti"/>
+        <a:font script="Tibt" typeface="Microsoft Himalaya"/>
+        <a:font script="Thaa" typeface="MV Boli"/>
+        <a:font script="Deva" typeface="Mangal"/>
+        <a:font script="Telu" typeface="Gautami"/>
+        <a:font script="Taml" typeface="Latha"/>
+        <a:font script="Syrc" typeface="Estrangelo Edessa"/>
+        <a:font script="Orya" typeface="Kalinga"/>
+        <a:font script="Mlym" typeface="Kartika"/>
+        <a:font script="Laoo" typeface="DokChampa"/>
+        <a:font script="Sinh" typeface="Iskoola Pota"/>
+        <a:font script="Mong" typeface="Mongolian Baiti"/>
+        <a:font script="Viet" typeface="Arial"/>
+        <a:font script="Uigh" typeface="Microsoft Uighur"/>
+        <a:font script="Geor" typeface="Sylfaen"/>
+        <a:font script="Armn" typeface="Arial"/>
+        <a:font script="Bugi" typeface="Leelawadee UI"/>
+        <a:font script="Bopo" typeface="Microsoft JhengHei"/>
+        <a:font script="Java" typeface="Javanese Text"/>
+        <a:font script="Lisu" typeface="Segoe UI"/>
+        <a:font script="Mymr" typeface="Myanmar Text"/>
+        <a:font script="Nkoo" typeface="Ebrima"/>
+        <a:font script="Olck" typeface="Nirmala UI"/>
+        <a:font script="Osma" typeface="Ebrima"/>
+        <a:font script="Phag" typeface="Phagspa"/>
+        <a:font script="Syrn" typeface="Estrangelo Edessa"/>
+        <a:font script="Syrj" typeface="Estrangelo Edessa"/>
+        <a:font script="Syre" typeface="Estrangelo Edessa"/>
+        <a:font script="Sora" typeface="Nirmala UI"/>
+        <a:font script="Tale" typeface="Microsoft Tai Le"/>
+        <a:font script="Talu" typeface="Microsoft New Tai Lue"/>
+        <a:font script="Tfng" typeface="Ebrima"/>
+      </a:minorFont>
+    </a:fontScheme>
+    <a:fmtScheme name="Office">
+      <a:fillStyleLst>
+        <a:solidFill>
+          <a:schemeClr val="phClr"/>
+        </a:solidFill>
+        <a:gradFill rotWithShape="1">
+          <a:gsLst>
+            <a:gs pos="0">
+              <a:schemeClr val="phClr">
+                <a:lumMod val="110000"/>
+                <a:satMod val="105000"/>
+                <a:tint val="67000"/>
+              </a:schemeClr>
+            </a:gs>
+            <a:gs pos="50000">
+              <a:schemeClr val="phClr">
+                <a:lumMod val="105000"/>
+                <a:satMod val="103000"/>
+                <a:tint val="73000"/>
+              </a:schemeClr>
+            </a:gs>
+            <a:gs pos="100000">
+              <a:schemeClr val="phClr">
+                <a:lumMod val="105000"/>
+                <a:satMod val="109000"/>
+                <a:tint val="81000"/>
+              </a:schemeClr>
+            </a:gs>
+          </a:gsLst>
+          <a:lin ang="5400000" scaled="0"/>
+        </a:gradFill>
+        <a:gradFill rotWithShape="1">
+          <a:gsLst>
+            <a:gs pos="0">
+              <a:schemeClr val="phClr">
+                <a:satMod val="103000"/>
+                <a:lumMod val="102000"/>
+                <a:tint val="94000"/>
+              </a:schemeClr>
+            </a:gs>
+            <a:gs pos="50000">
+              <a:schemeClr val="phClr">
+                <a:satMod val="110000"/>
+                <a:lumMod val="100000"/>
+                <a:shade val="100000"/>
+              </a:schemeClr>
+            </a:gs>
+            <a:gs pos="100000">
+              <a:schemeClr val="phClr">
+                <a:lumMod val="99000"/>
+                <a:satMod val="120000"/>
+                <a:shade val="78000"/>
+              </a:schemeClr>
+            </a:gs>
+          </a:gsLst>
+          <a:lin ang="5400000" scaled="0"/>
+        </a:gradFill>
+      </a:fillStyleLst>
+      <a:lnStyleLst>
+        <a:ln w="6350" cap="flat" cmpd="sng" algn="ctr">
+          <a:solidFill>
+            <a:schemeClr val="phClr"/>
+          </a:solidFill>
+          <a:prstDash val="solid"/>
+          <a:miter lim="800000"/>
+        </a:ln>
+        <a:ln w="12700" cap="flat" cmpd="sng" algn="ctr">
+          <a:solidFill>
+            <a:schemeClr val="phClr"/>
+          </a:solidFill>
+          <a:prstDash val="solid"/>
+          <a:miter lim="800000"/>
+        </a:ln>
+        <a:ln w="19050" cap="flat" cmpd="sng" algn="ctr">
+          <a:solidFill>
+            <a:schemeClr val="phClr"/>
+          </a:solidFill>
+          <a:prstDash val="solid"/>
+          <a:miter lim="800000"/>
+        </a:ln>
+      </a:lnStyleLst>
+      <a:effectStyleLst>
+        <a:effectStyle>
+          <a:effectLst/>
+        </a:effectStyle>
+        <a:effectStyle>
+          <a:effectLst/>
+        </a:effectStyle>
+        <a:effectStyle>
+          <a:effectLst>
+            <a:outerShdw blurRad="57150" dist="19050" dir="5400000" algn="ctr" rotWithShape="0">
+              <a:srgbClr val="000000">
+                <a:alpha val="63000"/>
+              </a:srgbClr>
+            </a:outerShdw>
+          </a:effectLst>
+        </a:effectStyle>
+      </a:effectStyleLst>
+      <a:bgFillStyleLst>
+        <a:solidFill>
+          <a:schemeClr val="phClr"/>
+        </a:solidFill>
+        <a:solidFill>
+          <a:schemeClr val="phClr">
+            <a:tint val="95000"/>
+            <a:satMod val="170000"/>
+          </a:schemeClr>
+        </a:solidFill>
+        <a:gradFill rotWithShape="1">
+          <a:gsLst>
+            <a:gs pos="0">
+              <a:schemeClr val="phClr">
+                <a:tint val="93000"/>
+                <a:satMod val="150000"/>
+                <a:shade val="98000"/>
+                <a:lumMod val="102000"/>
+              </a:schemeClr>
+            </a:gs>
+            <a:gs pos="50000">
+              <a:schemeClr val="phClr">
+                <a:tint val="98000"/>
+                <a:satMod val="130000"/>
+                <a:shade val="90000"/>
+                <a:lumMod val="103000"/>
+              </a:schemeClr>
+            </a:gs>
+            <a:gs pos="100000">
+              <a:schemeClr val="phClr">
+                <a:shade val="63000"/>
+                <a:satMod val="120000"/>
+              </a:schemeClr>
+            </a:gs>
+          </a:gsLst>
+          <a:lin ang="5400000" scaled="0"/>
+        </a:gradFill>
+      </a:bgFillStyleLst>
+    </a:fmtScheme>
+  </a:themeElements>
+  <a:objectDefaults/>
+  <a:extraClrSchemeLst/>
+  <a:extLst>
+    <a:ext uri="{05A4C25C-085E-4340-85A3-A5531E510DB2}">
+      <thm15:themeFamily xmlns:thm15="http://schemas.microsoft.com/office/thememl/2012/main" name="Office Theme" id="{62F939B6-93AF-4DB8-9C6B-D6C7DFDC589F}" vid="{4A3C46E8-61CC-4603-A589-7422A47A8E4A}"/>
+    </a:ext>
+  </a:extLst>
+</a:theme>
 </file>
--- a/doc/week2.pptx
+++ b/doc/week2.pptx
@@ -5311,49 +5311,73 @@
             <a:spLocks noGrp="1"/>
           </p:cNvSpPr>
           <p:nvPr>
-            <p:ph idx="1"/>
-          </p:nvPr>
-        </p:nvSpPr>
-        <p:spPr>
-          <a:xfrm>
-            <a:off x="838200" y="1879600"/>
-            <a:ext cx="10515600" cy="4297363"/>
-          </a:xfrm>
-        </p:spPr>
+            <p:ph sz="half" idx="1"/>
+          </p:nvPr>
+        </p:nvSpPr>
+        <p:spPr/>
         <p:txBody>
           <a:bodyPr>
-            <a:normAutofit fontScale="92500" lnSpcReduction="10000"/>
+            <a:normAutofit/>
           </a:bodyPr>
           <a:lstStyle/>
           <a:p>
+            <a:pPr>
+              <a:lnSpc>
+                <a:spcPct val="160000"/>
+              </a:lnSpc>
+            </a:pPr>
             <a:r>
               <a:rPr lang="en-US" sz="2800" dirty="0"/>
               <a:t>Infeasible to Encode </a:t>
             </a:r>
           </a:p>
           <a:p>
-            <a:pPr lvl="1"/>
+            <a:pPr lvl="1">
+              <a:lnSpc>
+                <a:spcPct val="160000"/>
+              </a:lnSpc>
+              <a:buFont typeface="Courier New" panose="02070309020205020404" pitchFamily="49" charset="0"/>
+              <a:buChar char="o"/>
+            </a:pPr>
             <a:r>
               <a:rPr lang="en-US" dirty="0"/>
               <a:t>Dynamic Behavior </a:t>
             </a:r>
           </a:p>
           <a:p>
-            <a:pPr lvl="1"/>
+            <a:pPr lvl="1">
+              <a:lnSpc>
+                <a:spcPct val="160000"/>
+              </a:lnSpc>
+              <a:buFont typeface="Courier New" panose="02070309020205020404" pitchFamily="49" charset="0"/>
+              <a:buChar char="o"/>
+            </a:pPr>
             <a:r>
               <a:rPr lang="en-US" dirty="0"/>
               <a:t>Graphic Design</a:t>
             </a:r>
           </a:p>
           <a:p>
-            <a:pPr lvl="1"/>
+            <a:pPr lvl="1">
+              <a:lnSpc>
+                <a:spcPct val="160000"/>
+              </a:lnSpc>
+              <a:buFont typeface="Courier New" panose="02070309020205020404" pitchFamily="49" charset="0"/>
+              <a:buChar char="o"/>
+            </a:pPr>
             <a:r>
               <a:rPr lang="en-US" dirty="0"/>
               <a:t>Description and Suggestion</a:t>
             </a:r>
           </a:p>
           <a:p>
-            <a:pPr lvl="1"/>
+            <a:pPr lvl="1">
+              <a:lnSpc>
+                <a:spcPct val="160000"/>
+              </a:lnSpc>
+              <a:buFont typeface="Courier New" panose="02070309020205020404" pitchFamily="49" charset="0"/>
+              <a:buChar char="o"/>
+            </a:pPr>
             <a:r>
               <a:rPr lang="en-US" dirty="0"/>
               <a:t>Rough </a:t>
@@ -5364,17 +5388,54 @@
             </a:r>
           </a:p>
           <a:p>
-            <a:pPr lvl="1"/>
+            <a:pPr lvl="1">
+              <a:lnSpc>
+                <a:spcPct val="160000"/>
+              </a:lnSpc>
+            </a:pPr>
             <a:endParaRPr lang="en-US" altLang="zh-CN" sz="2400" dirty="0"/>
           </a:p>
-          <a:p>
-            <a:r>
-              <a:rPr lang="en-US" sz="2800" dirty="0"/>
+        </p:txBody>
+      </p:sp>
+      <p:sp>
+        <p:nvSpPr>
+          <p:cNvPr id="7" name="Content Placeholder 6">
+            <a:extLst>
+              <a:ext uri="{FF2B5EF4-FFF2-40B4-BE49-F238E27FC236}">
+                <a16:creationId xmlns:a16="http://schemas.microsoft.com/office/drawing/2014/main" id="{FBD4A6F1-5BB3-4CD4-AB56-D65C5D7A0E01}"/>
+              </a:ext>
+            </a:extLst>
+          </p:cNvPr>
+          <p:cNvSpPr>
+            <a:spLocks noGrp="1"/>
+          </p:cNvSpPr>
+          <p:nvPr>
+            <p:ph sz="half" idx="2"/>
+          </p:nvPr>
+        </p:nvSpPr>
+        <p:spPr/>
+        <p:txBody>
+          <a:bodyPr/>
+          <a:lstStyle/>
+          <a:p>
+            <a:pPr>
+              <a:lnSpc>
+                <a:spcPct val="160000"/>
+              </a:lnSpc>
+            </a:pPr>
+            <a:r>
+              <a:rPr lang="en-US" dirty="0"/>
               <a:t>Hard to Implement </a:t>
             </a:r>
           </a:p>
           <a:p>
-            <a:pPr lvl="1"/>
+            <a:pPr lvl="1">
+              <a:lnSpc>
+                <a:spcPct val="160000"/>
+              </a:lnSpc>
+              <a:buFont typeface="Courier New" panose="02070309020205020404" pitchFamily="49" charset="0"/>
+              <a:buChar char="o"/>
+            </a:pPr>
             <a:r>
               <a:rPr lang="en-US" altLang="zh-CN" dirty="0"/>
               <a:t>Systematical Rule </a:t>
@@ -5382,18 +5443,32 @@
           </a:p>
           <a:p>
             <a:pPr marL="457200" lvl="1" indent="0">
+              <a:lnSpc>
+                <a:spcPct val="160000"/>
+              </a:lnSpc>
               <a:buNone/>
             </a:pPr>
-            <a:endParaRPr lang="en-US" sz="2400" dirty="0"/>
-          </a:p>
-          <a:p>
-            <a:r>
-              <a:rPr lang="en-US" sz="2800" dirty="0"/>
+            <a:endParaRPr lang="en-US" dirty="0"/>
+          </a:p>
+          <a:p>
+            <a:pPr>
+              <a:lnSpc>
+                <a:spcPct val="160000"/>
+              </a:lnSpc>
+            </a:pPr>
+            <a:r>
+              <a:rPr lang="en-US" dirty="0"/>
               <a:t>Implementable </a:t>
             </a:r>
           </a:p>
           <a:p>
-            <a:pPr lvl="1"/>
+            <a:pPr lvl="1">
+              <a:lnSpc>
+                <a:spcPct val="160000"/>
+              </a:lnSpc>
+              <a:buFont typeface="Courier New" panose="02070309020205020404" pitchFamily="49" charset="0"/>
+              <a:buChar char="o"/>
+            </a:pPr>
             <a:r>
               <a:rPr lang="en-US" altLang="zh-CN" dirty="0"/>
               <a:t>Quantitative</a:t>
@@ -5402,6 +5477,9 @@
               <a:rPr lang="en-US" dirty="0"/>
               <a:t> Rule </a:t>
             </a:r>
+          </a:p>
+          <a:p>
+            <a:endParaRPr lang="en-US" dirty="0"/>
           </a:p>
         </p:txBody>
       </p:sp>
@@ -5639,7 +5717,7 @@
         </p:nvSpPr>
         <p:spPr>
           <a:xfrm>
-            <a:off x="838200" y="1792937"/>
+            <a:off x="838200" y="1731434"/>
             <a:ext cx="3622040" cy="4384026"/>
           </a:xfrm>
         </p:spPr>
@@ -6022,10 +6100,10 @@
       </p:sp>
       <p:pic>
         <p:nvPicPr>
-          <p:cNvPr id="4" name="Picture 3">
-            <a:extLst>
-              <a:ext uri="{FF2B5EF4-FFF2-40B4-BE49-F238E27FC236}">
-                <a16:creationId xmlns:a16="http://schemas.microsoft.com/office/drawing/2014/main" id="{6C3C1A00-1CC3-4705-A9BE-45FCF79FC335}"/>
+          <p:cNvPr id="6" name="Picture 5">
+            <a:extLst>
+              <a:ext uri="{FF2B5EF4-FFF2-40B4-BE49-F238E27FC236}">
+                <a16:creationId xmlns:a16="http://schemas.microsoft.com/office/drawing/2014/main" id="{F63D296E-2740-4EBE-BF4E-990D5EB22025}"/>
               </a:ext>
             </a:extLst>
           </p:cNvPr>
@@ -6036,36 +6114,6 @@
         </p:nvPicPr>
         <p:blipFill>
           <a:blip r:embed="rId2"/>
-          <a:stretch>
-            <a:fillRect/>
-          </a:stretch>
-        </p:blipFill>
-        <p:spPr>
-          <a:xfrm>
-            <a:off x="3321501" y="3749040"/>
-            <a:ext cx="2368680" cy="2902846"/>
-          </a:xfrm>
-          <a:prstGeom prst="rect">
-            <a:avLst/>
-          </a:prstGeom>
-        </p:spPr>
-      </p:pic>
-      <p:pic>
-        <p:nvPicPr>
-          <p:cNvPr id="6" name="Picture 5">
-            <a:extLst>
-              <a:ext uri="{FF2B5EF4-FFF2-40B4-BE49-F238E27FC236}">
-                <a16:creationId xmlns:a16="http://schemas.microsoft.com/office/drawing/2014/main" id="{F63D296E-2740-4EBE-BF4E-990D5EB22025}"/>
-              </a:ext>
-            </a:extLst>
-          </p:cNvPr>
-          <p:cNvPicPr>
-            <a:picLocks noChangeAspect="1"/>
-          </p:cNvPicPr>
-          <p:nvPr/>
-        </p:nvPicPr>
-        <p:blipFill>
-          <a:blip r:embed="rId3"/>
           <a:stretch>
             <a:fillRect/>
           </a:stretch>
@@ -6095,7 +6143,7 @@
           <p:nvPr/>
         </p:nvPicPr>
         <p:blipFill>
-          <a:blip r:embed="rId4"/>
+          <a:blip r:embed="rId3"/>
           <a:stretch>
             <a:fillRect/>
           </a:stretch>
@@ -6104,6 +6152,36 @@
           <a:xfrm>
             <a:off x="5961868" y="3664019"/>
             <a:ext cx="5132852" cy="2987867"/>
+          </a:xfrm>
+          <a:prstGeom prst="rect">
+            <a:avLst/>
+          </a:prstGeom>
+        </p:spPr>
+      </p:pic>
+      <p:pic>
+        <p:nvPicPr>
+          <p:cNvPr id="5" name="Picture 4">
+            <a:extLst>
+              <a:ext uri="{FF2B5EF4-FFF2-40B4-BE49-F238E27FC236}">
+                <a16:creationId xmlns:a16="http://schemas.microsoft.com/office/drawing/2014/main" id="{5C38EA6B-6068-4E02-B8AB-E98859E324CB}"/>
+              </a:ext>
+            </a:extLst>
+          </p:cNvPr>
+          <p:cNvPicPr>
+            <a:picLocks noChangeAspect="1"/>
+          </p:cNvPicPr>
+          <p:nvPr/>
+        </p:nvPicPr>
+        <p:blipFill>
+          <a:blip r:embed="rId4"/>
+          <a:stretch>
+            <a:fillRect/>
+          </a:stretch>
+        </p:blipFill>
+        <p:spPr>
+          <a:xfrm>
+            <a:off x="765493" y="3429000"/>
+            <a:ext cx="4638040" cy="2628743"/>
           </a:xfrm>
           <a:prstGeom prst="rect">
             <a:avLst/>

--- a/doc/week2.pptx
+++ b/doc/week2.pptx
@@ -5,7 +5,7 @@
     <p:sldMasterId id="2147483714" r:id="rId1"/>
   </p:sldMasterIdLst>
   <p:notesMasterIdLst>
-    <p:notesMasterId r:id="rId17"/>
+    <p:notesMasterId r:id="rId21"/>
   </p:notesMasterIdLst>
   <p:sldIdLst>
     <p:sldId id="256" r:id="rId2"/>
@@ -23,6 +23,10 @@
     <p:sldId id="265" r:id="rId14"/>
     <p:sldId id="267" r:id="rId15"/>
     <p:sldId id="269" r:id="rId16"/>
+    <p:sldId id="272" r:id="rId17"/>
+    <p:sldId id="273" r:id="rId18"/>
+    <p:sldId id="274" r:id="rId19"/>
+    <p:sldId id="275" r:id="rId20"/>
   </p:sldIdLst>
   <p:sldSz cx="12192000" cy="6858000"/>
   <p:notesSz cx="6858000" cy="9144000"/>
@@ -141,6 +145,10 @@
             <p14:sldId id="265"/>
             <p14:sldId id="267"/>
             <p14:sldId id="269"/>
+            <p14:sldId id="272"/>
+            <p14:sldId id="273"/>
+            <p14:sldId id="274"/>
+            <p14:sldId id="275"/>
           </p14:sldIdLst>
         </p14:section>
       </p14:sectionLst>
@@ -246,7 +254,7 @@
           <a:p>
             <a:fld id="{4264974B-8385-4CE3-A32F-07226F20CC47}" type="datetimeFigureOut">
               <a:rPr lang="en-US" smtClean="0"/>
-              <a:t>3/13/2019</a:t>
+              <a:t>3/14/2019</a:t>
             </a:fld>
             <a:endParaRPr lang="en-US"/>
           </a:p>
@@ -597,6 +605,90 @@
 </p:notes>
 </file>
 
+<file path=ppt/notesSlides/notesSlide2.xml><?xml version="1.0" encoding="utf-8"?>
+<p:notes xmlns:a="http://schemas.openxmlformats.org/drawingml/2006/main" xmlns:r="http://schemas.openxmlformats.org/officeDocument/2006/relationships" xmlns:p="http://schemas.openxmlformats.org/presentationml/2006/main">
+  <p:cSld>
+    <p:spTree>
+      <p:nvGrpSpPr>
+        <p:cNvPr id="1" name=""/>
+        <p:cNvGrpSpPr/>
+        <p:nvPr/>
+      </p:nvGrpSpPr>
+      <p:grpSpPr>
+        <a:xfrm>
+          <a:off x="0" y="0"/>
+          <a:ext cx="0" cy="0"/>
+          <a:chOff x="0" y="0"/>
+          <a:chExt cx="0" cy="0"/>
+        </a:xfrm>
+      </p:grpSpPr>
+      <p:sp>
+        <p:nvSpPr>
+          <p:cNvPr id="2" name="Slide Image Placeholder 1"/>
+          <p:cNvSpPr>
+            <a:spLocks noGrp="1" noRot="1" noChangeAspect="1"/>
+          </p:cNvSpPr>
+          <p:nvPr>
+            <p:ph type="sldImg"/>
+          </p:nvPr>
+        </p:nvSpPr>
+        <p:spPr/>
+      </p:sp>
+      <p:sp>
+        <p:nvSpPr>
+          <p:cNvPr id="3" name="Notes Placeholder 2"/>
+          <p:cNvSpPr>
+            <a:spLocks noGrp="1"/>
+          </p:cNvSpPr>
+          <p:nvPr>
+            <p:ph type="body" idx="1"/>
+          </p:nvPr>
+        </p:nvSpPr>
+        <p:spPr/>
+        <p:txBody>
+          <a:bodyPr/>
+          <a:lstStyle/>
+          <a:p>
+            <a:endParaRPr lang="en-US" dirty="0"/>
+          </a:p>
+        </p:txBody>
+      </p:sp>
+      <p:sp>
+        <p:nvSpPr>
+          <p:cNvPr id="4" name="Slide Number Placeholder 3"/>
+          <p:cNvSpPr>
+            <a:spLocks noGrp="1"/>
+          </p:cNvSpPr>
+          <p:nvPr>
+            <p:ph type="sldNum" sz="quarter" idx="5"/>
+          </p:nvPr>
+        </p:nvSpPr>
+        <p:spPr/>
+        <p:txBody>
+          <a:bodyPr/>
+          <a:lstStyle/>
+          <a:p>
+            <a:fld id="{38975A60-766D-4C94-88D3-1A3F05AB0FE4}" type="slidenum">
+              <a:rPr lang="en-US" smtClean="0"/>
+              <a:t>19</a:t>
+            </a:fld>
+            <a:endParaRPr lang="en-US"/>
+          </a:p>
+        </p:txBody>
+      </p:sp>
+    </p:spTree>
+    <p:extLst>
+      <p:ext uri="{BB962C8B-B14F-4D97-AF65-F5344CB8AC3E}">
+        <p14:creationId xmlns:p14="http://schemas.microsoft.com/office/powerpoint/2010/main" val="2079669451"/>
+      </p:ext>
+    </p:extLst>
+  </p:cSld>
+  <p:clrMapOvr>
+    <a:masterClrMapping/>
+  </p:clrMapOvr>
+</p:notes>
+</file>
+
 <file path=ppt/slideLayouts/slideLayout1.xml><?xml version="1.0" encoding="utf-8"?>
 <p:sldLayout xmlns:a="http://schemas.openxmlformats.org/drawingml/2006/main" xmlns:r="http://schemas.openxmlformats.org/officeDocument/2006/relationships" xmlns:p="http://schemas.openxmlformats.org/presentationml/2006/main" type="title" preserve="1">
   <p:cSld name="Title Slide">
@@ -744,7 +836,7 @@
           <a:p>
             <a:fld id="{73DA2E1B-A527-4F12-81B2-CB0BBAB58143}" type="datetimeFigureOut">
               <a:rPr lang="en-US" smtClean="0"/>
-              <a:t>3/13/2019</a:t>
+              <a:t>3/14/2019</a:t>
             </a:fld>
             <a:endParaRPr lang="en-US"/>
           </a:p>
@@ -942,7 +1034,7 @@
           <a:p>
             <a:fld id="{73DA2E1B-A527-4F12-81B2-CB0BBAB58143}" type="datetimeFigureOut">
               <a:rPr lang="en-US" smtClean="0"/>
-              <a:t>3/13/2019</a:t>
+              <a:t>3/14/2019</a:t>
             </a:fld>
             <a:endParaRPr lang="en-US"/>
           </a:p>
@@ -1150,7 +1242,7 @@
           <a:p>
             <a:fld id="{73DA2E1B-A527-4F12-81B2-CB0BBAB58143}" type="datetimeFigureOut">
               <a:rPr lang="en-US" smtClean="0"/>
-              <a:t>3/13/2019</a:t>
+              <a:t>3/14/2019</a:t>
             </a:fld>
             <a:endParaRPr lang="en-US"/>
           </a:p>
@@ -1348,7 +1440,7 @@
           <a:p>
             <a:fld id="{73DA2E1B-A527-4F12-81B2-CB0BBAB58143}" type="datetimeFigureOut">
               <a:rPr lang="en-US" smtClean="0"/>
-              <a:t>3/13/2019</a:t>
+              <a:t>3/14/2019</a:t>
             </a:fld>
             <a:endParaRPr lang="en-US"/>
           </a:p>
@@ -1623,7 +1715,7 @@
           <a:p>
             <a:fld id="{73DA2E1B-A527-4F12-81B2-CB0BBAB58143}" type="datetimeFigureOut">
               <a:rPr lang="en-US" smtClean="0"/>
-              <a:t>3/13/2019</a:t>
+              <a:t>3/14/2019</a:t>
             </a:fld>
             <a:endParaRPr lang="en-US"/>
           </a:p>
@@ -1888,7 +1980,7 @@
           <a:p>
             <a:fld id="{73DA2E1B-A527-4F12-81B2-CB0BBAB58143}" type="datetimeFigureOut">
               <a:rPr lang="en-US" smtClean="0"/>
-              <a:t>3/13/2019</a:t>
+              <a:t>3/14/2019</a:t>
             </a:fld>
             <a:endParaRPr lang="en-US"/>
           </a:p>
@@ -2300,7 +2392,7 @@
           <a:p>
             <a:fld id="{73DA2E1B-A527-4F12-81B2-CB0BBAB58143}" type="datetimeFigureOut">
               <a:rPr lang="en-US" smtClean="0"/>
-              <a:t>3/13/2019</a:t>
+              <a:t>3/14/2019</a:t>
             </a:fld>
             <a:endParaRPr lang="en-US"/>
           </a:p>
@@ -2441,7 +2533,7 @@
           <a:p>
             <a:fld id="{73DA2E1B-A527-4F12-81B2-CB0BBAB58143}" type="datetimeFigureOut">
               <a:rPr lang="en-US" smtClean="0"/>
-              <a:t>3/13/2019</a:t>
+              <a:t>3/14/2019</a:t>
             </a:fld>
             <a:endParaRPr lang="en-US"/>
           </a:p>
@@ -2554,7 +2646,7 @@
           <a:p>
             <a:fld id="{73DA2E1B-A527-4F12-81B2-CB0BBAB58143}" type="datetimeFigureOut">
               <a:rPr lang="en-US" smtClean="0"/>
-              <a:t>3/13/2019</a:t>
+              <a:t>3/14/2019</a:t>
             </a:fld>
             <a:endParaRPr lang="en-US"/>
           </a:p>
@@ -2865,7 +2957,7 @@
           <a:p>
             <a:fld id="{73DA2E1B-A527-4F12-81B2-CB0BBAB58143}" type="datetimeFigureOut">
               <a:rPr lang="en-US" smtClean="0"/>
-              <a:t>3/13/2019</a:t>
+              <a:t>3/14/2019</a:t>
             </a:fld>
             <a:endParaRPr lang="en-US"/>
           </a:p>
@@ -3153,7 +3245,7 @@
           <a:p>
             <a:fld id="{73DA2E1B-A527-4F12-81B2-CB0BBAB58143}" type="datetimeFigureOut">
               <a:rPr lang="en-US" smtClean="0"/>
-              <a:t>3/13/2019</a:t>
+              <a:t>3/14/2019</a:t>
             </a:fld>
             <a:endParaRPr lang="en-US"/>
           </a:p>
@@ -3394,7 +3486,7 @@
           <a:p>
             <a:fld id="{73DA2E1B-A527-4F12-81B2-CB0BBAB58143}" type="datetimeFigureOut">
               <a:rPr lang="en-US" smtClean="0"/>
-              <a:t>3/13/2019</a:t>
+              <a:t>3/14/2019</a:t>
             </a:fld>
             <a:endParaRPr lang="en-US"/>
           </a:p>
@@ -4400,7 +4492,7 @@
         </p:nvSpPr>
         <p:spPr>
           <a:xfrm>
-            <a:off x="648930" y="2438400"/>
+            <a:off x="648929" y="2305869"/>
             <a:ext cx="5127029" cy="3785419"/>
           </a:xfrm>
         </p:spPr>
@@ -4415,7 +4507,7 @@
             </a:pPr>
             <a:r>
               <a:rPr lang="en-US" sz="2400" dirty="0"/>
-              <a:t>Unlike some simple rules such as “the minimum size of the button is 46dp * 46dp”, the systematical rule stipulate the design of single component based on the entire style or other elements. </a:t>
+              <a:t>The systematical rule stipulate the design of single component based on the entire style or other elements. </a:t>
             </a:r>
           </a:p>
           <a:p>
@@ -4758,7 +4850,7 @@
         <p:spPr>
           <a:xfrm>
             <a:off x="648930" y="2438400"/>
-            <a:ext cx="5127029" cy="3785419"/>
+            <a:ext cx="5447070" cy="3785419"/>
           </a:xfrm>
         </p:spPr>
         <p:txBody>
@@ -4835,6 +4927,889 @@
 </p:sld>
 </file>
 
+<file path=ppt/slides/slide16.xml><?xml version="1.0" encoding="utf-8"?>
+<p:sld xmlns:a="http://schemas.openxmlformats.org/drawingml/2006/main" xmlns:r="http://schemas.openxmlformats.org/officeDocument/2006/relationships" xmlns:p="http://schemas.openxmlformats.org/presentationml/2006/main">
+  <p:cSld>
+    <p:spTree>
+      <p:nvGrpSpPr>
+        <p:cNvPr id="1" name=""/>
+        <p:cNvGrpSpPr/>
+        <p:nvPr/>
+      </p:nvGrpSpPr>
+      <p:grpSpPr>
+        <a:xfrm>
+          <a:off x="0" y="0"/>
+          <a:ext cx="0" cy="0"/>
+          <a:chOff x="0" y="0"/>
+          <a:chExt cx="0" cy="0"/>
+        </a:xfrm>
+      </p:grpSpPr>
+      <p:sp>
+        <p:nvSpPr>
+          <p:cNvPr id="2" name="Title 1">
+            <a:extLst>
+              <a:ext uri="{FF2B5EF4-FFF2-40B4-BE49-F238E27FC236}">
+                <a16:creationId xmlns:a16="http://schemas.microsoft.com/office/drawing/2014/main" id="{0F91278B-F719-43BC-BDB5-BA9B81266B05}"/>
+              </a:ext>
+            </a:extLst>
+          </p:cNvPr>
+          <p:cNvSpPr>
+            <a:spLocks noGrp="1"/>
+          </p:cNvSpPr>
+          <p:nvPr>
+            <p:ph type="title"/>
+          </p:nvPr>
+        </p:nvSpPr>
+        <p:spPr/>
+        <p:txBody>
+          <a:bodyPr/>
+          <a:lstStyle/>
+          <a:p>
+            <a:pPr algn="ctr"/>
+            <a:r>
+              <a:rPr lang="en-US" b="1" dirty="0"/>
+              <a:t>Implementable</a:t>
+            </a:r>
+          </a:p>
+        </p:txBody>
+      </p:sp>
+      <p:sp>
+        <p:nvSpPr>
+          <p:cNvPr id="3" name="Content Placeholder 2">
+            <a:extLst>
+              <a:ext uri="{FF2B5EF4-FFF2-40B4-BE49-F238E27FC236}">
+                <a16:creationId xmlns:a16="http://schemas.microsoft.com/office/drawing/2014/main" id="{86C4C500-5384-4E6D-B479-DF8DF172F287}"/>
+              </a:ext>
+            </a:extLst>
+          </p:cNvPr>
+          <p:cNvSpPr>
+            <a:spLocks noGrp="1"/>
+          </p:cNvSpPr>
+          <p:nvPr>
+            <p:ph idx="1"/>
+          </p:nvPr>
+        </p:nvSpPr>
+        <p:spPr>
+          <a:xfrm>
+            <a:off x="838200" y="2141537"/>
+            <a:ext cx="10515600" cy="4351338"/>
+          </a:xfrm>
+        </p:spPr>
+        <p:txBody>
+          <a:bodyPr>
+            <a:normAutofit/>
+          </a:bodyPr>
+          <a:lstStyle/>
+          <a:p>
+            <a:pPr marL="0" indent="0">
+              <a:buNone/>
+            </a:pPr>
+            <a:r>
+              <a:rPr lang="en-US" sz="2400" dirty="0"/>
+              <a:t>As implied by the name, implementable rules are easier to be translated into code for its specific and explicit property. They can be rules that clearly state the value of setting </a:t>
+            </a:r>
+          </a:p>
+          <a:p>
+            <a:pPr marL="0" indent="0">
+              <a:buNone/>
+            </a:pPr>
+            <a:r>
+              <a:rPr lang="en-US" sz="2400" dirty="0"/>
+              <a:t>	- Quantitative Rules</a:t>
+            </a:r>
+          </a:p>
+          <a:p>
+            <a:pPr marL="0" indent="0">
+              <a:buNone/>
+            </a:pPr>
+            <a:r>
+              <a:rPr lang="en-US" sz="2400" dirty="0"/>
+              <a:t>or certain setting in terms of shape, size and so on</a:t>
+            </a:r>
+          </a:p>
+          <a:p>
+            <a:pPr marL="0" indent="0">
+              <a:buNone/>
+            </a:pPr>
+            <a:r>
+              <a:rPr lang="en-US" sz="2400" dirty="0"/>
+              <a:t>	- Rigid Rules</a:t>
+            </a:r>
+          </a:p>
+        </p:txBody>
+      </p:sp>
+    </p:spTree>
+    <p:extLst>
+      <p:ext uri="{BB962C8B-B14F-4D97-AF65-F5344CB8AC3E}">
+        <p14:creationId xmlns:p14="http://schemas.microsoft.com/office/powerpoint/2010/main" val="3434972611"/>
+      </p:ext>
+    </p:extLst>
+  </p:cSld>
+  <p:clrMapOvr>
+    <a:masterClrMapping/>
+  </p:clrMapOvr>
+</p:sld>
+</file>
+
+<file path=ppt/slides/slide17.xml><?xml version="1.0" encoding="utf-8"?>
+<p:sld xmlns:a="http://schemas.openxmlformats.org/drawingml/2006/main" xmlns:r="http://schemas.openxmlformats.org/officeDocument/2006/relationships" xmlns:p="http://schemas.openxmlformats.org/presentationml/2006/main">
+  <p:cSld>
+    <p:spTree>
+      <p:nvGrpSpPr>
+        <p:cNvPr id="1" name=""/>
+        <p:cNvGrpSpPr/>
+        <p:nvPr/>
+      </p:nvGrpSpPr>
+      <p:grpSpPr>
+        <a:xfrm>
+          <a:off x="0" y="0"/>
+          <a:ext cx="0" cy="0"/>
+          <a:chOff x="0" y="0"/>
+          <a:chExt cx="0" cy="0"/>
+        </a:xfrm>
+      </p:grpSpPr>
+      <p:sp>
+        <p:nvSpPr>
+          <p:cNvPr id="2" name="Title 1">
+            <a:extLst>
+              <a:ext uri="{FF2B5EF4-FFF2-40B4-BE49-F238E27FC236}">
+                <a16:creationId xmlns:a16="http://schemas.microsoft.com/office/drawing/2014/main" id="{6C0D785E-79C6-42A2-8B5C-02AEC22B73F0}"/>
+              </a:ext>
+            </a:extLst>
+          </p:cNvPr>
+          <p:cNvSpPr>
+            <a:spLocks noGrp="1"/>
+          </p:cNvSpPr>
+          <p:nvPr>
+            <p:ph type="title"/>
+          </p:nvPr>
+        </p:nvSpPr>
+        <p:spPr/>
+        <p:txBody>
+          <a:bodyPr>
+            <a:normAutofit/>
+          </a:bodyPr>
+          <a:lstStyle/>
+          <a:p>
+            <a:r>
+              <a:rPr lang="en-US" sz="4000" dirty="0"/>
+              <a:t>Quantitative Rules</a:t>
+            </a:r>
+          </a:p>
+        </p:txBody>
+      </p:sp>
+      <p:sp>
+        <p:nvSpPr>
+          <p:cNvPr id="3" name="Content Placeholder 2">
+            <a:extLst>
+              <a:ext uri="{FF2B5EF4-FFF2-40B4-BE49-F238E27FC236}">
+                <a16:creationId xmlns:a16="http://schemas.microsoft.com/office/drawing/2014/main" id="{9150C1BA-EA3B-4A25-83CB-AADB99C57D7C}"/>
+              </a:ext>
+            </a:extLst>
+          </p:cNvPr>
+          <p:cNvSpPr>
+            <a:spLocks noGrp="1"/>
+          </p:cNvSpPr>
+          <p:nvPr>
+            <p:ph idx="1"/>
+          </p:nvPr>
+        </p:nvSpPr>
+        <p:spPr/>
+        <p:txBody>
+          <a:bodyPr>
+            <a:normAutofit/>
+          </a:bodyPr>
+          <a:lstStyle/>
+          <a:p>
+            <a:pPr marL="0" indent="0">
+              <a:buNone/>
+            </a:pPr>
+            <a:r>
+              <a:rPr lang="en-US" sz="2400" dirty="0"/>
+              <a:t>Quantitative rules give the specific value of small range of value to guide the design.</a:t>
+            </a:r>
+          </a:p>
+          <a:p>
+            <a:pPr marL="0" indent="0">
+              <a:buNone/>
+            </a:pPr>
+            <a:endParaRPr lang="en-US" sz="2400" dirty="0"/>
+          </a:p>
+          <a:p>
+            <a:pPr marL="0" indent="0">
+              <a:buNone/>
+            </a:pPr>
+            <a:r>
+              <a:rPr lang="en-US" sz="2400" i="1" dirty="0"/>
+              <a:t>“The minimum width of button is 46dp”</a:t>
+            </a:r>
+          </a:p>
+          <a:p>
+            <a:pPr marL="0" indent="0">
+              <a:buNone/>
+            </a:pPr>
+            <a:endParaRPr lang="en-US" sz="2400" dirty="0"/>
+          </a:p>
+        </p:txBody>
+      </p:sp>
+      <p:pic>
+        <p:nvPicPr>
+          <p:cNvPr id="4" name="Picture 3">
+            <a:extLst>
+              <a:ext uri="{FF2B5EF4-FFF2-40B4-BE49-F238E27FC236}">
+                <a16:creationId xmlns:a16="http://schemas.microsoft.com/office/drawing/2014/main" id="{FC5D9137-DAEE-489F-B9BD-ADB18D932676}"/>
+              </a:ext>
+            </a:extLst>
+          </p:cNvPr>
+          <p:cNvPicPr/>
+          <p:nvPr/>
+        </p:nvPicPr>
+        <p:blipFill>
+          <a:blip r:embed="rId2"/>
+          <a:stretch>
+            <a:fillRect/>
+          </a:stretch>
+        </p:blipFill>
+        <p:spPr>
+          <a:xfrm>
+            <a:off x="838200" y="3429000"/>
+            <a:ext cx="4648200" cy="2341880"/>
+          </a:xfrm>
+          <a:prstGeom prst="rect">
+            <a:avLst/>
+          </a:prstGeom>
+        </p:spPr>
+      </p:pic>
+      <p:pic>
+        <p:nvPicPr>
+          <p:cNvPr id="5" name="Picture 4">
+            <a:extLst>
+              <a:ext uri="{FF2B5EF4-FFF2-40B4-BE49-F238E27FC236}">
+                <a16:creationId xmlns:a16="http://schemas.microsoft.com/office/drawing/2014/main" id="{0793C5D3-F0D7-48EE-85EC-77BB2AE149E8}"/>
+              </a:ext>
+            </a:extLst>
+          </p:cNvPr>
+          <p:cNvPicPr/>
+          <p:nvPr/>
+        </p:nvPicPr>
+        <p:blipFill>
+          <a:blip r:embed="rId3"/>
+          <a:stretch>
+            <a:fillRect/>
+          </a:stretch>
+        </p:blipFill>
+        <p:spPr>
+          <a:xfrm>
+            <a:off x="6096000" y="3428999"/>
+            <a:ext cx="5257800" cy="2747963"/>
+          </a:xfrm>
+          <a:prstGeom prst="rect">
+            <a:avLst/>
+          </a:prstGeom>
+        </p:spPr>
+      </p:pic>
+    </p:spTree>
+    <p:extLst>
+      <p:ext uri="{BB962C8B-B14F-4D97-AF65-F5344CB8AC3E}">
+        <p14:creationId xmlns:p14="http://schemas.microsoft.com/office/powerpoint/2010/main" val="3931559024"/>
+      </p:ext>
+    </p:extLst>
+  </p:cSld>
+  <p:clrMapOvr>
+    <a:masterClrMapping/>
+  </p:clrMapOvr>
+</p:sld>
+</file>
+
+<file path=ppt/slides/slide18.xml><?xml version="1.0" encoding="utf-8"?>
+<p:sld xmlns:a="http://schemas.openxmlformats.org/drawingml/2006/main" xmlns:r="http://schemas.openxmlformats.org/officeDocument/2006/relationships" xmlns:p="http://schemas.openxmlformats.org/presentationml/2006/main">
+  <p:cSld>
+    <p:spTree>
+      <p:nvGrpSpPr>
+        <p:cNvPr id="1" name=""/>
+        <p:cNvGrpSpPr/>
+        <p:nvPr/>
+      </p:nvGrpSpPr>
+      <p:grpSpPr>
+        <a:xfrm>
+          <a:off x="0" y="0"/>
+          <a:ext cx="0" cy="0"/>
+          <a:chOff x="0" y="0"/>
+          <a:chExt cx="0" cy="0"/>
+        </a:xfrm>
+      </p:grpSpPr>
+      <p:sp>
+        <p:nvSpPr>
+          <p:cNvPr id="2" name="Title 1">
+            <a:extLst>
+              <a:ext uri="{FF2B5EF4-FFF2-40B4-BE49-F238E27FC236}">
+                <a16:creationId xmlns:a16="http://schemas.microsoft.com/office/drawing/2014/main" id="{A16E08C9-827D-49AD-B67A-859D3CA7C2A3}"/>
+              </a:ext>
+            </a:extLst>
+          </p:cNvPr>
+          <p:cNvSpPr>
+            <a:spLocks noGrp="1"/>
+          </p:cNvSpPr>
+          <p:nvPr>
+            <p:ph type="title"/>
+          </p:nvPr>
+        </p:nvSpPr>
+        <p:spPr/>
+        <p:txBody>
+          <a:bodyPr>
+            <a:normAutofit/>
+          </a:bodyPr>
+          <a:lstStyle/>
+          <a:p>
+            <a:r>
+              <a:rPr lang="en-US" sz="4000" dirty="0"/>
+              <a:t>Rigid Rules 	</a:t>
+            </a:r>
+          </a:p>
+        </p:txBody>
+      </p:sp>
+      <p:sp>
+        <p:nvSpPr>
+          <p:cNvPr id="3" name="Content Placeholder 2">
+            <a:extLst>
+              <a:ext uri="{FF2B5EF4-FFF2-40B4-BE49-F238E27FC236}">
+                <a16:creationId xmlns:a16="http://schemas.microsoft.com/office/drawing/2014/main" id="{F37E015F-2313-42AD-B9E2-FA8DCBC10063}"/>
+              </a:ext>
+            </a:extLst>
+          </p:cNvPr>
+          <p:cNvSpPr>
+            <a:spLocks noGrp="1"/>
+          </p:cNvSpPr>
+          <p:nvPr>
+            <p:ph idx="1"/>
+          </p:nvPr>
+        </p:nvSpPr>
+        <p:spPr/>
+        <p:txBody>
+          <a:bodyPr>
+            <a:normAutofit/>
+          </a:bodyPr>
+          <a:lstStyle/>
+          <a:p>
+            <a:pPr marL="0" indent="0">
+              <a:buNone/>
+            </a:pPr>
+            <a:r>
+              <a:rPr lang="en-US" sz="2400" dirty="0"/>
+              <a:t>Rigid rules stipulate certain behavior for some components in terms of shape, color, font and so on.</a:t>
+            </a:r>
+          </a:p>
+          <a:p>
+            <a:pPr marL="0" indent="0">
+              <a:buNone/>
+            </a:pPr>
+            <a:endParaRPr lang="en-US" sz="2400" dirty="0"/>
+          </a:p>
+          <a:p>
+            <a:pPr marL="0" indent="0">
+              <a:buNone/>
+            </a:pPr>
+            <a:r>
+              <a:rPr lang="en-US" sz="2400" i="1" dirty="0"/>
+              <a:t>“The text in body should not be impressive font”</a:t>
+            </a:r>
+            <a:endParaRPr lang="en-US" sz="2400" dirty="0"/>
+          </a:p>
+        </p:txBody>
+      </p:sp>
+      <p:pic>
+        <p:nvPicPr>
+          <p:cNvPr id="4" name="Picture 3">
+            <a:extLst>
+              <a:ext uri="{FF2B5EF4-FFF2-40B4-BE49-F238E27FC236}">
+                <a16:creationId xmlns:a16="http://schemas.microsoft.com/office/drawing/2014/main" id="{EA17B560-13DA-463C-9A20-4B8834DA8D59}"/>
+              </a:ext>
+            </a:extLst>
+          </p:cNvPr>
+          <p:cNvPicPr/>
+          <p:nvPr/>
+        </p:nvPicPr>
+        <p:blipFill>
+          <a:blip r:embed="rId2"/>
+          <a:stretch>
+            <a:fillRect/>
+          </a:stretch>
+        </p:blipFill>
+        <p:spPr>
+          <a:xfrm>
+            <a:off x="838200" y="3625374"/>
+            <a:ext cx="5024120" cy="2358866"/>
+          </a:xfrm>
+          <a:prstGeom prst="rect">
+            <a:avLst/>
+          </a:prstGeom>
+        </p:spPr>
+      </p:pic>
+      <p:pic>
+        <p:nvPicPr>
+          <p:cNvPr id="5" name="Picture 4">
+            <a:extLst>
+              <a:ext uri="{FF2B5EF4-FFF2-40B4-BE49-F238E27FC236}">
+                <a16:creationId xmlns:a16="http://schemas.microsoft.com/office/drawing/2014/main" id="{4369BC8B-9530-4BFF-8BEB-74E0ECA79776}"/>
+              </a:ext>
+            </a:extLst>
+          </p:cNvPr>
+          <p:cNvPicPr/>
+          <p:nvPr/>
+        </p:nvPicPr>
+        <p:blipFill>
+          <a:blip r:embed="rId3"/>
+          <a:stretch>
+            <a:fillRect/>
+          </a:stretch>
+        </p:blipFill>
+        <p:spPr>
+          <a:xfrm>
+            <a:off x="6096000" y="3625374"/>
+            <a:ext cx="5491480" cy="2551589"/>
+          </a:xfrm>
+          <a:prstGeom prst="rect">
+            <a:avLst/>
+          </a:prstGeom>
+        </p:spPr>
+      </p:pic>
+    </p:spTree>
+    <p:extLst>
+      <p:ext uri="{BB962C8B-B14F-4D97-AF65-F5344CB8AC3E}">
+        <p14:creationId xmlns:p14="http://schemas.microsoft.com/office/powerpoint/2010/main" val="2587363067"/>
+      </p:ext>
+    </p:extLst>
+  </p:cSld>
+  <p:clrMapOvr>
+    <a:masterClrMapping/>
+  </p:clrMapOvr>
+</p:sld>
+</file>
+
+<file path=ppt/slides/slide19.xml><?xml version="1.0" encoding="utf-8"?>
+<p:sld xmlns:a="http://schemas.openxmlformats.org/drawingml/2006/main" xmlns:r="http://schemas.openxmlformats.org/officeDocument/2006/relationships" xmlns:p="http://schemas.openxmlformats.org/presentationml/2006/main">
+  <p:cSld>
+    <p:spTree>
+      <p:nvGrpSpPr>
+        <p:cNvPr id="1" name=""/>
+        <p:cNvGrpSpPr/>
+        <p:nvPr/>
+      </p:nvGrpSpPr>
+      <p:grpSpPr>
+        <a:xfrm>
+          <a:off x="0" y="0"/>
+          <a:ext cx="0" cy="0"/>
+          <a:chOff x="0" y="0"/>
+          <a:chExt cx="0" cy="0"/>
+        </a:xfrm>
+      </p:grpSpPr>
+      <p:sp>
+        <p:nvSpPr>
+          <p:cNvPr id="2" name="Title 1">
+            <a:extLst>
+              <a:ext uri="{FF2B5EF4-FFF2-40B4-BE49-F238E27FC236}">
+                <a16:creationId xmlns:a16="http://schemas.microsoft.com/office/drawing/2014/main" id="{C56F8628-C8B1-4D5C-98C7-6C70D885A206}"/>
+              </a:ext>
+            </a:extLst>
+          </p:cNvPr>
+          <p:cNvSpPr>
+            <a:spLocks noGrp="1"/>
+          </p:cNvSpPr>
+          <p:nvPr>
+            <p:ph type="title"/>
+          </p:nvPr>
+        </p:nvSpPr>
+        <p:spPr/>
+        <p:txBody>
+          <a:bodyPr/>
+          <a:lstStyle/>
+          <a:p>
+            <a:pPr algn="ctr"/>
+            <a:r>
+              <a:rPr lang="en-US" b="1" dirty="0"/>
+              <a:t>Possible Methods for Rule Detection</a:t>
+            </a:r>
+          </a:p>
+        </p:txBody>
+      </p:sp>
+      <p:sp>
+        <p:nvSpPr>
+          <p:cNvPr id="3" name="Content Placeholder 2">
+            <a:extLst>
+              <a:ext uri="{FF2B5EF4-FFF2-40B4-BE49-F238E27FC236}">
+                <a16:creationId xmlns:a16="http://schemas.microsoft.com/office/drawing/2014/main" id="{91DA9440-9D02-49BA-BAD6-C774A3E7426E}"/>
+              </a:ext>
+            </a:extLst>
+          </p:cNvPr>
+          <p:cNvSpPr>
+            <a:spLocks noGrp="1"/>
+          </p:cNvSpPr>
+          <p:nvPr>
+            <p:ph sz="half" idx="1"/>
+          </p:nvPr>
+        </p:nvSpPr>
+        <p:spPr>
+          <a:xfrm>
+            <a:off x="838200" y="1825624"/>
+            <a:ext cx="5181600" cy="4351338"/>
+          </a:xfrm>
+        </p:spPr>
+        <p:txBody>
+          <a:bodyPr>
+            <a:normAutofit/>
+          </a:bodyPr>
+          <a:lstStyle/>
+          <a:p>
+            <a:r>
+              <a:rPr lang="en-US" sz="2600" dirty="0"/>
+              <a:t>Semantic Parsing</a:t>
+            </a:r>
+          </a:p>
+          <a:p>
+            <a:endParaRPr lang="en-US" dirty="0"/>
+          </a:p>
+          <a:p>
+            <a:endParaRPr lang="en-US" dirty="0"/>
+          </a:p>
+        </p:txBody>
+      </p:sp>
+      <p:sp>
+        <p:nvSpPr>
+          <p:cNvPr id="5" name="Content Placeholder 4">
+            <a:extLst>
+              <a:ext uri="{FF2B5EF4-FFF2-40B4-BE49-F238E27FC236}">
+                <a16:creationId xmlns:a16="http://schemas.microsoft.com/office/drawing/2014/main" id="{F831294F-5B2D-4FBA-B346-8C42C3CEB36B}"/>
+              </a:ext>
+            </a:extLst>
+          </p:cNvPr>
+          <p:cNvSpPr>
+            <a:spLocks noGrp="1"/>
+          </p:cNvSpPr>
+          <p:nvPr>
+            <p:ph sz="half" idx="2"/>
+          </p:nvPr>
+        </p:nvSpPr>
+        <p:spPr>
+          <a:xfrm>
+            <a:off x="6172200" y="1825625"/>
+            <a:ext cx="5181600" cy="4351338"/>
+          </a:xfrm>
+        </p:spPr>
+        <p:txBody>
+          <a:bodyPr>
+            <a:normAutofit/>
+          </a:bodyPr>
+          <a:lstStyle/>
+          <a:p>
+            <a:r>
+              <a:rPr lang="en-US" sz="2600" dirty="0"/>
+              <a:t>State Machine</a:t>
+            </a:r>
+          </a:p>
+          <a:p>
+            <a:endParaRPr lang="en-US" dirty="0"/>
+          </a:p>
+          <a:p>
+            <a:endParaRPr lang="en-US" dirty="0"/>
+          </a:p>
+          <a:p>
+            <a:endParaRPr lang="en-US" dirty="0"/>
+          </a:p>
+          <a:p>
+            <a:endParaRPr lang="en-US" dirty="0"/>
+          </a:p>
+          <a:p>
+            <a:endParaRPr lang="en-US" dirty="0"/>
+          </a:p>
+          <a:p>
+            <a:endParaRPr lang="en-US" dirty="0"/>
+          </a:p>
+          <a:p>
+            <a:endParaRPr lang="en-US" dirty="0"/>
+          </a:p>
+          <a:p>
+            <a:endParaRPr lang="en-US" dirty="0"/>
+          </a:p>
+        </p:txBody>
+      </p:sp>
+      <p:pic>
+        <p:nvPicPr>
+          <p:cNvPr id="6" name="Picture 5">
+            <a:extLst>
+              <a:ext uri="{FF2B5EF4-FFF2-40B4-BE49-F238E27FC236}">
+                <a16:creationId xmlns:a16="http://schemas.microsoft.com/office/drawing/2014/main" id="{11B4A282-E088-4E74-9F15-56F3D89F36D1}"/>
+              </a:ext>
+            </a:extLst>
+          </p:cNvPr>
+          <p:cNvPicPr>
+            <a:picLocks noChangeAspect="1"/>
+          </p:cNvPicPr>
+          <p:nvPr/>
+        </p:nvPicPr>
+        <p:blipFill>
+          <a:blip r:embed="rId3"/>
+          <a:stretch>
+            <a:fillRect/>
+          </a:stretch>
+        </p:blipFill>
+        <p:spPr>
+          <a:xfrm>
+            <a:off x="447062" y="2627630"/>
+            <a:ext cx="5572738" cy="2564130"/>
+          </a:xfrm>
+          <a:prstGeom prst="rect">
+            <a:avLst/>
+          </a:prstGeom>
+        </p:spPr>
+      </p:pic>
+      <p:pic>
+        <p:nvPicPr>
+          <p:cNvPr id="7" name="Picture 6">
+            <a:extLst>
+              <a:ext uri="{FF2B5EF4-FFF2-40B4-BE49-F238E27FC236}">
+                <a16:creationId xmlns:a16="http://schemas.microsoft.com/office/drawing/2014/main" id="{CAB50F39-7B78-4EBD-8B88-8F8AA31FD150}"/>
+              </a:ext>
+            </a:extLst>
+          </p:cNvPr>
+          <p:cNvPicPr>
+            <a:picLocks noChangeAspect="1"/>
+          </p:cNvPicPr>
+          <p:nvPr/>
+        </p:nvPicPr>
+        <p:blipFill>
+          <a:blip r:embed="rId4"/>
+          <a:stretch>
+            <a:fillRect/>
+          </a:stretch>
+        </p:blipFill>
+        <p:spPr>
+          <a:xfrm>
+            <a:off x="6809088" y="2627630"/>
+            <a:ext cx="3314700" cy="2371725"/>
+          </a:xfrm>
+          <a:prstGeom prst="rect">
+            <a:avLst/>
+          </a:prstGeom>
+        </p:spPr>
+      </p:pic>
+      <p:sp>
+        <p:nvSpPr>
+          <p:cNvPr id="8" name="Content Placeholder 2">
+            <a:extLst>
+              <a:ext uri="{FF2B5EF4-FFF2-40B4-BE49-F238E27FC236}">
+                <a16:creationId xmlns:a16="http://schemas.microsoft.com/office/drawing/2014/main" id="{FA8F030F-6814-4D67-B8FA-6C6A81AB5973}"/>
+              </a:ext>
+            </a:extLst>
+          </p:cNvPr>
+          <p:cNvSpPr txBox="1">
+            <a:spLocks/>
+          </p:cNvSpPr>
+          <p:nvPr/>
+        </p:nvSpPr>
+        <p:spPr>
+          <a:xfrm>
+            <a:off x="6275688" y="6449853"/>
+            <a:ext cx="7696200" cy="315913"/>
+          </a:xfrm>
+          <a:prstGeom prst="rect">
+            <a:avLst/>
+          </a:prstGeom>
+        </p:spPr>
+        <p:txBody>
+          <a:bodyPr vert="horz" lIns="91440" tIns="45720" rIns="91440" bIns="45720" rtlCol="0">
+            <a:normAutofit/>
+          </a:bodyPr>
+          <a:lstStyle>
+            <a:lvl1pPr marL="228600" indent="-228600" algn="l" defTabSz="914400" rtl="0" eaLnBrk="1" latinLnBrk="0" hangingPunct="1">
+              <a:lnSpc>
+                <a:spcPct val="90000"/>
+              </a:lnSpc>
+              <a:spcBef>
+                <a:spcPts val="1000"/>
+              </a:spcBef>
+              <a:buFont typeface="Arial" panose="020B0604020202020204" pitchFamily="34" charset="0"/>
+              <a:buChar char="•"/>
+              <a:defRPr sz="2800" kern="1200">
+                <a:solidFill>
+                  <a:schemeClr val="tx1"/>
+                </a:solidFill>
+                <a:latin typeface="+mn-lt"/>
+                <a:ea typeface="+mn-ea"/>
+                <a:cs typeface="+mn-cs"/>
+              </a:defRPr>
+            </a:lvl1pPr>
+            <a:lvl2pPr marL="685800" indent="-228600" algn="l" defTabSz="914400" rtl="0" eaLnBrk="1" latinLnBrk="0" hangingPunct="1">
+              <a:lnSpc>
+                <a:spcPct val="90000"/>
+              </a:lnSpc>
+              <a:spcBef>
+                <a:spcPts val="500"/>
+              </a:spcBef>
+              <a:buFont typeface="Arial" panose="020B0604020202020204" pitchFamily="34" charset="0"/>
+              <a:buChar char="•"/>
+              <a:defRPr sz="2400" kern="1200">
+                <a:solidFill>
+                  <a:schemeClr val="tx1"/>
+                </a:solidFill>
+                <a:latin typeface="+mn-lt"/>
+                <a:ea typeface="+mn-ea"/>
+                <a:cs typeface="+mn-cs"/>
+              </a:defRPr>
+            </a:lvl2pPr>
+            <a:lvl3pPr marL="1143000" indent="-228600" algn="l" defTabSz="914400" rtl="0" eaLnBrk="1" latinLnBrk="0" hangingPunct="1">
+              <a:lnSpc>
+                <a:spcPct val="90000"/>
+              </a:lnSpc>
+              <a:spcBef>
+                <a:spcPts val="500"/>
+              </a:spcBef>
+              <a:buFont typeface="Arial" panose="020B0604020202020204" pitchFamily="34" charset="0"/>
+              <a:buChar char="•"/>
+              <a:defRPr sz="2000" kern="1200">
+                <a:solidFill>
+                  <a:schemeClr val="tx1"/>
+                </a:solidFill>
+                <a:latin typeface="+mn-lt"/>
+                <a:ea typeface="+mn-ea"/>
+                <a:cs typeface="+mn-cs"/>
+              </a:defRPr>
+            </a:lvl3pPr>
+            <a:lvl4pPr marL="1600200" indent="-228600" algn="l" defTabSz="914400" rtl="0" eaLnBrk="1" latinLnBrk="0" hangingPunct="1">
+              <a:lnSpc>
+                <a:spcPct val="90000"/>
+              </a:lnSpc>
+              <a:spcBef>
+                <a:spcPts val="500"/>
+              </a:spcBef>
+              <a:buFont typeface="Arial" panose="020B0604020202020204" pitchFamily="34" charset="0"/>
+              <a:buChar char="•"/>
+              <a:defRPr sz="1800" kern="1200">
+                <a:solidFill>
+                  <a:schemeClr val="tx1"/>
+                </a:solidFill>
+                <a:latin typeface="+mn-lt"/>
+                <a:ea typeface="+mn-ea"/>
+                <a:cs typeface="+mn-cs"/>
+              </a:defRPr>
+            </a:lvl4pPr>
+            <a:lvl5pPr marL="2057400" indent="-228600" algn="l" defTabSz="914400" rtl="0" eaLnBrk="1" latinLnBrk="0" hangingPunct="1">
+              <a:lnSpc>
+                <a:spcPct val="90000"/>
+              </a:lnSpc>
+              <a:spcBef>
+                <a:spcPts val="500"/>
+              </a:spcBef>
+              <a:buFont typeface="Arial" panose="020B0604020202020204" pitchFamily="34" charset="0"/>
+              <a:buChar char="•"/>
+              <a:defRPr sz="1800" kern="1200">
+                <a:solidFill>
+                  <a:schemeClr val="tx1"/>
+                </a:solidFill>
+                <a:latin typeface="+mn-lt"/>
+                <a:ea typeface="+mn-ea"/>
+                <a:cs typeface="+mn-cs"/>
+              </a:defRPr>
+            </a:lvl5pPr>
+            <a:lvl6pPr marL="2514600" indent="-228600" algn="l" defTabSz="914400" rtl="0" eaLnBrk="1" latinLnBrk="0" hangingPunct="1">
+              <a:lnSpc>
+                <a:spcPct val="90000"/>
+              </a:lnSpc>
+              <a:spcBef>
+                <a:spcPts val="500"/>
+              </a:spcBef>
+              <a:buFont typeface="Arial" panose="020B0604020202020204" pitchFamily="34" charset="0"/>
+              <a:buChar char="•"/>
+              <a:defRPr sz="1800" kern="1200">
+                <a:solidFill>
+                  <a:schemeClr val="tx1"/>
+                </a:solidFill>
+                <a:latin typeface="+mn-lt"/>
+                <a:ea typeface="+mn-ea"/>
+                <a:cs typeface="+mn-cs"/>
+              </a:defRPr>
+            </a:lvl6pPr>
+            <a:lvl7pPr marL="2971800" indent="-228600" algn="l" defTabSz="914400" rtl="0" eaLnBrk="1" latinLnBrk="0" hangingPunct="1">
+              <a:lnSpc>
+                <a:spcPct val="90000"/>
+              </a:lnSpc>
+              <a:spcBef>
+                <a:spcPts val="500"/>
+              </a:spcBef>
+              <a:buFont typeface="Arial" panose="020B0604020202020204" pitchFamily="34" charset="0"/>
+              <a:buChar char="•"/>
+              <a:defRPr sz="1800" kern="1200">
+                <a:solidFill>
+                  <a:schemeClr val="tx1"/>
+                </a:solidFill>
+                <a:latin typeface="+mn-lt"/>
+                <a:ea typeface="+mn-ea"/>
+                <a:cs typeface="+mn-cs"/>
+              </a:defRPr>
+            </a:lvl7pPr>
+            <a:lvl8pPr marL="3429000" indent="-228600" algn="l" defTabSz="914400" rtl="0" eaLnBrk="1" latinLnBrk="0" hangingPunct="1">
+              <a:lnSpc>
+                <a:spcPct val="90000"/>
+              </a:lnSpc>
+              <a:spcBef>
+                <a:spcPts val="500"/>
+              </a:spcBef>
+              <a:buFont typeface="Arial" panose="020B0604020202020204" pitchFamily="34" charset="0"/>
+              <a:buChar char="•"/>
+              <a:defRPr sz="1800" kern="1200">
+                <a:solidFill>
+                  <a:schemeClr val="tx1"/>
+                </a:solidFill>
+                <a:latin typeface="+mn-lt"/>
+                <a:ea typeface="+mn-ea"/>
+                <a:cs typeface="+mn-cs"/>
+              </a:defRPr>
+            </a:lvl8pPr>
+            <a:lvl9pPr marL="3886200" indent="-228600" algn="l" defTabSz="914400" rtl="0" eaLnBrk="1" latinLnBrk="0" hangingPunct="1">
+              <a:lnSpc>
+                <a:spcPct val="90000"/>
+              </a:lnSpc>
+              <a:spcBef>
+                <a:spcPts val="500"/>
+              </a:spcBef>
+              <a:buFont typeface="Arial" panose="020B0604020202020204" pitchFamily="34" charset="0"/>
+              <a:buChar char="•"/>
+              <a:defRPr sz="1800" kern="1200">
+                <a:solidFill>
+                  <a:schemeClr val="tx1"/>
+                </a:solidFill>
+                <a:latin typeface="+mn-lt"/>
+                <a:ea typeface="+mn-ea"/>
+                <a:cs typeface="+mn-cs"/>
+              </a:defRPr>
+            </a:lvl9pPr>
+          </a:lstStyle>
+          <a:p>
+            <a:pPr marL="0" indent="0">
+              <a:buNone/>
+            </a:pPr>
+            <a:r>
+              <a:rPr lang="en-US" sz="1600" i="1" dirty="0"/>
+              <a:t>Reference: http://www.cs.tau.ac.il/~joberant/teaching/Talks/ben.pdf</a:t>
+            </a:r>
+          </a:p>
+          <a:p>
+            <a:endParaRPr lang="en-US" dirty="0"/>
+          </a:p>
+        </p:txBody>
+      </p:sp>
+    </p:spTree>
+    <p:extLst>
+      <p:ext uri="{BB962C8B-B14F-4D97-AF65-F5344CB8AC3E}">
+        <p14:creationId xmlns:p14="http://schemas.microsoft.com/office/powerpoint/2010/main" val="3446375406"/>
+      </p:ext>
+    </p:extLst>
+  </p:cSld>
+  <p:clrMapOvr>
+    <a:masterClrMapping/>
+  </p:clrMapOvr>
+</p:sld>
+</file>
+
 <file path=ppt/slides/slide2.xml><?xml version="1.0" encoding="utf-8"?>
 <p:sld xmlns:a="http://schemas.openxmlformats.org/drawingml/2006/main" xmlns:r="http://schemas.openxmlformats.org/officeDocument/2006/relationships" xmlns:p="http://schemas.openxmlformats.org/presentationml/2006/main">
   <p:cSld>
@@ -4873,8 +5848,9 @@
           <a:bodyPr/>
           <a:lstStyle/>
           <a:p>
-            <a:r>
-              <a:rPr lang="en-US" dirty="0"/>
+            <a:pPr algn="ctr"/>
+            <a:r>
+              <a:rPr lang="en-US" b="1" dirty="0"/>
               <a:t>Forms of Rules in Google Documentation</a:t>
             </a:r>
           </a:p>
@@ -5107,8 +6083,9 @@
           <a:bodyPr/>
           <a:lstStyle/>
           <a:p>
-            <a:r>
-              <a:rPr lang="en-US" dirty="0"/>
+            <a:pPr algn="ctr"/>
+            <a:r>
+              <a:rPr lang="en-US" b="1" dirty="0"/>
               <a:t>Categories of Rules in Documentation</a:t>
             </a:r>
           </a:p>
@@ -5233,6 +6210,15 @@
             <a:r>
               <a:rPr lang="en-US" sz="2400" dirty="0"/>
               <a:t> Rule</a:t>
+            </a:r>
+          </a:p>
+          <a:p>
+            <a:endParaRPr lang="en-US" sz="2400" dirty="0"/>
+          </a:p>
+          <a:p>
+            <a:r>
+              <a:rPr lang="en-US" sz="2400" dirty="0"/>
+              <a:t>Rigid Rule</a:t>
             </a:r>
           </a:p>
           <a:p>
@@ -5291,8 +6277,9 @@
           <a:bodyPr/>
           <a:lstStyle/>
           <a:p>
-            <a:r>
-              <a:rPr lang="en-US" dirty="0"/>
+            <a:pPr algn="ctr"/>
+            <a:r>
+              <a:rPr lang="en-US" b="1" dirty="0"/>
               <a:t>Categories of Rules in Documentation</a:t>
             </a:r>
           </a:p>
@@ -5475,7 +6462,20 @@
             </a:r>
             <a:r>
               <a:rPr lang="en-US" dirty="0"/>
-              <a:t> Rule </a:t>
+              <a:t> Rule</a:t>
+            </a:r>
+          </a:p>
+          <a:p>
+            <a:pPr lvl="1">
+              <a:lnSpc>
+                <a:spcPct val="160000"/>
+              </a:lnSpc>
+              <a:buFont typeface="Courier New" panose="02070309020205020404" pitchFamily="49" charset="0"/>
+              <a:buChar char="o"/>
+            </a:pPr>
+            <a:r>
+              <a:rPr lang="en-US" dirty="0"/>
+              <a:t>Rigid Rule  </a:t>
             </a:r>
           </a:p>
           <a:p>
